--- a/chart-01.pptx
+++ b/chart-01.pptx
@@ -13,6 +13,20 @@
     <p:sldId id="261" r:id="rId12"/>
     <p:sldId id="262" r:id="rId13"/>
     <p:sldId id="263" r:id="rId14"/>
+    <p:sldId id="264" r:id="rId15"/>
+    <p:sldId id="265" r:id="rId16"/>
+    <p:sldId id="266" r:id="rId17"/>
+    <p:sldId id="267" r:id="rId18"/>
+    <p:sldId id="268" r:id="rId19"/>
+    <p:sldId id="269" r:id="rId20"/>
+    <p:sldId id="270" r:id="rId21"/>
+    <p:sldId id="271" r:id="rId22"/>
+    <p:sldId id="272" r:id="rId23"/>
+    <p:sldId id="273" r:id="rId24"/>
+    <p:sldId id="274" r:id="rId25"/>
+    <p:sldId id="275" r:id="rId26"/>
+    <p:sldId id="276" r:id="rId27"/>
+    <p:sldId id="277" r:id="rId28"/>
   </p:sldIdLst>
   <p:sldSz cx="13716000" cy="6858000" type="screen4x3"/>
   <p:notesSz cx="6858000" cy="9144000"/>
@@ -185,7 +199,7 @@
                 <c:formatCode>General</c:formatCode>
                 <c:ptCount val="11"/>
                 <c:pt idx="0">
-                  <c:v>3544598.0</c:v>
+                  <c:v>0</c:v>
                 </c:pt>
                 <c:pt idx="1">
                   <c:v>1961993.15</c:v>
@@ -283,7 +297,7 @@
                 <c:formatCode>General</c:formatCode>
                 <c:ptCount val="11"/>
                 <c:pt idx="0">
-                  <c:v>4076798.29</c:v>
+                  <c:v>0</c:v>
                 </c:pt>
                 <c:pt idx="1">
                   <c:v>2413985.31</c:v>
@@ -310,7 +324,7 @@
                   <c:v>4233863.87</c:v>
                 </c:pt>
                 <c:pt idx="9">
-                  <c:v/>
+                  <c:v>0</c:v>
                 </c:pt>
                 <c:pt idx="10">
                   <c:v>2263359.95</c:v>
@@ -376,10 +390,2953 @@
           </c:cat>
           <c:val>
             <c:numRef>
-              <c:f>Sheet1!$D$2:$D$1</c:f>
+              <c:f>Sheet1!$D$2:$D$12</c:f>
               <c:numCache>
                 <c:formatCode>General</c:formatCode>
-                <c:ptCount val="0"/>
+                <c:ptCount val="11"/>
+                <c:pt idx="0">
+                  <c:v>0</c:v>
+                </c:pt>
+                <c:pt idx="1">
+                  <c:v>18.72</c:v>
+                </c:pt>
+                <c:pt idx="2">
+                  <c:v>8.15</c:v>
+                </c:pt>
+                <c:pt idx="3">
+                  <c:v>9.2</c:v>
+                </c:pt>
+                <c:pt idx="4">
+                  <c:v>13.4</c:v>
+                </c:pt>
+                <c:pt idx="5">
+                  <c:v>20.14</c:v>
+                </c:pt>
+                <c:pt idx="6">
+                  <c:v>19.9</c:v>
+                </c:pt>
+                <c:pt idx="7">
+                  <c:v>16.11</c:v>
+                </c:pt>
+                <c:pt idx="8">
+                  <c:v>9.01</c:v>
+                </c:pt>
+                <c:pt idx="9">
+                  <c:v>0</c:v>
+                </c:pt>
+                <c:pt idx="10">
+                  <c:v>15.29</c:v>
+                </c:pt>
+              </c:numCache>
+            </c:numRef>
+          </c:val>
+        </c:ser>
+        <c:dLbls>
+          <c:txPr>
+            <a:bodyPr/>
+            <a:lstStyle/>
+            <a:p>
+              <a:pPr>
+                <a:defRPr sz="1300">
+                  <a:solidFill>
+                    <a:srgbClr val="0A4280"/>
+                  </a:solidFill>
+                </a:defRPr>
+              </a:pPr>
+            </a:p>
+          </c:txPr>
+          <c:dLblPos val="inEnd"/>
+          <c:showLegendKey val="0"/>
+          <c:showVal val="1"/>
+          <c:showCatName val="0"/>
+          <c:showSerName val="0"/>
+          <c:showPercent val="0"/>
+          <c:showBubbleSize val="0"/>
+          <c:showLeaderLines val="1"/>
+        </c:dLbls>
+        <c:axId val="-2068027336"/>
+        <c:axId val="-2113994440"/>
+      </c:barChart>
+      <c:catAx>
+        <c:axId val="-2068027336"/>
+        <c:scaling>
+          <c:orientation val="minMax"/>
+        </c:scaling>
+        <c:delete val="0"/>
+        <c:axPos val="b"/>
+        <c:majorTickMark val="out"/>
+        <c:minorTickMark val="none"/>
+        <c:tickLblPos val="nextTo"/>
+        <c:crossAx val="-2113994440"/>
+        <c:crosses val="autoZero"/>
+        <c:auto val="1"/>
+        <c:lblAlgn val="ctr"/>
+        <c:lblOffset val="100"/>
+        <c:noMultiLvlLbl val="0"/>
+      </c:catAx>
+      <c:valAx>
+        <c:axId val="-2113994440"/>
+        <c:scaling/>
+        <c:delete val="0"/>
+        <c:axPos val="l"/>
+        <c:majorGridlines/>
+        <c:majorTickMark val="out"/>
+        <c:minorTickMark val="none"/>
+        <c:tickLblPos val="nextTo"/>
+        <c:crossAx val="-2068027336"/>
+        <c:crosses val="autoZero"/>
+      </c:valAx>
+    </c:plotArea>
+    <c:legend>
+      <c:legendPos/>
+      <c:overlay val="0"/>
+    </c:legend>
+    <c:dispBlanksAs val="gap"/>
+  </c:chart>
+  <c:txPr>
+    <a:bodyPr/>
+    <a:lstStyle/>
+    <a:p>
+      <a:pPr>
+        <a:defRPr sz="1800"/>
+      </a:pPr>
+      <a:endParaRPr lang="en-US"/>
+    </a:p>
+  </c:txPr>
+  <c:externalData r:id="rId1">
+    <c:autoUpdate val="0"/>
+  </c:externalData>
+</c:chartSpace>
+</file>
+
+<file path=ppt/charts/chart10.xml><?xml version="1.0" encoding="utf-8"?>
+<c:chartSpace xmlns:c="http://schemas.openxmlformats.org/drawingml/2006/chart" xmlns:a="http://schemas.openxmlformats.org/drawingml/2006/main" xmlns:r="http://schemas.openxmlformats.org/officeDocument/2006/relationships">
+  <c:date1904 val="0"/>
+  <c:chart>
+    <c:autoTitleDeleted val="0"/>
+    <c:plotArea>
+      <c:barChart>
+        <c:barDir val="col"/>
+        <c:grouping val="clustered"/>
+        <c:ser>
+          <c:idx val="0"/>
+          <c:order val="0"/>
+          <c:tx>
+            <c:strRef>
+              <c:f>Sheet1!$B$1</c:f>
+              <c:strCache>
+                <c:ptCount val="1"/>
+                <c:pt idx="0">
+                  <c:v>2022</c:v>
+                </c:pt>
+              </c:strCache>
+            </c:strRef>
+          </c:tx>
+          <c:cat>
+            <c:strRef>
+              <c:f>Sheet1!$A$2:$A$12</c:f>
+              <c:strCache>
+                <c:ptCount val="11"/>
+                <c:pt idx="0">
+                  <c:v>1 Краснодар</c:v>
+                </c:pt>
+                <c:pt idx="1">
+                  <c:v>2 Краснодар</c:v>
+                </c:pt>
+                <c:pt idx="2">
+                  <c:v>3 Краснодар</c:v>
+                </c:pt>
+                <c:pt idx="3">
+                  <c:v>4 Краснодар</c:v>
+                </c:pt>
+                <c:pt idx="4">
+                  <c:v>5 Краснодар</c:v>
+                </c:pt>
+                <c:pt idx="5">
+                  <c:v>6 Краснодар</c:v>
+                </c:pt>
+                <c:pt idx="6">
+                  <c:v>7 Краснодар</c:v>
+                </c:pt>
+                <c:pt idx="7">
+                  <c:v>8 Краснодар</c:v>
+                </c:pt>
+                <c:pt idx="8">
+                  <c:v>9 Краснодар</c:v>
+                </c:pt>
+                <c:pt idx="9">
+                  <c:v>10 Краснодар</c:v>
+                </c:pt>
+                <c:pt idx="10">
+                  <c:v>11 Краснодар</c:v>
+                </c:pt>
+              </c:strCache>
+            </c:strRef>
+          </c:cat>
+          <c:val>
+            <c:numRef>
+              <c:f>Sheet1!$B$2:$B$12</c:f>
+              <c:numCache>
+                <c:formatCode>General</c:formatCode>
+                <c:ptCount val="11"/>
+                <c:pt idx="0">
+                  <c:v>0</c:v>
+                </c:pt>
+                <c:pt idx="1">
+                  <c:v>12215.836</c:v>
+                </c:pt>
+                <c:pt idx="2">
+                  <c:v>15254.773</c:v>
+                </c:pt>
+                <c:pt idx="3">
+                  <c:v>14981.991</c:v>
+                </c:pt>
+                <c:pt idx="4">
+                  <c:v>16443.866</c:v>
+                </c:pt>
+                <c:pt idx="5">
+                  <c:v>12441.59</c:v>
+                </c:pt>
+                <c:pt idx="6">
+                  <c:v>15814.762</c:v>
+                </c:pt>
+                <c:pt idx="7">
+                  <c:v>19596.811</c:v>
+                </c:pt>
+                <c:pt idx="8">
+                  <c:v>19959.282</c:v>
+                </c:pt>
+                <c:pt idx="9">
+                  <c:v>0</c:v>
+                </c:pt>
+                <c:pt idx="10">
+                  <c:v>14272.706</c:v>
+                </c:pt>
+              </c:numCache>
+            </c:numRef>
+          </c:val>
+        </c:ser>
+        <c:ser>
+          <c:idx val="1"/>
+          <c:order val="1"/>
+          <c:tx>
+            <c:strRef>
+              <c:f>Sheet1!$C$1</c:f>
+              <c:strCache>
+                <c:ptCount val="1"/>
+                <c:pt idx="0">
+                  <c:v>2023</c:v>
+                </c:pt>
+              </c:strCache>
+            </c:strRef>
+          </c:tx>
+          <c:cat>
+            <c:strRef>
+              <c:f>Sheet1!$A$2:$A$12</c:f>
+              <c:strCache>
+                <c:ptCount val="11"/>
+                <c:pt idx="0">
+                  <c:v>1 Краснодар</c:v>
+                </c:pt>
+                <c:pt idx="1">
+                  <c:v>2 Краснодар</c:v>
+                </c:pt>
+                <c:pt idx="2">
+                  <c:v>3 Краснодар</c:v>
+                </c:pt>
+                <c:pt idx="3">
+                  <c:v>4 Краснодар</c:v>
+                </c:pt>
+                <c:pt idx="4">
+                  <c:v>5 Краснодар</c:v>
+                </c:pt>
+                <c:pt idx="5">
+                  <c:v>6 Краснодар</c:v>
+                </c:pt>
+                <c:pt idx="6">
+                  <c:v>7 Краснодар</c:v>
+                </c:pt>
+                <c:pt idx="7">
+                  <c:v>8 Краснодар</c:v>
+                </c:pt>
+                <c:pt idx="8">
+                  <c:v>9 Краснодар</c:v>
+                </c:pt>
+                <c:pt idx="9">
+                  <c:v>10 Краснодар</c:v>
+                </c:pt>
+                <c:pt idx="10">
+                  <c:v>11 Краснодар</c:v>
+                </c:pt>
+              </c:strCache>
+            </c:strRef>
+          </c:cat>
+          <c:val>
+            <c:numRef>
+              <c:f>Sheet1!$C$2:$C$12</c:f>
+              <c:numCache>
+                <c:formatCode>General</c:formatCode>
+                <c:ptCount val="11"/>
+                <c:pt idx="0">
+                  <c:v>0</c:v>
+                </c:pt>
+                <c:pt idx="1">
+                  <c:v>12682.7</c:v>
+                </c:pt>
+                <c:pt idx="2">
+                  <c:v>13965.825</c:v>
+                </c:pt>
+                <c:pt idx="3">
+                  <c:v>15461.705</c:v>
+                </c:pt>
+                <c:pt idx="4">
+                  <c:v>15728.668</c:v>
+                </c:pt>
+                <c:pt idx="5">
+                  <c:v>14733.27</c:v>
+                </c:pt>
+                <c:pt idx="6">
+                  <c:v>17252.528</c:v>
+                </c:pt>
+                <c:pt idx="7">
+                  <c:v>19101.627</c:v>
+                </c:pt>
+                <c:pt idx="8">
+                  <c:v>19014.267</c:v>
+                </c:pt>
+                <c:pt idx="9">
+                  <c:v>0</c:v>
+                </c:pt>
+                <c:pt idx="10">
+                  <c:v>14646.427</c:v>
+                </c:pt>
+              </c:numCache>
+            </c:numRef>
+          </c:val>
+        </c:ser>
+        <c:ser>
+          <c:idx val="2"/>
+          <c:order val="2"/>
+          <c:tx>
+            <c:strRef>
+              <c:f>Sheet1!$D$1</c:f>
+              <c:strCache>
+                <c:ptCount val="1"/>
+                <c:pt idx="0">
+                  <c:v>%</c:v>
+                </c:pt>
+              </c:strCache>
+            </c:strRef>
+          </c:tx>
+          <c:cat>
+            <c:strRef>
+              <c:f>Sheet1!$A$2:$A$12</c:f>
+              <c:strCache>
+                <c:ptCount val="11"/>
+                <c:pt idx="0">
+                  <c:v>1 Краснодар</c:v>
+                </c:pt>
+                <c:pt idx="1">
+                  <c:v>2 Краснодар</c:v>
+                </c:pt>
+                <c:pt idx="2">
+                  <c:v>3 Краснодар</c:v>
+                </c:pt>
+                <c:pt idx="3">
+                  <c:v>4 Краснодар</c:v>
+                </c:pt>
+                <c:pt idx="4">
+                  <c:v>5 Краснодар</c:v>
+                </c:pt>
+                <c:pt idx="5">
+                  <c:v>6 Краснодар</c:v>
+                </c:pt>
+                <c:pt idx="6">
+                  <c:v>7 Краснодар</c:v>
+                </c:pt>
+                <c:pt idx="7">
+                  <c:v>8 Краснодар</c:v>
+                </c:pt>
+                <c:pt idx="8">
+                  <c:v>9 Краснодар</c:v>
+                </c:pt>
+                <c:pt idx="9">
+                  <c:v>10 Краснодар</c:v>
+                </c:pt>
+                <c:pt idx="10">
+                  <c:v>11 Краснодар</c:v>
+                </c:pt>
+              </c:strCache>
+            </c:strRef>
+          </c:cat>
+          <c:val>
+            <c:numRef>
+              <c:f>Sheet1!$D$2:$D$12</c:f>
+              <c:numCache>
+                <c:formatCode>General</c:formatCode>
+                <c:ptCount val="11"/>
+                <c:pt idx="0">
+                  <c:v>0</c:v>
+                </c:pt>
+                <c:pt idx="1">
+                  <c:v>3.68</c:v>
+                </c:pt>
+                <c:pt idx="2">
+                  <c:v>-9.23</c:v>
+                </c:pt>
+                <c:pt idx="3">
+                  <c:v>3.1</c:v>
+                </c:pt>
+                <c:pt idx="4">
+                  <c:v>-4.55</c:v>
+                </c:pt>
+                <c:pt idx="5">
+                  <c:v>15.55</c:v>
+                </c:pt>
+                <c:pt idx="6">
+                  <c:v>8.33</c:v>
+                </c:pt>
+                <c:pt idx="7">
+                  <c:v>-2.59</c:v>
+                </c:pt>
+                <c:pt idx="8">
+                  <c:v>-4.97</c:v>
+                </c:pt>
+                <c:pt idx="9">
+                  <c:v>0</c:v>
+                </c:pt>
+                <c:pt idx="10">
+                  <c:v>2.55</c:v>
+                </c:pt>
+              </c:numCache>
+            </c:numRef>
+          </c:val>
+        </c:ser>
+        <c:dLbls>
+          <c:txPr>
+            <a:bodyPr/>
+            <a:lstStyle/>
+            <a:p>
+              <a:pPr>
+                <a:defRPr sz="1300">
+                  <a:solidFill>
+                    <a:srgbClr val="0A4280"/>
+                  </a:solidFill>
+                </a:defRPr>
+              </a:pPr>
+            </a:p>
+          </c:txPr>
+          <c:dLblPos val="inEnd"/>
+          <c:showLegendKey val="0"/>
+          <c:showVal val="1"/>
+          <c:showCatName val="0"/>
+          <c:showSerName val="0"/>
+          <c:showPercent val="0"/>
+          <c:showBubbleSize val="0"/>
+          <c:showLeaderLines val="1"/>
+        </c:dLbls>
+        <c:axId val="-2068027336"/>
+        <c:axId val="-2113994440"/>
+      </c:barChart>
+      <c:catAx>
+        <c:axId val="-2068027336"/>
+        <c:scaling>
+          <c:orientation val="minMax"/>
+        </c:scaling>
+        <c:delete val="0"/>
+        <c:axPos val="b"/>
+        <c:majorTickMark val="out"/>
+        <c:minorTickMark val="none"/>
+        <c:tickLblPos val="nextTo"/>
+        <c:crossAx val="-2113994440"/>
+        <c:crosses val="autoZero"/>
+        <c:auto val="1"/>
+        <c:lblAlgn val="ctr"/>
+        <c:lblOffset val="100"/>
+        <c:noMultiLvlLbl val="0"/>
+      </c:catAx>
+      <c:valAx>
+        <c:axId val="-2113994440"/>
+        <c:scaling/>
+        <c:delete val="0"/>
+        <c:axPos val="l"/>
+        <c:majorGridlines/>
+        <c:majorTickMark val="out"/>
+        <c:minorTickMark val="none"/>
+        <c:tickLblPos val="nextTo"/>
+        <c:crossAx val="-2068027336"/>
+        <c:crosses val="autoZero"/>
+      </c:valAx>
+    </c:plotArea>
+    <c:legend>
+      <c:legendPos/>
+      <c:overlay val="0"/>
+    </c:legend>
+    <c:dispBlanksAs val="gap"/>
+  </c:chart>
+  <c:txPr>
+    <a:bodyPr/>
+    <a:lstStyle/>
+    <a:p>
+      <a:pPr>
+        <a:defRPr sz="1800"/>
+      </a:pPr>
+      <a:endParaRPr lang="en-US"/>
+    </a:p>
+  </c:txPr>
+  <c:externalData r:id="rId1">
+    <c:autoUpdate val="0"/>
+  </c:externalData>
+</c:chartSpace>
+</file>
+
+<file path=ppt/charts/chart11.xml><?xml version="1.0" encoding="utf-8"?>
+<c:chartSpace xmlns:c="http://schemas.openxmlformats.org/drawingml/2006/chart" xmlns:a="http://schemas.openxmlformats.org/drawingml/2006/main" xmlns:r="http://schemas.openxmlformats.org/officeDocument/2006/relationships">
+  <c:date1904 val="0"/>
+  <c:chart>
+    <c:autoTitleDeleted val="0"/>
+    <c:plotArea>
+      <c:barChart>
+        <c:barDir val="col"/>
+        <c:grouping val="clustered"/>
+        <c:ser>
+          <c:idx val="0"/>
+          <c:order val="0"/>
+          <c:tx>
+            <c:strRef>
+              <c:f>Sheet1!$B$1</c:f>
+              <c:strCache>
+                <c:ptCount val="1"/>
+                <c:pt idx="0">
+                  <c:v>2022</c:v>
+                </c:pt>
+              </c:strCache>
+            </c:strRef>
+          </c:tx>
+          <c:cat>
+            <c:strRef>
+              <c:f>Sheet1!$A$2:$A$2</c:f>
+              <c:strCache>
+                <c:ptCount val="1"/>
+                <c:pt idx="0">
+                  <c:v>в рублях</c:v>
+                </c:pt>
+              </c:strCache>
+            </c:strRef>
+          </c:cat>
+          <c:val>
+            <c:numRef>
+              <c:f>Sheet1!$B$2:$B$2</c:f>
+              <c:numCache>
+                <c:formatCode>General</c:formatCode>
+                <c:ptCount val="1"/>
+                <c:pt idx="0">
+                  <c:v>33777508.18</c:v>
+                </c:pt>
+              </c:numCache>
+            </c:numRef>
+          </c:val>
+        </c:ser>
+        <c:ser>
+          <c:idx val="1"/>
+          <c:order val="1"/>
+          <c:tx>
+            <c:strRef>
+              <c:f>Sheet1!$C$1</c:f>
+              <c:strCache>
+                <c:ptCount val="1"/>
+                <c:pt idx="0">
+                  <c:v>2023</c:v>
+                </c:pt>
+              </c:strCache>
+            </c:strRef>
+          </c:tx>
+          <c:cat>
+            <c:strRef>
+              <c:f>Sheet1!$A$2:$A$2</c:f>
+              <c:strCache>
+                <c:ptCount val="1"/>
+                <c:pt idx="0">
+                  <c:v>в рублях</c:v>
+                </c:pt>
+              </c:strCache>
+            </c:strRef>
+          </c:cat>
+          <c:val>
+            <c:numRef>
+              <c:f>Sheet1!$C$2:$C$2</c:f>
+              <c:numCache>
+                <c:formatCode>General</c:formatCode>
+                <c:ptCount val="1"/>
+                <c:pt idx="0">
+                  <c:v>36099332.18</c:v>
+                </c:pt>
+              </c:numCache>
+            </c:numRef>
+          </c:val>
+        </c:ser>
+        <c:ser>
+          <c:idx val="2"/>
+          <c:order val="2"/>
+          <c:tx>
+            <c:strRef>
+              <c:f>Sheet1!$D$1</c:f>
+              <c:strCache>
+                <c:ptCount val="1"/>
+                <c:pt idx="0">
+                  <c:v>%</c:v>
+                </c:pt>
+              </c:strCache>
+            </c:strRef>
+          </c:tx>
+          <c:cat>
+            <c:strRef>
+              <c:f>Sheet1!$A$2:$A$2</c:f>
+              <c:strCache>
+                <c:ptCount val="1"/>
+                <c:pt idx="0">
+                  <c:v>в рублях</c:v>
+                </c:pt>
+              </c:strCache>
+            </c:strRef>
+          </c:cat>
+          <c:val>
+            <c:numRef>
+              <c:f>Sheet1!$D$2:$D$2</c:f>
+              <c:numCache>
+                <c:formatCode>General</c:formatCode>
+                <c:ptCount val="1"/>
+                <c:pt idx="0">
+                  <c:v>6.4</c:v>
+                </c:pt>
+              </c:numCache>
+            </c:numRef>
+          </c:val>
+        </c:ser>
+        <c:dLbls>
+          <c:txPr>
+            <a:bodyPr/>
+            <a:lstStyle/>
+            <a:p>
+              <a:pPr>
+                <a:defRPr sz="1300">
+                  <a:solidFill>
+                    <a:srgbClr val="0A4280"/>
+                  </a:solidFill>
+                </a:defRPr>
+              </a:pPr>
+            </a:p>
+          </c:txPr>
+          <c:dLblPos val="inEnd"/>
+          <c:showLegendKey val="0"/>
+          <c:showVal val="1"/>
+          <c:showCatName val="0"/>
+          <c:showSerName val="0"/>
+          <c:showPercent val="0"/>
+          <c:showBubbleSize val="0"/>
+          <c:showLeaderLines val="1"/>
+        </c:dLbls>
+        <c:axId val="-2068027336"/>
+        <c:axId val="-2113994440"/>
+      </c:barChart>
+      <c:catAx>
+        <c:axId val="-2068027336"/>
+        <c:scaling>
+          <c:orientation val="minMax"/>
+        </c:scaling>
+        <c:delete val="0"/>
+        <c:axPos val="b"/>
+        <c:majorTickMark val="out"/>
+        <c:minorTickMark val="none"/>
+        <c:tickLblPos val="nextTo"/>
+        <c:crossAx val="-2113994440"/>
+        <c:crosses val="autoZero"/>
+        <c:auto val="1"/>
+        <c:lblAlgn val="ctr"/>
+        <c:lblOffset val="100"/>
+        <c:noMultiLvlLbl val="0"/>
+      </c:catAx>
+      <c:valAx>
+        <c:axId val="-2113994440"/>
+        <c:scaling/>
+        <c:delete val="0"/>
+        <c:axPos val="l"/>
+        <c:majorGridlines/>
+        <c:majorTickMark val="out"/>
+        <c:minorTickMark val="none"/>
+        <c:tickLblPos val="nextTo"/>
+        <c:crossAx val="-2068027336"/>
+        <c:crosses val="autoZero"/>
+      </c:valAx>
+    </c:plotArea>
+    <c:legend>
+      <c:legendPos/>
+      <c:overlay val="0"/>
+    </c:legend>
+    <c:dispBlanksAs val="gap"/>
+  </c:chart>
+  <c:txPr>
+    <a:bodyPr/>
+    <a:lstStyle/>
+    <a:p>
+      <a:pPr>
+        <a:defRPr sz="1800"/>
+      </a:pPr>
+      <a:endParaRPr lang="en-US"/>
+    </a:p>
+  </c:txPr>
+  <c:externalData r:id="rId1">
+    <c:autoUpdate val="0"/>
+  </c:externalData>
+</c:chartSpace>
+</file>
+
+<file path=ppt/charts/chart12.xml><?xml version="1.0" encoding="utf-8"?>
+<c:chartSpace xmlns:c="http://schemas.openxmlformats.org/drawingml/2006/chart" xmlns:a="http://schemas.openxmlformats.org/drawingml/2006/main" xmlns:r="http://schemas.openxmlformats.org/officeDocument/2006/relationships">
+  <c:date1904 val="0"/>
+  <c:chart>
+    <c:autoTitleDeleted val="0"/>
+    <c:plotArea>
+      <c:barChart>
+        <c:barDir val="col"/>
+        <c:grouping val="clustered"/>
+        <c:ser>
+          <c:idx val="0"/>
+          <c:order val="0"/>
+          <c:tx>
+            <c:strRef>
+              <c:f>Sheet1!$B$1</c:f>
+              <c:strCache>
+                <c:ptCount val="1"/>
+                <c:pt idx="0">
+                  <c:v>2022</c:v>
+                </c:pt>
+              </c:strCache>
+            </c:strRef>
+          </c:tx>
+          <c:cat>
+            <c:strRef>
+              <c:f>Sheet1!$A$2:$A$2</c:f>
+              <c:strCache>
+                <c:ptCount val="1"/>
+                <c:pt idx="0">
+                  <c:v>В килограммах</c:v>
+                </c:pt>
+              </c:strCache>
+            </c:strRef>
+          </c:cat>
+          <c:val>
+            <c:numRef>
+              <c:f>Sheet1!$B$2:$B$2</c:f>
+              <c:numCache>
+                <c:formatCode>General</c:formatCode>
+                <c:ptCount val="1"/>
+                <c:pt idx="0">
+                  <c:v>140981.617</c:v>
+                </c:pt>
+              </c:numCache>
+            </c:numRef>
+          </c:val>
+        </c:ser>
+        <c:ser>
+          <c:idx val="1"/>
+          <c:order val="1"/>
+          <c:tx>
+            <c:strRef>
+              <c:f>Sheet1!$C$1</c:f>
+              <c:strCache>
+                <c:ptCount val="1"/>
+                <c:pt idx="0">
+                  <c:v>2023</c:v>
+                </c:pt>
+              </c:strCache>
+            </c:strRef>
+          </c:tx>
+          <c:cat>
+            <c:strRef>
+              <c:f>Sheet1!$A$2:$A$2</c:f>
+              <c:strCache>
+                <c:ptCount val="1"/>
+                <c:pt idx="0">
+                  <c:v>В килограммах</c:v>
+                </c:pt>
+              </c:strCache>
+            </c:strRef>
+          </c:cat>
+          <c:val>
+            <c:numRef>
+              <c:f>Sheet1!$C$2:$C$2</c:f>
+              <c:numCache>
+                <c:formatCode>General</c:formatCode>
+                <c:ptCount val="1"/>
+                <c:pt idx="0">
+                  <c:v>142587.017</c:v>
+                </c:pt>
+              </c:numCache>
+            </c:numRef>
+          </c:val>
+        </c:ser>
+        <c:ser>
+          <c:idx val="2"/>
+          <c:order val="2"/>
+          <c:tx>
+            <c:strRef>
+              <c:f>Sheet1!$D$1</c:f>
+              <c:strCache>
+                <c:ptCount val="1"/>
+                <c:pt idx="0">
+                  <c:v>%</c:v>
+                </c:pt>
+              </c:strCache>
+            </c:strRef>
+          </c:tx>
+          <c:cat>
+            <c:strRef>
+              <c:f>Sheet1!$A$2:$A$2</c:f>
+              <c:strCache>
+                <c:ptCount val="1"/>
+                <c:pt idx="0">
+                  <c:v>В килограммах</c:v>
+                </c:pt>
+              </c:strCache>
+            </c:strRef>
+          </c:cat>
+          <c:val>
+            <c:numRef>
+              <c:f>Sheet1!$D$2:$D$2</c:f>
+              <c:numCache>
+                <c:formatCode>General</c:formatCode>
+                <c:ptCount val="1"/>
+                <c:pt idx="0">
+                  <c:v>1.1</c:v>
+                </c:pt>
+              </c:numCache>
+            </c:numRef>
+          </c:val>
+        </c:ser>
+        <c:dLbls>
+          <c:txPr>
+            <a:bodyPr/>
+            <a:lstStyle/>
+            <a:p>
+              <a:pPr>
+                <a:defRPr sz="1300">
+                  <a:solidFill>
+                    <a:srgbClr val="0A4280"/>
+                  </a:solidFill>
+                </a:defRPr>
+              </a:pPr>
+            </a:p>
+          </c:txPr>
+          <c:dLblPos val="inEnd"/>
+          <c:showLegendKey val="0"/>
+          <c:showVal val="1"/>
+          <c:showCatName val="0"/>
+          <c:showSerName val="0"/>
+          <c:showPercent val="0"/>
+          <c:showBubbleSize val="0"/>
+          <c:showLeaderLines val="1"/>
+        </c:dLbls>
+        <c:axId val="-2068027336"/>
+        <c:axId val="-2113994440"/>
+      </c:barChart>
+      <c:catAx>
+        <c:axId val="-2068027336"/>
+        <c:scaling>
+          <c:orientation val="minMax"/>
+        </c:scaling>
+        <c:delete val="0"/>
+        <c:axPos val="b"/>
+        <c:majorTickMark val="out"/>
+        <c:minorTickMark val="none"/>
+        <c:tickLblPos val="nextTo"/>
+        <c:crossAx val="-2113994440"/>
+        <c:crosses val="autoZero"/>
+        <c:auto val="1"/>
+        <c:lblAlgn val="ctr"/>
+        <c:lblOffset val="100"/>
+        <c:noMultiLvlLbl val="0"/>
+      </c:catAx>
+      <c:valAx>
+        <c:axId val="-2113994440"/>
+        <c:scaling/>
+        <c:delete val="0"/>
+        <c:axPos val="l"/>
+        <c:majorGridlines/>
+        <c:majorTickMark val="out"/>
+        <c:minorTickMark val="none"/>
+        <c:tickLblPos val="nextTo"/>
+        <c:crossAx val="-2068027336"/>
+        <c:crosses val="autoZero"/>
+      </c:valAx>
+    </c:plotArea>
+    <c:legend>
+      <c:legendPos/>
+      <c:overlay val="0"/>
+    </c:legend>
+    <c:dispBlanksAs val="gap"/>
+  </c:chart>
+  <c:txPr>
+    <a:bodyPr/>
+    <a:lstStyle/>
+    <a:p>
+      <a:pPr>
+        <a:defRPr sz="1800"/>
+      </a:pPr>
+      <a:endParaRPr lang="en-US"/>
+    </a:p>
+  </c:txPr>
+  <c:externalData r:id="rId1">
+    <c:autoUpdate val="0"/>
+  </c:externalData>
+</c:chartSpace>
+</file>
+
+<file path=ppt/charts/chart13.xml><?xml version="1.0" encoding="utf-8"?>
+<c:chartSpace xmlns:c="http://schemas.openxmlformats.org/drawingml/2006/chart" xmlns:a="http://schemas.openxmlformats.org/drawingml/2006/main" xmlns:r="http://schemas.openxmlformats.org/officeDocument/2006/relationships">
+  <c:date1904 val="0"/>
+  <c:chart>
+    <c:autoTitleDeleted val="0"/>
+    <c:plotArea>
+      <c:barChart>
+        <c:barDir val="col"/>
+        <c:grouping val="clustered"/>
+        <c:ser>
+          <c:idx val="0"/>
+          <c:order val="0"/>
+          <c:tx>
+            <c:strRef>
+              <c:f>Sheet1!$B$1</c:f>
+              <c:strCache>
+                <c:ptCount val="1"/>
+                <c:pt idx="0">
+                  <c:v>2022</c:v>
+                </c:pt>
+              </c:strCache>
+            </c:strRef>
+          </c:tx>
+          <c:cat>
+            <c:strRef>
+              <c:f>Sheet1!$A$2:$A$12</c:f>
+              <c:strCache>
+                <c:ptCount val="11"/>
+                <c:pt idx="0">
+                  <c:v>1 Краснодар</c:v>
+                </c:pt>
+                <c:pt idx="1">
+                  <c:v>2 Краснодар</c:v>
+                </c:pt>
+                <c:pt idx="2">
+                  <c:v>3 Краснодар</c:v>
+                </c:pt>
+                <c:pt idx="3">
+                  <c:v>4 Краснодар</c:v>
+                </c:pt>
+                <c:pt idx="4">
+                  <c:v>5 Краснодар</c:v>
+                </c:pt>
+                <c:pt idx="5">
+                  <c:v>6 Краснодар</c:v>
+                </c:pt>
+                <c:pt idx="6">
+                  <c:v>7 Краснодар</c:v>
+                </c:pt>
+                <c:pt idx="7">
+                  <c:v>8 Краснодар</c:v>
+                </c:pt>
+                <c:pt idx="8">
+                  <c:v>9 Краснодар</c:v>
+                </c:pt>
+                <c:pt idx="9">
+                  <c:v>10 Краснодар</c:v>
+                </c:pt>
+                <c:pt idx="10">
+                  <c:v>11 Краснодар</c:v>
+                </c:pt>
+              </c:strCache>
+            </c:strRef>
+          </c:cat>
+          <c:val>
+            <c:numRef>
+              <c:f>Sheet1!$B$2:$B$12</c:f>
+              <c:numCache>
+                <c:formatCode>General</c:formatCode>
+                <c:ptCount val="11"/>
+                <c:pt idx="0">
+                  <c:v>5181975.05</c:v>
+                </c:pt>
+                <c:pt idx="1">
+                  <c:v>2587443.44</c:v>
+                </c:pt>
+                <c:pt idx="2">
+                  <c:v>3127526.56</c:v>
+                </c:pt>
+                <c:pt idx="3">
+                  <c:v>2958776.86</c:v>
+                </c:pt>
+                <c:pt idx="4">
+                  <c:v>3529974.46</c:v>
+                </c:pt>
+                <c:pt idx="5">
+                  <c:v>2741944.13</c:v>
+                </c:pt>
+                <c:pt idx="6">
+                  <c:v>3476913.87</c:v>
+                </c:pt>
+                <c:pt idx="7">
+                  <c:v>3700787.81</c:v>
+                </c:pt>
+                <c:pt idx="8">
+                  <c:v>4671363.42</c:v>
+                </c:pt>
+                <c:pt idx="9">
+                  <c:v>0</c:v>
+                </c:pt>
+                <c:pt idx="10">
+                  <c:v>2488183.2</c:v>
+                </c:pt>
+              </c:numCache>
+            </c:numRef>
+          </c:val>
+        </c:ser>
+        <c:ser>
+          <c:idx val="1"/>
+          <c:order val="1"/>
+          <c:tx>
+            <c:strRef>
+              <c:f>Sheet1!$C$1</c:f>
+              <c:strCache>
+                <c:ptCount val="1"/>
+                <c:pt idx="0">
+                  <c:v>2023</c:v>
+                </c:pt>
+              </c:strCache>
+            </c:strRef>
+          </c:tx>
+          <c:cat>
+            <c:strRef>
+              <c:f>Sheet1!$A$2:$A$12</c:f>
+              <c:strCache>
+                <c:ptCount val="11"/>
+                <c:pt idx="0">
+                  <c:v>1 Краснодар</c:v>
+                </c:pt>
+                <c:pt idx="1">
+                  <c:v>2 Краснодар</c:v>
+                </c:pt>
+                <c:pt idx="2">
+                  <c:v>3 Краснодар</c:v>
+                </c:pt>
+                <c:pt idx="3">
+                  <c:v>4 Краснодар</c:v>
+                </c:pt>
+                <c:pt idx="4">
+                  <c:v>5 Краснодар</c:v>
+                </c:pt>
+                <c:pt idx="5">
+                  <c:v>6 Краснодар</c:v>
+                </c:pt>
+                <c:pt idx="6">
+                  <c:v>7 Краснодар</c:v>
+                </c:pt>
+                <c:pt idx="7">
+                  <c:v>8 Краснодар</c:v>
+                </c:pt>
+                <c:pt idx="8">
+                  <c:v>9 Краснодар</c:v>
+                </c:pt>
+                <c:pt idx="9">
+                  <c:v>10 Краснодар</c:v>
+                </c:pt>
+                <c:pt idx="10">
+                  <c:v>11 Краснодар</c:v>
+                </c:pt>
+              </c:strCache>
+            </c:strRef>
+          </c:cat>
+          <c:val>
+            <c:numRef>
+              <c:f>Sheet1!$C$2:$C$12</c:f>
+              <c:numCache>
+                <c:formatCode>General</c:formatCode>
+                <c:ptCount val="11"/>
+                <c:pt idx="0">
+                  <c:v>5009194.44</c:v>
+                </c:pt>
+                <c:pt idx="1">
+                  <c:v>3147989.35</c:v>
+                </c:pt>
+                <c:pt idx="2">
+                  <c:v>2908479.83</c:v>
+                </c:pt>
+                <c:pt idx="3">
+                  <c:v>3091019.13</c:v>
+                </c:pt>
+                <c:pt idx="4">
+                  <c:v>3923367.73</c:v>
+                </c:pt>
+                <c:pt idx="5">
+                  <c:v>3354189.8</c:v>
+                </c:pt>
+                <c:pt idx="6">
+                  <c:v>3603532.22</c:v>
+                </c:pt>
+                <c:pt idx="7">
+                  <c:v>4214021.97</c:v>
+                </c:pt>
+                <c:pt idx="8">
+                  <c:v>5028218.35</c:v>
+                </c:pt>
+                <c:pt idx="9">
+                  <c:v>0</c:v>
+                </c:pt>
+                <c:pt idx="10">
+                  <c:v>3170605.24</c:v>
+                </c:pt>
+              </c:numCache>
+            </c:numRef>
+          </c:val>
+        </c:ser>
+        <c:ser>
+          <c:idx val="2"/>
+          <c:order val="2"/>
+          <c:tx>
+            <c:strRef>
+              <c:f>Sheet1!$D$1</c:f>
+              <c:strCache>
+                <c:ptCount val="1"/>
+                <c:pt idx="0">
+                  <c:v>%</c:v>
+                </c:pt>
+              </c:strCache>
+            </c:strRef>
+          </c:tx>
+          <c:cat>
+            <c:strRef>
+              <c:f>Sheet1!$A$2:$A$12</c:f>
+              <c:strCache>
+                <c:ptCount val="11"/>
+                <c:pt idx="0">
+                  <c:v>1 Краснодар</c:v>
+                </c:pt>
+                <c:pt idx="1">
+                  <c:v>2 Краснодар</c:v>
+                </c:pt>
+                <c:pt idx="2">
+                  <c:v>3 Краснодар</c:v>
+                </c:pt>
+                <c:pt idx="3">
+                  <c:v>4 Краснодар</c:v>
+                </c:pt>
+                <c:pt idx="4">
+                  <c:v>5 Краснодар</c:v>
+                </c:pt>
+                <c:pt idx="5">
+                  <c:v>6 Краснодар</c:v>
+                </c:pt>
+                <c:pt idx="6">
+                  <c:v>7 Краснодар</c:v>
+                </c:pt>
+                <c:pt idx="7">
+                  <c:v>8 Краснодар</c:v>
+                </c:pt>
+                <c:pt idx="8">
+                  <c:v>9 Краснодар</c:v>
+                </c:pt>
+                <c:pt idx="9">
+                  <c:v>10 Краснодар</c:v>
+                </c:pt>
+                <c:pt idx="10">
+                  <c:v>11 Краснодар</c:v>
+                </c:pt>
+              </c:strCache>
+            </c:strRef>
+          </c:cat>
+          <c:val>
+            <c:numRef>
+              <c:f>Sheet1!$D$2:$D$12</c:f>
+              <c:numCache>
+                <c:formatCode>General</c:formatCode>
+                <c:ptCount val="11"/>
+                <c:pt idx="0">
+                  <c:v>-3.45</c:v>
+                </c:pt>
+                <c:pt idx="1">
+                  <c:v>17.81</c:v>
+                </c:pt>
+                <c:pt idx="2">
+                  <c:v>-7.53</c:v>
+                </c:pt>
+                <c:pt idx="3">
+                  <c:v>4.28</c:v>
+                </c:pt>
+                <c:pt idx="4">
+                  <c:v>10.03</c:v>
+                </c:pt>
+                <c:pt idx="5">
+                  <c:v>18.25</c:v>
+                </c:pt>
+                <c:pt idx="6">
+                  <c:v>3.51</c:v>
+                </c:pt>
+                <c:pt idx="7">
+                  <c:v>12.18</c:v>
+                </c:pt>
+                <c:pt idx="8">
+                  <c:v>7.1</c:v>
+                </c:pt>
+                <c:pt idx="9">
+                  <c:v>0</c:v>
+                </c:pt>
+                <c:pt idx="10">
+                  <c:v>21.52</c:v>
+                </c:pt>
+              </c:numCache>
+            </c:numRef>
+          </c:val>
+        </c:ser>
+        <c:dLbls>
+          <c:txPr>
+            <a:bodyPr/>
+            <a:lstStyle/>
+            <a:p>
+              <a:pPr>
+                <a:defRPr sz="1300">
+                  <a:solidFill>
+                    <a:srgbClr val="0A4280"/>
+                  </a:solidFill>
+                </a:defRPr>
+              </a:pPr>
+            </a:p>
+          </c:txPr>
+          <c:dLblPos val="inEnd"/>
+          <c:showLegendKey val="0"/>
+          <c:showVal val="1"/>
+          <c:showCatName val="0"/>
+          <c:showSerName val="0"/>
+          <c:showPercent val="0"/>
+          <c:showBubbleSize val="0"/>
+          <c:showLeaderLines val="1"/>
+        </c:dLbls>
+        <c:axId val="-2068027336"/>
+        <c:axId val="-2113994440"/>
+      </c:barChart>
+      <c:catAx>
+        <c:axId val="-2068027336"/>
+        <c:scaling>
+          <c:orientation val="minMax"/>
+        </c:scaling>
+        <c:delete val="0"/>
+        <c:axPos val="b"/>
+        <c:majorTickMark val="out"/>
+        <c:minorTickMark val="none"/>
+        <c:tickLblPos val="nextTo"/>
+        <c:crossAx val="-2113994440"/>
+        <c:crosses val="autoZero"/>
+        <c:auto val="1"/>
+        <c:lblAlgn val="ctr"/>
+        <c:lblOffset val="100"/>
+        <c:noMultiLvlLbl val="0"/>
+      </c:catAx>
+      <c:valAx>
+        <c:axId val="-2113994440"/>
+        <c:scaling/>
+        <c:delete val="0"/>
+        <c:axPos val="l"/>
+        <c:majorGridlines/>
+        <c:majorTickMark val="out"/>
+        <c:minorTickMark val="none"/>
+        <c:tickLblPos val="nextTo"/>
+        <c:crossAx val="-2068027336"/>
+        <c:crosses val="autoZero"/>
+      </c:valAx>
+    </c:plotArea>
+    <c:legend>
+      <c:legendPos/>
+      <c:overlay val="0"/>
+    </c:legend>
+    <c:dispBlanksAs val="gap"/>
+  </c:chart>
+  <c:txPr>
+    <a:bodyPr/>
+    <a:lstStyle/>
+    <a:p>
+      <a:pPr>
+        <a:defRPr sz="1800"/>
+      </a:pPr>
+      <a:endParaRPr lang="en-US"/>
+    </a:p>
+  </c:txPr>
+  <c:externalData r:id="rId1">
+    <c:autoUpdate val="0"/>
+  </c:externalData>
+</c:chartSpace>
+</file>
+
+<file path=ppt/charts/chart14.xml><?xml version="1.0" encoding="utf-8"?>
+<c:chartSpace xmlns:c="http://schemas.openxmlformats.org/drawingml/2006/chart" xmlns:a="http://schemas.openxmlformats.org/drawingml/2006/main" xmlns:r="http://schemas.openxmlformats.org/officeDocument/2006/relationships">
+  <c:date1904 val="0"/>
+  <c:chart>
+    <c:autoTitleDeleted val="0"/>
+    <c:plotArea>
+      <c:barChart>
+        <c:barDir val="col"/>
+        <c:grouping val="clustered"/>
+        <c:ser>
+          <c:idx val="0"/>
+          <c:order val="0"/>
+          <c:tx>
+            <c:strRef>
+              <c:f>Sheet1!$B$1</c:f>
+              <c:strCache>
+                <c:ptCount val="1"/>
+                <c:pt idx="0">
+                  <c:v>2022</c:v>
+                </c:pt>
+              </c:strCache>
+            </c:strRef>
+          </c:tx>
+          <c:cat>
+            <c:strRef>
+              <c:f>Sheet1!$A$2:$A$12</c:f>
+              <c:strCache>
+                <c:ptCount val="11"/>
+                <c:pt idx="0">
+                  <c:v>1 Краснодар</c:v>
+                </c:pt>
+                <c:pt idx="1">
+                  <c:v>2 Краснодар</c:v>
+                </c:pt>
+                <c:pt idx="2">
+                  <c:v>3 Краснодар</c:v>
+                </c:pt>
+                <c:pt idx="3">
+                  <c:v>4 Краснодар</c:v>
+                </c:pt>
+                <c:pt idx="4">
+                  <c:v>5 Краснодар</c:v>
+                </c:pt>
+                <c:pt idx="5">
+                  <c:v>6 Краснодар</c:v>
+                </c:pt>
+                <c:pt idx="6">
+                  <c:v>7 Краснодар</c:v>
+                </c:pt>
+                <c:pt idx="7">
+                  <c:v>8 Краснодар</c:v>
+                </c:pt>
+                <c:pt idx="8">
+                  <c:v>9 Краснодар</c:v>
+                </c:pt>
+                <c:pt idx="9">
+                  <c:v>10 Краснодар</c:v>
+                </c:pt>
+                <c:pt idx="10">
+                  <c:v>11 Краснодар</c:v>
+                </c:pt>
+              </c:strCache>
+            </c:strRef>
+          </c:cat>
+          <c:val>
+            <c:numRef>
+              <c:f>Sheet1!$B$2:$B$12</c:f>
+              <c:numCache>
+                <c:formatCode>General</c:formatCode>
+                <c:ptCount val="11"/>
+                <c:pt idx="0">
+                  <c:v>24830.075</c:v>
+                </c:pt>
+                <c:pt idx="1">
+                  <c:v>14315.976</c:v>
+                </c:pt>
+                <c:pt idx="2">
+                  <c:v>18419.755</c:v>
+                </c:pt>
+                <c:pt idx="3">
+                  <c:v>17397.886</c:v>
+                </c:pt>
+                <c:pt idx="4">
+                  <c:v>18840.351</c:v>
+                </c:pt>
+                <c:pt idx="5">
+                  <c:v>14088.03</c:v>
+                </c:pt>
+                <c:pt idx="6">
+                  <c:v>19685.615</c:v>
+                </c:pt>
+                <c:pt idx="7">
+                  <c:v>21573.871</c:v>
+                </c:pt>
+                <c:pt idx="8">
+                  <c:v>21477.842</c:v>
+                </c:pt>
+                <c:pt idx="9">
+                  <c:v>0</c:v>
+                </c:pt>
+                <c:pt idx="10">
+                  <c:v>16282.924</c:v>
+                </c:pt>
+              </c:numCache>
+            </c:numRef>
+          </c:val>
+        </c:ser>
+        <c:ser>
+          <c:idx val="1"/>
+          <c:order val="1"/>
+          <c:tx>
+            <c:strRef>
+              <c:f>Sheet1!$C$1</c:f>
+              <c:strCache>
+                <c:ptCount val="1"/>
+                <c:pt idx="0">
+                  <c:v>2023</c:v>
+                </c:pt>
+              </c:strCache>
+            </c:strRef>
+          </c:tx>
+          <c:cat>
+            <c:strRef>
+              <c:f>Sheet1!$A$2:$A$12</c:f>
+              <c:strCache>
+                <c:ptCount val="11"/>
+                <c:pt idx="0">
+                  <c:v>1 Краснодар</c:v>
+                </c:pt>
+                <c:pt idx="1">
+                  <c:v>2 Краснодар</c:v>
+                </c:pt>
+                <c:pt idx="2">
+                  <c:v>3 Краснодар</c:v>
+                </c:pt>
+                <c:pt idx="3">
+                  <c:v>4 Краснодар</c:v>
+                </c:pt>
+                <c:pt idx="4">
+                  <c:v>5 Краснодар</c:v>
+                </c:pt>
+                <c:pt idx="5">
+                  <c:v>6 Краснодар</c:v>
+                </c:pt>
+                <c:pt idx="6">
+                  <c:v>7 Краснодар</c:v>
+                </c:pt>
+                <c:pt idx="7">
+                  <c:v>8 Краснодар</c:v>
+                </c:pt>
+                <c:pt idx="8">
+                  <c:v>9 Краснодар</c:v>
+                </c:pt>
+                <c:pt idx="9">
+                  <c:v>10 Краснодар</c:v>
+                </c:pt>
+                <c:pt idx="10">
+                  <c:v>11 Краснодар</c:v>
+                </c:pt>
+              </c:strCache>
+            </c:strRef>
+          </c:cat>
+          <c:val>
+            <c:numRef>
+              <c:f>Sheet1!$C$2:$C$12</c:f>
+              <c:numCache>
+                <c:formatCode>General</c:formatCode>
+                <c:ptCount val="11"/>
+                <c:pt idx="0">
+                  <c:v>24742.355</c:v>
+                </c:pt>
+                <c:pt idx="1">
+                  <c:v>15660.96</c:v>
+                </c:pt>
+                <c:pt idx="2">
+                  <c:v>16066.248</c:v>
+                </c:pt>
+                <c:pt idx="3">
+                  <c:v>18783.662</c:v>
+                </c:pt>
+                <c:pt idx="4">
+                  <c:v>20198.742</c:v>
+                </c:pt>
+                <c:pt idx="5">
+                  <c:v>18716.808</c:v>
+                </c:pt>
+                <c:pt idx="6">
+                  <c:v>20069.263</c:v>
+                </c:pt>
+                <c:pt idx="7">
+                  <c:v>23417.5</c:v>
+                </c:pt>
+                <c:pt idx="8">
+                  <c:v>21913.821</c:v>
+                </c:pt>
+                <c:pt idx="9">
+                  <c:v>0</c:v>
+                </c:pt>
+                <c:pt idx="10">
+                  <c:v>19521.634</c:v>
+                </c:pt>
+              </c:numCache>
+            </c:numRef>
+          </c:val>
+        </c:ser>
+        <c:ser>
+          <c:idx val="2"/>
+          <c:order val="2"/>
+          <c:tx>
+            <c:strRef>
+              <c:f>Sheet1!$D$1</c:f>
+              <c:strCache>
+                <c:ptCount val="1"/>
+                <c:pt idx="0">
+                  <c:v>%</c:v>
+                </c:pt>
+              </c:strCache>
+            </c:strRef>
+          </c:tx>
+          <c:cat>
+            <c:strRef>
+              <c:f>Sheet1!$A$2:$A$12</c:f>
+              <c:strCache>
+                <c:ptCount val="11"/>
+                <c:pt idx="0">
+                  <c:v>1 Краснодар</c:v>
+                </c:pt>
+                <c:pt idx="1">
+                  <c:v>2 Краснодар</c:v>
+                </c:pt>
+                <c:pt idx="2">
+                  <c:v>3 Краснодар</c:v>
+                </c:pt>
+                <c:pt idx="3">
+                  <c:v>4 Краснодар</c:v>
+                </c:pt>
+                <c:pt idx="4">
+                  <c:v>5 Краснодар</c:v>
+                </c:pt>
+                <c:pt idx="5">
+                  <c:v>6 Краснодар</c:v>
+                </c:pt>
+                <c:pt idx="6">
+                  <c:v>7 Краснодар</c:v>
+                </c:pt>
+                <c:pt idx="7">
+                  <c:v>8 Краснодар</c:v>
+                </c:pt>
+                <c:pt idx="8">
+                  <c:v>9 Краснодар</c:v>
+                </c:pt>
+                <c:pt idx="9">
+                  <c:v>10 Краснодар</c:v>
+                </c:pt>
+                <c:pt idx="10">
+                  <c:v>11 Краснодар</c:v>
+                </c:pt>
+              </c:strCache>
+            </c:strRef>
+          </c:cat>
+          <c:val>
+            <c:numRef>
+              <c:f>Sheet1!$D$2:$D$12</c:f>
+              <c:numCache>
+                <c:formatCode>General</c:formatCode>
+                <c:ptCount val="11"/>
+                <c:pt idx="0">
+                  <c:v>-0.35</c:v>
+                </c:pt>
+                <c:pt idx="1">
+                  <c:v>8.59</c:v>
+                </c:pt>
+                <c:pt idx="2">
+                  <c:v>-14.65</c:v>
+                </c:pt>
+                <c:pt idx="3">
+                  <c:v>7.38</c:v>
+                </c:pt>
+                <c:pt idx="4">
+                  <c:v>6.73</c:v>
+                </c:pt>
+                <c:pt idx="5">
+                  <c:v>24.73</c:v>
+                </c:pt>
+                <c:pt idx="6">
+                  <c:v>1.91</c:v>
+                </c:pt>
+                <c:pt idx="7">
+                  <c:v>7.87</c:v>
+                </c:pt>
+                <c:pt idx="8">
+                  <c:v>1.99</c:v>
+                </c:pt>
+                <c:pt idx="9">
+                  <c:v>0</c:v>
+                </c:pt>
+                <c:pt idx="10">
+                  <c:v>16.59</c:v>
+                </c:pt>
+              </c:numCache>
+            </c:numRef>
+          </c:val>
+        </c:ser>
+        <c:dLbls>
+          <c:txPr>
+            <a:bodyPr/>
+            <a:lstStyle/>
+            <a:p>
+              <a:pPr>
+                <a:defRPr sz="1300">
+                  <a:solidFill>
+                    <a:srgbClr val="0A4280"/>
+                  </a:solidFill>
+                </a:defRPr>
+              </a:pPr>
+            </a:p>
+          </c:txPr>
+          <c:dLblPos val="inEnd"/>
+          <c:showLegendKey val="0"/>
+          <c:showVal val="1"/>
+          <c:showCatName val="0"/>
+          <c:showSerName val="0"/>
+          <c:showPercent val="0"/>
+          <c:showBubbleSize val="0"/>
+          <c:showLeaderLines val="1"/>
+        </c:dLbls>
+        <c:axId val="-2068027336"/>
+        <c:axId val="-2113994440"/>
+      </c:barChart>
+      <c:catAx>
+        <c:axId val="-2068027336"/>
+        <c:scaling>
+          <c:orientation val="minMax"/>
+        </c:scaling>
+        <c:delete val="0"/>
+        <c:axPos val="b"/>
+        <c:majorTickMark val="out"/>
+        <c:minorTickMark val="none"/>
+        <c:tickLblPos val="nextTo"/>
+        <c:crossAx val="-2113994440"/>
+        <c:crosses val="autoZero"/>
+        <c:auto val="1"/>
+        <c:lblAlgn val="ctr"/>
+        <c:lblOffset val="100"/>
+        <c:noMultiLvlLbl val="0"/>
+      </c:catAx>
+      <c:valAx>
+        <c:axId val="-2113994440"/>
+        <c:scaling/>
+        <c:delete val="0"/>
+        <c:axPos val="l"/>
+        <c:majorGridlines/>
+        <c:majorTickMark val="out"/>
+        <c:minorTickMark val="none"/>
+        <c:tickLblPos val="nextTo"/>
+        <c:crossAx val="-2068027336"/>
+        <c:crosses val="autoZero"/>
+      </c:valAx>
+    </c:plotArea>
+    <c:legend>
+      <c:legendPos/>
+      <c:overlay val="0"/>
+    </c:legend>
+    <c:dispBlanksAs val="gap"/>
+  </c:chart>
+  <c:txPr>
+    <a:bodyPr/>
+    <a:lstStyle/>
+    <a:p>
+      <a:pPr>
+        <a:defRPr sz="1800"/>
+      </a:pPr>
+      <a:endParaRPr lang="en-US"/>
+    </a:p>
+  </c:txPr>
+  <c:externalData r:id="rId1">
+    <c:autoUpdate val="0"/>
+  </c:externalData>
+</c:chartSpace>
+</file>
+
+<file path=ppt/charts/chart15.xml><?xml version="1.0" encoding="utf-8"?>
+<c:chartSpace xmlns:c="http://schemas.openxmlformats.org/drawingml/2006/chart" xmlns:a="http://schemas.openxmlformats.org/drawingml/2006/main" xmlns:r="http://schemas.openxmlformats.org/officeDocument/2006/relationships">
+  <c:date1904 val="0"/>
+  <c:chart>
+    <c:autoTitleDeleted val="0"/>
+    <c:plotArea>
+      <c:barChart>
+        <c:barDir val="col"/>
+        <c:grouping val="clustered"/>
+        <c:ser>
+          <c:idx val="0"/>
+          <c:order val="0"/>
+          <c:tx>
+            <c:strRef>
+              <c:f>Sheet1!$B$1</c:f>
+              <c:strCache>
+                <c:ptCount val="1"/>
+                <c:pt idx="0">
+                  <c:v>2022</c:v>
+                </c:pt>
+              </c:strCache>
+            </c:strRef>
+          </c:tx>
+          <c:cat>
+            <c:strRef>
+              <c:f>Sheet1!$A$2:$A$2</c:f>
+              <c:strCache>
+                <c:ptCount val="1"/>
+                <c:pt idx="0">
+                  <c:v>в рублях</c:v>
+                </c:pt>
+              </c:strCache>
+            </c:strRef>
+          </c:cat>
+          <c:val>
+            <c:numRef>
+              <c:f>Sheet1!$B$2:$B$2</c:f>
+              <c:numCache>
+                <c:formatCode>General</c:formatCode>
+                <c:ptCount val="1"/>
+                <c:pt idx="0">
+                  <c:v>34464888.800000004</c:v>
+                </c:pt>
+              </c:numCache>
+            </c:numRef>
+          </c:val>
+        </c:ser>
+        <c:ser>
+          <c:idx val="1"/>
+          <c:order val="1"/>
+          <c:tx>
+            <c:strRef>
+              <c:f>Sheet1!$C$1</c:f>
+              <c:strCache>
+                <c:ptCount val="1"/>
+                <c:pt idx="0">
+                  <c:v>2023</c:v>
+                </c:pt>
+              </c:strCache>
+            </c:strRef>
+          </c:tx>
+          <c:cat>
+            <c:strRef>
+              <c:f>Sheet1!$A$2:$A$2</c:f>
+              <c:strCache>
+                <c:ptCount val="1"/>
+                <c:pt idx="0">
+                  <c:v>в рублях</c:v>
+                </c:pt>
+              </c:strCache>
+            </c:strRef>
+          </c:cat>
+          <c:val>
+            <c:numRef>
+              <c:f>Sheet1!$C$2:$C$2</c:f>
+              <c:numCache>
+                <c:formatCode>General</c:formatCode>
+                <c:ptCount val="1"/>
+                <c:pt idx="0">
+                  <c:v>37450618.06</c:v>
+                </c:pt>
+              </c:numCache>
+            </c:numRef>
+          </c:val>
+        </c:ser>
+        <c:ser>
+          <c:idx val="2"/>
+          <c:order val="2"/>
+          <c:tx>
+            <c:strRef>
+              <c:f>Sheet1!$D$1</c:f>
+              <c:strCache>
+                <c:ptCount val="1"/>
+                <c:pt idx="0">
+                  <c:v>%</c:v>
+                </c:pt>
+              </c:strCache>
+            </c:strRef>
+          </c:tx>
+          <c:cat>
+            <c:strRef>
+              <c:f>Sheet1!$A$2:$A$2</c:f>
+              <c:strCache>
+                <c:ptCount val="1"/>
+                <c:pt idx="0">
+                  <c:v>в рублях</c:v>
+                </c:pt>
+              </c:strCache>
+            </c:strRef>
+          </c:cat>
+          <c:val>
+            <c:numRef>
+              <c:f>Sheet1!$D$2:$D$2</c:f>
+              <c:numCache>
+                <c:formatCode>General</c:formatCode>
+                <c:ptCount val="1"/>
+                <c:pt idx="0">
+                  <c:v>8.0</c:v>
+                </c:pt>
+              </c:numCache>
+            </c:numRef>
+          </c:val>
+        </c:ser>
+        <c:dLbls>
+          <c:txPr>
+            <a:bodyPr/>
+            <a:lstStyle/>
+            <a:p>
+              <a:pPr>
+                <a:defRPr sz="1300">
+                  <a:solidFill>
+                    <a:srgbClr val="0A4280"/>
+                  </a:solidFill>
+                </a:defRPr>
+              </a:pPr>
+            </a:p>
+          </c:txPr>
+          <c:dLblPos val="inEnd"/>
+          <c:showLegendKey val="0"/>
+          <c:showVal val="1"/>
+          <c:showCatName val="0"/>
+          <c:showSerName val="0"/>
+          <c:showPercent val="0"/>
+          <c:showBubbleSize val="0"/>
+          <c:showLeaderLines val="1"/>
+        </c:dLbls>
+        <c:axId val="-2068027336"/>
+        <c:axId val="-2113994440"/>
+      </c:barChart>
+      <c:catAx>
+        <c:axId val="-2068027336"/>
+        <c:scaling>
+          <c:orientation val="minMax"/>
+        </c:scaling>
+        <c:delete val="0"/>
+        <c:axPos val="b"/>
+        <c:majorTickMark val="out"/>
+        <c:minorTickMark val="none"/>
+        <c:tickLblPos val="nextTo"/>
+        <c:crossAx val="-2113994440"/>
+        <c:crosses val="autoZero"/>
+        <c:auto val="1"/>
+        <c:lblAlgn val="ctr"/>
+        <c:lblOffset val="100"/>
+        <c:noMultiLvlLbl val="0"/>
+      </c:catAx>
+      <c:valAx>
+        <c:axId val="-2113994440"/>
+        <c:scaling/>
+        <c:delete val="0"/>
+        <c:axPos val="l"/>
+        <c:majorGridlines/>
+        <c:majorTickMark val="out"/>
+        <c:minorTickMark val="none"/>
+        <c:tickLblPos val="nextTo"/>
+        <c:crossAx val="-2068027336"/>
+        <c:crosses val="autoZero"/>
+      </c:valAx>
+    </c:plotArea>
+    <c:legend>
+      <c:legendPos/>
+      <c:overlay val="0"/>
+    </c:legend>
+    <c:dispBlanksAs val="gap"/>
+  </c:chart>
+  <c:txPr>
+    <a:bodyPr/>
+    <a:lstStyle/>
+    <a:p>
+      <a:pPr>
+        <a:defRPr sz="1800"/>
+      </a:pPr>
+      <a:endParaRPr lang="en-US"/>
+    </a:p>
+  </c:txPr>
+  <c:externalData r:id="rId1">
+    <c:autoUpdate val="0"/>
+  </c:externalData>
+</c:chartSpace>
+</file>
+
+<file path=ppt/charts/chart16.xml><?xml version="1.0" encoding="utf-8"?>
+<c:chartSpace xmlns:c="http://schemas.openxmlformats.org/drawingml/2006/chart" xmlns:a="http://schemas.openxmlformats.org/drawingml/2006/main" xmlns:r="http://schemas.openxmlformats.org/officeDocument/2006/relationships">
+  <c:date1904 val="0"/>
+  <c:chart>
+    <c:autoTitleDeleted val="0"/>
+    <c:plotArea>
+      <c:barChart>
+        <c:barDir val="col"/>
+        <c:grouping val="clustered"/>
+        <c:ser>
+          <c:idx val="0"/>
+          <c:order val="0"/>
+          <c:tx>
+            <c:strRef>
+              <c:f>Sheet1!$B$1</c:f>
+              <c:strCache>
+                <c:ptCount val="1"/>
+                <c:pt idx="0">
+                  <c:v>2022</c:v>
+                </c:pt>
+              </c:strCache>
+            </c:strRef>
+          </c:tx>
+          <c:cat>
+            <c:strRef>
+              <c:f>Sheet1!$A$2:$A$2</c:f>
+              <c:strCache>
+                <c:ptCount val="1"/>
+                <c:pt idx="0">
+                  <c:v>В килограммах</c:v>
+                </c:pt>
+              </c:strCache>
+            </c:strRef>
+          </c:cat>
+          <c:val>
+            <c:numRef>
+              <c:f>Sheet1!$B$2:$B$2</c:f>
+              <c:numCache>
+                <c:formatCode>General</c:formatCode>
+                <c:ptCount val="1"/>
+                <c:pt idx="0">
+                  <c:v>186912.325</c:v>
+                </c:pt>
+              </c:numCache>
+            </c:numRef>
+          </c:val>
+        </c:ser>
+        <c:ser>
+          <c:idx val="1"/>
+          <c:order val="1"/>
+          <c:tx>
+            <c:strRef>
+              <c:f>Sheet1!$C$1</c:f>
+              <c:strCache>
+                <c:ptCount val="1"/>
+                <c:pt idx="0">
+                  <c:v>2023</c:v>
+                </c:pt>
+              </c:strCache>
+            </c:strRef>
+          </c:tx>
+          <c:cat>
+            <c:strRef>
+              <c:f>Sheet1!$A$2:$A$2</c:f>
+              <c:strCache>
+                <c:ptCount val="1"/>
+                <c:pt idx="0">
+                  <c:v>В килограммах</c:v>
+                </c:pt>
+              </c:strCache>
+            </c:strRef>
+          </c:cat>
+          <c:val>
+            <c:numRef>
+              <c:f>Sheet1!$C$2:$C$2</c:f>
+              <c:numCache>
+                <c:formatCode>General</c:formatCode>
+                <c:ptCount val="1"/>
+                <c:pt idx="0">
+                  <c:v>199090.993</c:v>
+                </c:pt>
+              </c:numCache>
+            </c:numRef>
+          </c:val>
+        </c:ser>
+        <c:ser>
+          <c:idx val="2"/>
+          <c:order val="2"/>
+          <c:tx>
+            <c:strRef>
+              <c:f>Sheet1!$D$1</c:f>
+              <c:strCache>
+                <c:ptCount val="1"/>
+                <c:pt idx="0">
+                  <c:v>%</c:v>
+                </c:pt>
+              </c:strCache>
+            </c:strRef>
+          </c:tx>
+          <c:cat>
+            <c:strRef>
+              <c:f>Sheet1!$A$2:$A$2</c:f>
+              <c:strCache>
+                <c:ptCount val="1"/>
+                <c:pt idx="0">
+                  <c:v>В килограммах</c:v>
+                </c:pt>
+              </c:strCache>
+            </c:strRef>
+          </c:cat>
+          <c:val>
+            <c:numRef>
+              <c:f>Sheet1!$D$2:$D$2</c:f>
+              <c:numCache>
+                <c:formatCode>General</c:formatCode>
+                <c:ptCount val="1"/>
+                <c:pt idx="0">
+                  <c:v>6.1</c:v>
+                </c:pt>
+              </c:numCache>
+            </c:numRef>
+          </c:val>
+        </c:ser>
+        <c:dLbls>
+          <c:txPr>
+            <a:bodyPr/>
+            <a:lstStyle/>
+            <a:p>
+              <a:pPr>
+                <a:defRPr sz="1300">
+                  <a:solidFill>
+                    <a:srgbClr val="0A4280"/>
+                  </a:solidFill>
+                </a:defRPr>
+              </a:pPr>
+            </a:p>
+          </c:txPr>
+          <c:dLblPos val="inEnd"/>
+          <c:showLegendKey val="0"/>
+          <c:showVal val="1"/>
+          <c:showCatName val="0"/>
+          <c:showSerName val="0"/>
+          <c:showPercent val="0"/>
+          <c:showBubbleSize val="0"/>
+          <c:showLeaderLines val="1"/>
+        </c:dLbls>
+        <c:axId val="-2068027336"/>
+        <c:axId val="-2113994440"/>
+      </c:barChart>
+      <c:catAx>
+        <c:axId val="-2068027336"/>
+        <c:scaling>
+          <c:orientation val="minMax"/>
+        </c:scaling>
+        <c:delete val="0"/>
+        <c:axPos val="b"/>
+        <c:majorTickMark val="out"/>
+        <c:minorTickMark val="none"/>
+        <c:tickLblPos val="nextTo"/>
+        <c:crossAx val="-2113994440"/>
+        <c:crosses val="autoZero"/>
+        <c:auto val="1"/>
+        <c:lblAlgn val="ctr"/>
+        <c:lblOffset val="100"/>
+        <c:noMultiLvlLbl val="0"/>
+      </c:catAx>
+      <c:valAx>
+        <c:axId val="-2113994440"/>
+        <c:scaling/>
+        <c:delete val="0"/>
+        <c:axPos val="l"/>
+        <c:majorGridlines/>
+        <c:majorTickMark val="out"/>
+        <c:minorTickMark val="none"/>
+        <c:tickLblPos val="nextTo"/>
+        <c:crossAx val="-2068027336"/>
+        <c:crosses val="autoZero"/>
+      </c:valAx>
+    </c:plotArea>
+    <c:legend>
+      <c:legendPos/>
+      <c:overlay val="0"/>
+    </c:legend>
+    <c:dispBlanksAs val="gap"/>
+  </c:chart>
+  <c:txPr>
+    <a:bodyPr/>
+    <a:lstStyle/>
+    <a:p>
+      <a:pPr>
+        <a:defRPr sz="1800"/>
+      </a:pPr>
+      <a:endParaRPr lang="en-US"/>
+    </a:p>
+  </c:txPr>
+  <c:externalData r:id="rId1">
+    <c:autoUpdate val="0"/>
+  </c:externalData>
+</c:chartSpace>
+</file>
+
+<file path=ppt/charts/chart17.xml><?xml version="1.0" encoding="utf-8"?>
+<c:chartSpace xmlns:c="http://schemas.openxmlformats.org/drawingml/2006/chart" xmlns:a="http://schemas.openxmlformats.org/drawingml/2006/main" xmlns:r="http://schemas.openxmlformats.org/officeDocument/2006/relationships">
+  <c:date1904 val="0"/>
+  <c:chart>
+    <c:autoTitleDeleted val="0"/>
+    <c:plotArea>
+      <c:barChart>
+        <c:barDir val="col"/>
+        <c:grouping val="clustered"/>
+        <c:ser>
+          <c:idx val="0"/>
+          <c:order val="0"/>
+          <c:tx>
+            <c:strRef>
+              <c:f>Sheet1!$B$1</c:f>
+              <c:strCache>
+                <c:ptCount val="1"/>
+                <c:pt idx="0">
+                  <c:v>2022</c:v>
+                </c:pt>
+              </c:strCache>
+            </c:strRef>
+          </c:tx>
+          <c:cat>
+            <c:strRef>
+              <c:f>Sheet1!$A$2:$A$12</c:f>
+              <c:strCache>
+                <c:ptCount val="11"/>
+                <c:pt idx="0">
+                  <c:v>1 Краснодар</c:v>
+                </c:pt>
+                <c:pt idx="1">
+                  <c:v>2 Краснодар</c:v>
+                </c:pt>
+                <c:pt idx="2">
+                  <c:v>3 Краснодар</c:v>
+                </c:pt>
+                <c:pt idx="3">
+                  <c:v>4 Краснодар</c:v>
+                </c:pt>
+                <c:pt idx="4">
+                  <c:v>5 Краснодар</c:v>
+                </c:pt>
+                <c:pt idx="5">
+                  <c:v>6 Краснодар</c:v>
+                </c:pt>
+                <c:pt idx="6">
+                  <c:v>7 Краснодар</c:v>
+                </c:pt>
+                <c:pt idx="7">
+                  <c:v>8 Краснодар</c:v>
+                </c:pt>
+                <c:pt idx="8">
+                  <c:v>9 Краснодар</c:v>
+                </c:pt>
+                <c:pt idx="9">
+                  <c:v>10 Краснодар</c:v>
+                </c:pt>
+                <c:pt idx="10">
+                  <c:v>11 Краснодар</c:v>
+                </c:pt>
+              </c:strCache>
+            </c:strRef>
+          </c:cat>
+          <c:val>
+            <c:numRef>
+              <c:f>Sheet1!$B$2:$B$12</c:f>
+              <c:numCache>
+                <c:formatCode>General</c:formatCode>
+                <c:ptCount val="11"/>
+                <c:pt idx="0">
+                  <c:v>5123913.79</c:v>
+                </c:pt>
+                <c:pt idx="1">
+                  <c:v>2797528.87</c:v>
+                </c:pt>
+                <c:pt idx="2">
+                  <c:v>2737798.9</c:v>
+                </c:pt>
+                <c:pt idx="3">
+                  <c:v>2880911.13</c:v>
+                </c:pt>
+                <c:pt idx="4">
+                  <c:v>3506010.2</c:v>
+                </c:pt>
+                <c:pt idx="5">
+                  <c:v>2637972.3</c:v>
+                </c:pt>
+                <c:pt idx="6">
+                  <c:v>3428974.4</c:v>
+                </c:pt>
+                <c:pt idx="7">
+                  <c:v>3890472.77</c:v>
+                </c:pt>
+                <c:pt idx="8">
+                  <c:v>4830464.07</c:v>
+                </c:pt>
+                <c:pt idx="9">
+                  <c:v>0</c:v>
+                </c:pt>
+                <c:pt idx="10">
+                  <c:v>2608114.71</c:v>
+                </c:pt>
+              </c:numCache>
+            </c:numRef>
+          </c:val>
+        </c:ser>
+        <c:ser>
+          <c:idx val="1"/>
+          <c:order val="1"/>
+          <c:tx>
+            <c:strRef>
+              <c:f>Sheet1!$C$1</c:f>
+              <c:strCache>
+                <c:ptCount val="1"/>
+                <c:pt idx="0">
+                  <c:v>2023</c:v>
+                </c:pt>
+              </c:strCache>
+            </c:strRef>
+          </c:tx>
+          <c:cat>
+            <c:strRef>
+              <c:f>Sheet1!$A$2:$A$12</c:f>
+              <c:strCache>
+                <c:ptCount val="11"/>
+                <c:pt idx="0">
+                  <c:v>1 Краснодар</c:v>
+                </c:pt>
+                <c:pt idx="1">
+                  <c:v>2 Краснодар</c:v>
+                </c:pt>
+                <c:pt idx="2">
+                  <c:v>3 Краснодар</c:v>
+                </c:pt>
+                <c:pt idx="3">
+                  <c:v>4 Краснодар</c:v>
+                </c:pt>
+                <c:pt idx="4">
+                  <c:v>5 Краснодар</c:v>
+                </c:pt>
+                <c:pt idx="5">
+                  <c:v>6 Краснодар</c:v>
+                </c:pt>
+                <c:pt idx="6">
+                  <c:v>7 Краснодар</c:v>
+                </c:pt>
+                <c:pt idx="7">
+                  <c:v>8 Краснодар</c:v>
+                </c:pt>
+                <c:pt idx="8">
+                  <c:v>9 Краснодар</c:v>
+                </c:pt>
+                <c:pt idx="9">
+                  <c:v>10 Краснодар</c:v>
+                </c:pt>
+                <c:pt idx="10">
+                  <c:v>11 Краснодар</c:v>
+                </c:pt>
+              </c:strCache>
+            </c:strRef>
+          </c:cat>
+          <c:val>
+            <c:numRef>
+              <c:f>Sheet1!$C$2:$C$12</c:f>
+              <c:numCache>
+                <c:formatCode>General</c:formatCode>
+                <c:ptCount val="11"/>
+                <c:pt idx="0">
+                  <c:v>5188241.45</c:v>
+                </c:pt>
+                <c:pt idx="1">
+                  <c:v>2990881.22</c:v>
+                </c:pt>
+                <c:pt idx="2">
+                  <c:v>2938715.61</c:v>
+                </c:pt>
+                <c:pt idx="3">
+                  <c:v>2948973.95</c:v>
+                </c:pt>
+                <c:pt idx="4">
+                  <c:v>4032947.92</c:v>
+                </c:pt>
+                <c:pt idx="5">
+                  <c:v>3320196.28</c:v>
+                </c:pt>
+                <c:pt idx="6">
+                  <c:v>3775301.44</c:v>
+                </c:pt>
+                <c:pt idx="7">
+                  <c:v>4274100.68</c:v>
+                </c:pt>
+                <c:pt idx="8">
+                  <c:v>5117179.31</c:v>
+                </c:pt>
+                <c:pt idx="9">
+                  <c:v>0</c:v>
+                </c:pt>
+                <c:pt idx="10">
+                  <c:v>3150642.49</c:v>
+                </c:pt>
+              </c:numCache>
+            </c:numRef>
+          </c:val>
+        </c:ser>
+        <c:ser>
+          <c:idx val="2"/>
+          <c:order val="2"/>
+          <c:tx>
+            <c:strRef>
+              <c:f>Sheet1!$D$1</c:f>
+              <c:strCache>
+                <c:ptCount val="1"/>
+                <c:pt idx="0">
+                  <c:v>%</c:v>
+                </c:pt>
+              </c:strCache>
+            </c:strRef>
+          </c:tx>
+          <c:cat>
+            <c:strRef>
+              <c:f>Sheet1!$A$2:$A$12</c:f>
+              <c:strCache>
+                <c:ptCount val="11"/>
+                <c:pt idx="0">
+                  <c:v>1 Краснодар</c:v>
+                </c:pt>
+                <c:pt idx="1">
+                  <c:v>2 Краснодар</c:v>
+                </c:pt>
+                <c:pt idx="2">
+                  <c:v>3 Краснодар</c:v>
+                </c:pt>
+                <c:pt idx="3">
+                  <c:v>4 Краснодар</c:v>
+                </c:pt>
+                <c:pt idx="4">
+                  <c:v>5 Краснодар</c:v>
+                </c:pt>
+                <c:pt idx="5">
+                  <c:v>6 Краснодар</c:v>
+                </c:pt>
+                <c:pt idx="6">
+                  <c:v>7 Краснодар</c:v>
+                </c:pt>
+                <c:pt idx="7">
+                  <c:v>8 Краснодар</c:v>
+                </c:pt>
+                <c:pt idx="8">
+                  <c:v>9 Краснодар</c:v>
+                </c:pt>
+                <c:pt idx="9">
+                  <c:v>10 Краснодар</c:v>
+                </c:pt>
+                <c:pt idx="10">
+                  <c:v>11 Краснодар</c:v>
+                </c:pt>
+              </c:strCache>
+            </c:strRef>
+          </c:cat>
+          <c:val>
+            <c:numRef>
+              <c:f>Sheet1!$D$2:$D$12</c:f>
+              <c:numCache>
+                <c:formatCode>General</c:formatCode>
+                <c:ptCount val="11"/>
+                <c:pt idx="0">
+                  <c:v>1.24</c:v>
+                </c:pt>
+                <c:pt idx="1">
+                  <c:v>6.46</c:v>
+                </c:pt>
+                <c:pt idx="2">
+                  <c:v>6.84</c:v>
+                </c:pt>
+                <c:pt idx="3">
+                  <c:v>2.31</c:v>
+                </c:pt>
+                <c:pt idx="4">
+                  <c:v>13.07</c:v>
+                </c:pt>
+                <c:pt idx="5">
+                  <c:v>20.55</c:v>
+                </c:pt>
+                <c:pt idx="6">
+                  <c:v>9.17</c:v>
+                </c:pt>
+                <c:pt idx="7">
+                  <c:v>8.98</c:v>
+                </c:pt>
+                <c:pt idx="8">
+                  <c:v>5.6</c:v>
+                </c:pt>
+                <c:pt idx="9">
+                  <c:v>0</c:v>
+                </c:pt>
+                <c:pt idx="10">
+                  <c:v>17.22</c:v>
+                </c:pt>
+              </c:numCache>
+            </c:numRef>
+          </c:val>
+        </c:ser>
+        <c:dLbls>
+          <c:txPr>
+            <a:bodyPr/>
+            <a:lstStyle/>
+            <a:p>
+              <a:pPr>
+                <a:defRPr sz="1300">
+                  <a:solidFill>
+                    <a:srgbClr val="0A4280"/>
+                  </a:solidFill>
+                </a:defRPr>
+              </a:pPr>
+            </a:p>
+          </c:txPr>
+          <c:dLblPos val="inEnd"/>
+          <c:showLegendKey val="0"/>
+          <c:showVal val="1"/>
+          <c:showCatName val="0"/>
+          <c:showSerName val="0"/>
+          <c:showPercent val="0"/>
+          <c:showBubbleSize val="0"/>
+          <c:showLeaderLines val="1"/>
+        </c:dLbls>
+        <c:axId val="-2068027336"/>
+        <c:axId val="-2113994440"/>
+      </c:barChart>
+      <c:catAx>
+        <c:axId val="-2068027336"/>
+        <c:scaling>
+          <c:orientation val="minMax"/>
+        </c:scaling>
+        <c:delete val="0"/>
+        <c:axPos val="b"/>
+        <c:majorTickMark val="out"/>
+        <c:minorTickMark val="none"/>
+        <c:tickLblPos val="nextTo"/>
+        <c:crossAx val="-2113994440"/>
+        <c:crosses val="autoZero"/>
+        <c:auto val="1"/>
+        <c:lblAlgn val="ctr"/>
+        <c:lblOffset val="100"/>
+        <c:noMultiLvlLbl val="0"/>
+      </c:catAx>
+      <c:valAx>
+        <c:axId val="-2113994440"/>
+        <c:scaling/>
+        <c:delete val="0"/>
+        <c:axPos val="l"/>
+        <c:majorGridlines/>
+        <c:majorTickMark val="out"/>
+        <c:minorTickMark val="none"/>
+        <c:tickLblPos val="nextTo"/>
+        <c:crossAx val="-2068027336"/>
+        <c:crosses val="autoZero"/>
+      </c:valAx>
+    </c:plotArea>
+    <c:legend>
+      <c:legendPos/>
+      <c:overlay val="0"/>
+    </c:legend>
+    <c:dispBlanksAs val="gap"/>
+  </c:chart>
+  <c:txPr>
+    <a:bodyPr/>
+    <a:lstStyle/>
+    <a:p>
+      <a:pPr>
+        <a:defRPr sz="1800"/>
+      </a:pPr>
+      <a:endParaRPr lang="en-US"/>
+    </a:p>
+  </c:txPr>
+  <c:externalData r:id="rId1">
+    <c:autoUpdate val="0"/>
+  </c:externalData>
+</c:chartSpace>
+</file>
+
+<file path=ppt/charts/chart18.xml><?xml version="1.0" encoding="utf-8"?>
+<c:chartSpace xmlns:c="http://schemas.openxmlformats.org/drawingml/2006/chart" xmlns:a="http://schemas.openxmlformats.org/drawingml/2006/main" xmlns:r="http://schemas.openxmlformats.org/officeDocument/2006/relationships">
+  <c:date1904 val="0"/>
+  <c:chart>
+    <c:autoTitleDeleted val="0"/>
+    <c:plotArea>
+      <c:barChart>
+        <c:barDir val="col"/>
+        <c:grouping val="clustered"/>
+        <c:ser>
+          <c:idx val="0"/>
+          <c:order val="0"/>
+          <c:tx>
+            <c:strRef>
+              <c:f>Sheet1!$B$1</c:f>
+              <c:strCache>
+                <c:ptCount val="1"/>
+                <c:pt idx="0">
+                  <c:v>2022</c:v>
+                </c:pt>
+              </c:strCache>
+            </c:strRef>
+          </c:tx>
+          <c:cat>
+            <c:strRef>
+              <c:f>Sheet1!$A$2:$A$12</c:f>
+              <c:strCache>
+                <c:ptCount val="11"/>
+                <c:pt idx="0">
+                  <c:v>1 Краснодар</c:v>
+                </c:pt>
+                <c:pt idx="1">
+                  <c:v>2 Краснодар</c:v>
+                </c:pt>
+                <c:pt idx="2">
+                  <c:v>3 Краснодар</c:v>
+                </c:pt>
+                <c:pt idx="3">
+                  <c:v>4 Краснодар</c:v>
+                </c:pt>
+                <c:pt idx="4">
+                  <c:v>5 Краснодар</c:v>
+                </c:pt>
+                <c:pt idx="5">
+                  <c:v>6 Краснодар</c:v>
+                </c:pt>
+                <c:pt idx="6">
+                  <c:v>7 Краснодар</c:v>
+                </c:pt>
+                <c:pt idx="7">
+                  <c:v>8 Краснодар</c:v>
+                </c:pt>
+                <c:pt idx="8">
+                  <c:v>9 Краснодар</c:v>
+                </c:pt>
+                <c:pt idx="9">
+                  <c:v>10 Краснодар</c:v>
+                </c:pt>
+                <c:pt idx="10">
+                  <c:v>11 Краснодар</c:v>
+                </c:pt>
+              </c:strCache>
+            </c:strRef>
+          </c:cat>
+          <c:val>
+            <c:numRef>
+              <c:f>Sheet1!$B$2:$B$12</c:f>
+              <c:numCache>
+                <c:formatCode>General</c:formatCode>
+                <c:ptCount val="11"/>
+                <c:pt idx="0">
+                  <c:v>25141.026</c:v>
+                </c:pt>
+                <c:pt idx="1">
+                  <c:v>14785.378</c:v>
+                </c:pt>
+                <c:pt idx="2">
+                  <c:v>16044.559</c:v>
+                </c:pt>
+                <c:pt idx="3">
+                  <c:v>17403.056</c:v>
+                </c:pt>
+                <c:pt idx="4">
+                  <c:v>18331.234</c:v>
+                </c:pt>
+                <c:pt idx="5">
+                  <c:v>13984.503</c:v>
+                </c:pt>
+                <c:pt idx="6">
+                  <c:v>19071.782</c:v>
+                </c:pt>
+                <c:pt idx="7">
+                  <c:v>22251.258</c:v>
+                </c:pt>
+                <c:pt idx="8">
+                  <c:v>21635.769</c:v>
+                </c:pt>
+                <c:pt idx="9">
+                  <c:v>0</c:v>
+                </c:pt>
+                <c:pt idx="10">
+                  <c:v>16957.465</c:v>
+                </c:pt>
+              </c:numCache>
+            </c:numRef>
+          </c:val>
+        </c:ser>
+        <c:ser>
+          <c:idx val="1"/>
+          <c:order val="1"/>
+          <c:tx>
+            <c:strRef>
+              <c:f>Sheet1!$C$1</c:f>
+              <c:strCache>
+                <c:ptCount val="1"/>
+                <c:pt idx="0">
+                  <c:v>2023</c:v>
+                </c:pt>
+              </c:strCache>
+            </c:strRef>
+          </c:tx>
+          <c:cat>
+            <c:strRef>
+              <c:f>Sheet1!$A$2:$A$12</c:f>
+              <c:strCache>
+                <c:ptCount val="11"/>
+                <c:pt idx="0">
+                  <c:v>1 Краснодар</c:v>
+                </c:pt>
+                <c:pt idx="1">
+                  <c:v>2 Краснодар</c:v>
+                </c:pt>
+                <c:pt idx="2">
+                  <c:v>3 Краснодар</c:v>
+                </c:pt>
+                <c:pt idx="3">
+                  <c:v>4 Краснодар</c:v>
+                </c:pt>
+                <c:pt idx="4">
+                  <c:v>5 Краснодар</c:v>
+                </c:pt>
+                <c:pt idx="5">
+                  <c:v>6 Краснодар</c:v>
+                </c:pt>
+                <c:pt idx="6">
+                  <c:v>7 Краснодар</c:v>
+                </c:pt>
+                <c:pt idx="7">
+                  <c:v>8 Краснодар</c:v>
+                </c:pt>
+                <c:pt idx="8">
+                  <c:v>9 Краснодар</c:v>
+                </c:pt>
+                <c:pt idx="9">
+                  <c:v>10 Краснодар</c:v>
+                </c:pt>
+                <c:pt idx="10">
+                  <c:v>11 Краснодар</c:v>
+                </c:pt>
+              </c:strCache>
+            </c:strRef>
+          </c:cat>
+          <c:val>
+            <c:numRef>
+              <c:f>Sheet1!$C$2:$C$12</c:f>
+              <c:numCache>
+                <c:formatCode>General</c:formatCode>
+                <c:ptCount val="11"/>
+                <c:pt idx="0">
+                  <c:v>27168.643</c:v>
+                </c:pt>
+                <c:pt idx="1">
+                  <c:v>15911.083</c:v>
+                </c:pt>
+                <c:pt idx="2">
+                  <c:v>17060.775</c:v>
+                </c:pt>
+                <c:pt idx="3">
+                  <c:v>18764.364</c:v>
+                </c:pt>
+                <c:pt idx="4">
+                  <c:v>22028.363</c:v>
+                </c:pt>
+                <c:pt idx="5">
+                  <c:v>19644.893</c:v>
+                </c:pt>
+                <c:pt idx="6">
+                  <c:v>22043.786</c:v>
+                </c:pt>
+                <c:pt idx="7">
+                  <c:v>25275.789</c:v>
+                </c:pt>
+                <c:pt idx="8">
+                  <c:v>23409.417</c:v>
+                </c:pt>
+                <c:pt idx="9">
+                  <c:v>0</c:v>
+                </c:pt>
+                <c:pt idx="10">
+                  <c:v>21085.85</c:v>
+                </c:pt>
+              </c:numCache>
+            </c:numRef>
+          </c:val>
+        </c:ser>
+        <c:ser>
+          <c:idx val="2"/>
+          <c:order val="2"/>
+          <c:tx>
+            <c:strRef>
+              <c:f>Sheet1!$D$1</c:f>
+              <c:strCache>
+                <c:ptCount val="1"/>
+                <c:pt idx="0">
+                  <c:v>%</c:v>
+                </c:pt>
+              </c:strCache>
+            </c:strRef>
+          </c:tx>
+          <c:cat>
+            <c:strRef>
+              <c:f>Sheet1!$A$2:$A$12</c:f>
+              <c:strCache>
+                <c:ptCount val="11"/>
+                <c:pt idx="0">
+                  <c:v>1 Краснодар</c:v>
+                </c:pt>
+                <c:pt idx="1">
+                  <c:v>2 Краснодар</c:v>
+                </c:pt>
+                <c:pt idx="2">
+                  <c:v>3 Краснодар</c:v>
+                </c:pt>
+                <c:pt idx="3">
+                  <c:v>4 Краснодар</c:v>
+                </c:pt>
+                <c:pt idx="4">
+                  <c:v>5 Краснодар</c:v>
+                </c:pt>
+                <c:pt idx="5">
+                  <c:v>6 Краснодар</c:v>
+                </c:pt>
+                <c:pt idx="6">
+                  <c:v>7 Краснодар</c:v>
+                </c:pt>
+                <c:pt idx="7">
+                  <c:v>8 Краснодар</c:v>
+                </c:pt>
+                <c:pt idx="8">
+                  <c:v>9 Краснодар</c:v>
+                </c:pt>
+                <c:pt idx="9">
+                  <c:v>10 Краснодар</c:v>
+                </c:pt>
+                <c:pt idx="10">
+                  <c:v>11 Краснодар</c:v>
+                </c:pt>
+              </c:strCache>
+            </c:strRef>
+          </c:cat>
+          <c:val>
+            <c:numRef>
+              <c:f>Sheet1!$D$2:$D$12</c:f>
+              <c:numCache>
+                <c:formatCode>General</c:formatCode>
+                <c:ptCount val="11"/>
+                <c:pt idx="0">
+                  <c:v>7.46</c:v>
+                </c:pt>
+                <c:pt idx="1">
+                  <c:v>7.07</c:v>
+                </c:pt>
+                <c:pt idx="2">
+                  <c:v>5.96</c:v>
+                </c:pt>
+                <c:pt idx="3">
+                  <c:v>7.25</c:v>
+                </c:pt>
+                <c:pt idx="4">
+                  <c:v>16.78</c:v>
+                </c:pt>
+                <c:pt idx="5">
+                  <c:v>28.81</c:v>
+                </c:pt>
+                <c:pt idx="6">
+                  <c:v>13.48</c:v>
+                </c:pt>
+                <c:pt idx="7">
+                  <c:v>11.97</c:v>
+                </c:pt>
+                <c:pt idx="8">
+                  <c:v>7.58</c:v>
+                </c:pt>
+                <c:pt idx="9">
+                  <c:v>0</c:v>
+                </c:pt>
+                <c:pt idx="10">
+                  <c:v>19.58</c:v>
+                </c:pt>
+              </c:numCache>
+            </c:numRef>
+          </c:val>
+        </c:ser>
+        <c:dLbls>
+          <c:txPr>
+            <a:bodyPr/>
+            <a:lstStyle/>
+            <a:p>
+              <a:pPr>
+                <a:defRPr sz="1300">
+                  <a:solidFill>
+                    <a:srgbClr val="0A4280"/>
+                  </a:solidFill>
+                </a:defRPr>
+              </a:pPr>
+            </a:p>
+          </c:txPr>
+          <c:dLblPos val="inEnd"/>
+          <c:showLegendKey val="0"/>
+          <c:showVal val="1"/>
+          <c:showCatName val="0"/>
+          <c:showSerName val="0"/>
+          <c:showPercent val="0"/>
+          <c:showBubbleSize val="0"/>
+          <c:showLeaderLines val="1"/>
+        </c:dLbls>
+        <c:axId val="-2068027336"/>
+        <c:axId val="-2113994440"/>
+      </c:barChart>
+      <c:catAx>
+        <c:axId val="-2068027336"/>
+        <c:scaling>
+          <c:orientation val="minMax"/>
+        </c:scaling>
+        <c:delete val="0"/>
+        <c:axPos val="b"/>
+        <c:majorTickMark val="out"/>
+        <c:minorTickMark val="none"/>
+        <c:tickLblPos val="nextTo"/>
+        <c:crossAx val="-2113994440"/>
+        <c:crosses val="autoZero"/>
+        <c:auto val="1"/>
+        <c:lblAlgn val="ctr"/>
+        <c:lblOffset val="100"/>
+        <c:noMultiLvlLbl val="0"/>
+      </c:catAx>
+      <c:valAx>
+        <c:axId val="-2113994440"/>
+        <c:scaling/>
+        <c:delete val="0"/>
+        <c:axPos val="l"/>
+        <c:majorGridlines/>
+        <c:majorTickMark val="out"/>
+        <c:minorTickMark val="none"/>
+        <c:tickLblPos val="nextTo"/>
+        <c:crossAx val="-2068027336"/>
+        <c:crosses val="autoZero"/>
+      </c:valAx>
+    </c:plotArea>
+    <c:legend>
+      <c:legendPos/>
+      <c:overlay val="0"/>
+    </c:legend>
+    <c:dispBlanksAs val="gap"/>
+  </c:chart>
+  <c:txPr>
+    <a:bodyPr/>
+    <a:lstStyle/>
+    <a:p>
+      <a:pPr>
+        <a:defRPr sz="1800"/>
+      </a:pPr>
+      <a:endParaRPr lang="en-US"/>
+    </a:p>
+  </c:txPr>
+  <c:externalData r:id="rId1">
+    <c:autoUpdate val="0"/>
+  </c:externalData>
+</c:chartSpace>
+</file>
+
+<file path=ppt/charts/chart19.xml><?xml version="1.0" encoding="utf-8"?>
+<c:chartSpace xmlns:c="http://schemas.openxmlformats.org/drawingml/2006/chart" xmlns:a="http://schemas.openxmlformats.org/drawingml/2006/main" xmlns:r="http://schemas.openxmlformats.org/officeDocument/2006/relationships">
+  <c:date1904 val="0"/>
+  <c:chart>
+    <c:autoTitleDeleted val="0"/>
+    <c:plotArea>
+      <c:barChart>
+        <c:barDir val="col"/>
+        <c:grouping val="clustered"/>
+        <c:ser>
+          <c:idx val="0"/>
+          <c:order val="0"/>
+          <c:tx>
+            <c:strRef>
+              <c:f>Sheet1!$B$1</c:f>
+              <c:strCache>
+                <c:ptCount val="1"/>
+                <c:pt idx="0">
+                  <c:v>2022</c:v>
+                </c:pt>
+              </c:strCache>
+            </c:strRef>
+          </c:tx>
+          <c:cat>
+            <c:strRef>
+              <c:f>Sheet1!$A$2:$A$2</c:f>
+              <c:strCache>
+                <c:ptCount val="1"/>
+                <c:pt idx="0">
+                  <c:v>в рублях</c:v>
+                </c:pt>
+              </c:strCache>
+            </c:strRef>
+          </c:cat>
+          <c:val>
+            <c:numRef>
+              <c:f>Sheet1!$B$2:$B$2</c:f>
+              <c:numCache>
+                <c:formatCode>General</c:formatCode>
+                <c:ptCount val="1"/>
+                <c:pt idx="0">
+                  <c:v>34442161.14</c:v>
+                </c:pt>
+              </c:numCache>
+            </c:numRef>
+          </c:val>
+        </c:ser>
+        <c:ser>
+          <c:idx val="1"/>
+          <c:order val="1"/>
+          <c:tx>
+            <c:strRef>
+              <c:f>Sheet1!$C$1</c:f>
+              <c:strCache>
+                <c:ptCount val="1"/>
+                <c:pt idx="0">
+                  <c:v>2023</c:v>
+                </c:pt>
+              </c:strCache>
+            </c:strRef>
+          </c:tx>
+          <c:cat>
+            <c:strRef>
+              <c:f>Sheet1!$A$2:$A$2</c:f>
+              <c:strCache>
+                <c:ptCount val="1"/>
+                <c:pt idx="0">
+                  <c:v>в рублях</c:v>
+                </c:pt>
+              </c:strCache>
+            </c:strRef>
+          </c:cat>
+          <c:val>
+            <c:numRef>
+              <c:f>Sheet1!$C$2:$C$2</c:f>
+              <c:numCache>
+                <c:formatCode>General</c:formatCode>
+                <c:ptCount val="1"/>
+                <c:pt idx="0">
+                  <c:v>37737180.35</c:v>
+                </c:pt>
+              </c:numCache>
+            </c:numRef>
+          </c:val>
+        </c:ser>
+        <c:ser>
+          <c:idx val="2"/>
+          <c:order val="2"/>
+          <c:tx>
+            <c:strRef>
+              <c:f>Sheet1!$D$1</c:f>
+              <c:strCache>
+                <c:ptCount val="1"/>
+                <c:pt idx="0">
+                  <c:v>%</c:v>
+                </c:pt>
+              </c:strCache>
+            </c:strRef>
+          </c:tx>
+          <c:cat>
+            <c:strRef>
+              <c:f>Sheet1!$A$2:$A$2</c:f>
+              <c:strCache>
+                <c:ptCount val="1"/>
+                <c:pt idx="0">
+                  <c:v>в рублях</c:v>
+                </c:pt>
+              </c:strCache>
+            </c:strRef>
+          </c:cat>
+          <c:val>
+            <c:numRef>
+              <c:f>Sheet1!$D$2:$D$2</c:f>
+              <c:numCache>
+                <c:formatCode>General</c:formatCode>
+                <c:ptCount val="1"/>
+                <c:pt idx="0">
+                  <c:v>8.7</c:v>
+                </c:pt>
               </c:numCache>
             </c:numRef>
           </c:val>
@@ -533,37 +3490,37 @@
                 <c:formatCode>General</c:formatCode>
                 <c:ptCount val="11"/>
                 <c:pt idx="0">
-                  <c:v>4037391.39</c:v>
+                  <c:v>0</c:v>
                 </c:pt>
                 <c:pt idx="1">
-                  <c:v>2083229.76</c:v>
+                  <c:v>12215.836</c:v>
                 </c:pt>
                 <c:pt idx="2">
-                  <c:v>2443389.59</c:v>
+                  <c:v>15254.773</c:v>
                 </c:pt>
                 <c:pt idx="3">
-                  <c:v>2476146.32</c:v>
+                  <c:v>14981.991</c:v>
                 </c:pt>
                 <c:pt idx="4">
-                  <c:v>3026078.48</c:v>
+                  <c:v>16443.866</c:v>
                 </c:pt>
                 <c:pt idx="5">
-                  <c:v>2368224.58</c:v>
+                  <c:v>12441.59</c:v>
                 </c:pt>
                 <c:pt idx="6">
-                  <c:v>2807727.41</c:v>
+                  <c:v>15814.762</c:v>
                 </c:pt>
                 <c:pt idx="7">
-                  <c:v>3278553.04</c:v>
+                  <c:v>19596.811</c:v>
                 </c:pt>
                 <c:pt idx="8">
-                  <c:v>4183457.92</c:v>
+                  <c:v>19959.282</c:v>
                 </c:pt>
                 <c:pt idx="9">
-                  <c:v/>
+                  <c:v>0</c:v>
                 </c:pt>
                 <c:pt idx="10">
-                  <c:v>2059139.77</c:v>
+                  <c:v>14272.706</c:v>
                 </c:pt>
               </c:numCache>
             </c:numRef>
@@ -631,37 +3588,37 @@
                 <c:formatCode>General</c:formatCode>
                 <c:ptCount val="11"/>
                 <c:pt idx="0">
-                  <c:v>4487710.47</c:v>
+                  <c:v>0</c:v>
                 </c:pt>
                 <c:pt idx="1">
-                  <c:v>2705067.47</c:v>
+                  <c:v>12682.7</c:v>
                 </c:pt>
                 <c:pt idx="2">
-                  <c:v>2680040.19</c:v>
+                  <c:v>13965.825</c:v>
                 </c:pt>
                 <c:pt idx="3">
-                  <c:v>2824235.89</c:v>
+                  <c:v>15461.705</c:v>
                 </c:pt>
                 <c:pt idx="4">
-                  <c:v>3337763.59</c:v>
+                  <c:v>15728.668</c:v>
                 </c:pt>
                 <c:pt idx="5">
-                  <c:v>3022988.38</c:v>
+                  <c:v>14733.27</c:v>
                 </c:pt>
                 <c:pt idx="6">
-                  <c:v>3311978.03</c:v>
+                  <c:v>17252.528</c:v>
                 </c:pt>
                 <c:pt idx="7">
-                  <c:v>3820280.85</c:v>
+                  <c:v>19101.627</c:v>
                 </c:pt>
                 <c:pt idx="8">
-                  <c:v>4527598.44</c:v>
+                  <c:v>19014.267</c:v>
                 </c:pt>
                 <c:pt idx="9">
-                  <c:v/>
+                  <c:v>0</c:v>
                 </c:pt>
                 <c:pt idx="10">
-                  <c:v>2575365.25</c:v>
+                  <c:v>14646.427</c:v>
                 </c:pt>
               </c:numCache>
             </c:numRef>
@@ -724,39 +3681,2571 @@
           </c:cat>
           <c:val>
             <c:numRef>
-              <c:f>Sheet1!$D$2:$D$11</c:f>
+              <c:f>Sheet1!$D$2:$D$12</c:f>
               <c:numCache>
                 <c:formatCode>General</c:formatCode>
-                <c:ptCount val="10"/>
-                <c:pt idx="0">
-                  <c:v>10.03</c:v>
+                <c:ptCount val="11"/>
+                <c:pt idx="0">
+                  <c:v>0</c:v>
                 </c:pt>
                 <c:pt idx="1">
-                  <c:v>22.99</c:v>
+                  <c:v>3.68</c:v>
                 </c:pt>
                 <c:pt idx="2">
-                  <c:v>8.83</c:v>
+                  <c:v>-9.23</c:v>
                 </c:pt>
                 <c:pt idx="3">
-                  <c:v>12.33</c:v>
+                  <c:v>3.1</c:v>
                 </c:pt>
                 <c:pt idx="4">
-                  <c:v>9.34</c:v>
+                  <c:v>-4.55</c:v>
                 </c:pt>
                 <c:pt idx="5">
-                  <c:v>21.66</c:v>
+                  <c:v>15.55</c:v>
                 </c:pt>
                 <c:pt idx="6">
-                  <c:v>15.23</c:v>
+                  <c:v>8.33</c:v>
                 </c:pt>
                 <c:pt idx="7">
-                  <c:v>14.18</c:v>
+                  <c:v>-2.59</c:v>
                 </c:pt>
                 <c:pt idx="8">
-                  <c:v>7.6</c:v>
+                  <c:v>-4.97</c:v>
                 </c:pt>
                 <c:pt idx="9">
-                  <c:v>20.04</c:v>
+                  <c:v>0</c:v>
+                </c:pt>
+                <c:pt idx="10">
+                  <c:v>2.55</c:v>
+                </c:pt>
+              </c:numCache>
+            </c:numRef>
+          </c:val>
+        </c:ser>
+        <c:dLbls>
+          <c:txPr>
+            <a:bodyPr/>
+            <a:lstStyle/>
+            <a:p>
+              <a:pPr>
+                <a:defRPr sz="1300">
+                  <a:solidFill>
+                    <a:srgbClr val="0A4280"/>
+                  </a:solidFill>
+                </a:defRPr>
+              </a:pPr>
+            </a:p>
+          </c:txPr>
+          <c:dLblPos val="inEnd"/>
+          <c:showLegendKey val="0"/>
+          <c:showVal val="1"/>
+          <c:showCatName val="0"/>
+          <c:showSerName val="0"/>
+          <c:showPercent val="0"/>
+          <c:showBubbleSize val="0"/>
+          <c:showLeaderLines val="1"/>
+        </c:dLbls>
+        <c:axId val="-2068027336"/>
+        <c:axId val="-2113994440"/>
+      </c:barChart>
+      <c:catAx>
+        <c:axId val="-2068027336"/>
+        <c:scaling>
+          <c:orientation val="minMax"/>
+        </c:scaling>
+        <c:delete val="0"/>
+        <c:axPos val="b"/>
+        <c:majorTickMark val="out"/>
+        <c:minorTickMark val="none"/>
+        <c:tickLblPos val="nextTo"/>
+        <c:crossAx val="-2113994440"/>
+        <c:crosses val="autoZero"/>
+        <c:auto val="1"/>
+        <c:lblAlgn val="ctr"/>
+        <c:lblOffset val="100"/>
+        <c:noMultiLvlLbl val="0"/>
+      </c:catAx>
+      <c:valAx>
+        <c:axId val="-2113994440"/>
+        <c:scaling/>
+        <c:delete val="0"/>
+        <c:axPos val="l"/>
+        <c:majorGridlines/>
+        <c:majorTickMark val="out"/>
+        <c:minorTickMark val="none"/>
+        <c:tickLblPos val="nextTo"/>
+        <c:crossAx val="-2068027336"/>
+        <c:crosses val="autoZero"/>
+      </c:valAx>
+    </c:plotArea>
+    <c:legend>
+      <c:legendPos/>
+      <c:overlay val="0"/>
+    </c:legend>
+    <c:dispBlanksAs val="gap"/>
+  </c:chart>
+  <c:txPr>
+    <a:bodyPr/>
+    <a:lstStyle/>
+    <a:p>
+      <a:pPr>
+        <a:defRPr sz="1800"/>
+      </a:pPr>
+      <a:endParaRPr lang="en-US"/>
+    </a:p>
+  </c:txPr>
+  <c:externalData r:id="rId1">
+    <c:autoUpdate val="0"/>
+  </c:externalData>
+</c:chartSpace>
+</file>
+
+<file path=ppt/charts/chart20.xml><?xml version="1.0" encoding="utf-8"?>
+<c:chartSpace xmlns:c="http://schemas.openxmlformats.org/drawingml/2006/chart" xmlns:a="http://schemas.openxmlformats.org/drawingml/2006/main" xmlns:r="http://schemas.openxmlformats.org/officeDocument/2006/relationships">
+  <c:date1904 val="0"/>
+  <c:chart>
+    <c:autoTitleDeleted val="0"/>
+    <c:plotArea>
+      <c:barChart>
+        <c:barDir val="col"/>
+        <c:grouping val="clustered"/>
+        <c:ser>
+          <c:idx val="0"/>
+          <c:order val="0"/>
+          <c:tx>
+            <c:strRef>
+              <c:f>Sheet1!$B$1</c:f>
+              <c:strCache>
+                <c:ptCount val="1"/>
+                <c:pt idx="0">
+                  <c:v>2022</c:v>
+                </c:pt>
+              </c:strCache>
+            </c:strRef>
+          </c:tx>
+          <c:cat>
+            <c:strRef>
+              <c:f>Sheet1!$A$2:$A$2</c:f>
+              <c:strCache>
+                <c:ptCount val="1"/>
+                <c:pt idx="0">
+                  <c:v>В килограммах</c:v>
+                </c:pt>
+              </c:strCache>
+            </c:strRef>
+          </c:cat>
+          <c:val>
+            <c:numRef>
+              <c:f>Sheet1!$B$2:$B$2</c:f>
+              <c:numCache>
+                <c:formatCode>General</c:formatCode>
+                <c:ptCount val="1"/>
+                <c:pt idx="0">
+                  <c:v>185606.03</c:v>
+                </c:pt>
+              </c:numCache>
+            </c:numRef>
+          </c:val>
+        </c:ser>
+        <c:ser>
+          <c:idx val="1"/>
+          <c:order val="1"/>
+          <c:tx>
+            <c:strRef>
+              <c:f>Sheet1!$C$1</c:f>
+              <c:strCache>
+                <c:ptCount val="1"/>
+                <c:pt idx="0">
+                  <c:v>2023</c:v>
+                </c:pt>
+              </c:strCache>
+            </c:strRef>
+          </c:tx>
+          <c:cat>
+            <c:strRef>
+              <c:f>Sheet1!$A$2:$A$2</c:f>
+              <c:strCache>
+                <c:ptCount val="1"/>
+                <c:pt idx="0">
+                  <c:v>В килограммах</c:v>
+                </c:pt>
+              </c:strCache>
+            </c:strRef>
+          </c:cat>
+          <c:val>
+            <c:numRef>
+              <c:f>Sheet1!$C$2:$C$2</c:f>
+              <c:numCache>
+                <c:formatCode>General</c:formatCode>
+                <c:ptCount val="1"/>
+                <c:pt idx="0">
+                  <c:v>212392.96300000002</c:v>
+                </c:pt>
+              </c:numCache>
+            </c:numRef>
+          </c:val>
+        </c:ser>
+        <c:ser>
+          <c:idx val="2"/>
+          <c:order val="2"/>
+          <c:tx>
+            <c:strRef>
+              <c:f>Sheet1!$D$1</c:f>
+              <c:strCache>
+                <c:ptCount val="1"/>
+                <c:pt idx="0">
+                  <c:v>%</c:v>
+                </c:pt>
+              </c:strCache>
+            </c:strRef>
+          </c:tx>
+          <c:cat>
+            <c:strRef>
+              <c:f>Sheet1!$A$2:$A$2</c:f>
+              <c:strCache>
+                <c:ptCount val="1"/>
+                <c:pt idx="0">
+                  <c:v>В килограммах</c:v>
+                </c:pt>
+              </c:strCache>
+            </c:strRef>
+          </c:cat>
+          <c:val>
+            <c:numRef>
+              <c:f>Sheet1!$D$2:$D$2</c:f>
+              <c:numCache>
+                <c:formatCode>General</c:formatCode>
+                <c:ptCount val="1"/>
+                <c:pt idx="0">
+                  <c:v>12.6</c:v>
+                </c:pt>
+              </c:numCache>
+            </c:numRef>
+          </c:val>
+        </c:ser>
+        <c:dLbls>
+          <c:txPr>
+            <a:bodyPr/>
+            <a:lstStyle/>
+            <a:p>
+              <a:pPr>
+                <a:defRPr sz="1300">
+                  <a:solidFill>
+                    <a:srgbClr val="0A4280"/>
+                  </a:solidFill>
+                </a:defRPr>
+              </a:pPr>
+            </a:p>
+          </c:txPr>
+          <c:dLblPos val="inEnd"/>
+          <c:showLegendKey val="0"/>
+          <c:showVal val="1"/>
+          <c:showCatName val="0"/>
+          <c:showSerName val="0"/>
+          <c:showPercent val="0"/>
+          <c:showBubbleSize val="0"/>
+          <c:showLeaderLines val="1"/>
+        </c:dLbls>
+        <c:axId val="-2068027336"/>
+        <c:axId val="-2113994440"/>
+      </c:barChart>
+      <c:catAx>
+        <c:axId val="-2068027336"/>
+        <c:scaling>
+          <c:orientation val="minMax"/>
+        </c:scaling>
+        <c:delete val="0"/>
+        <c:axPos val="b"/>
+        <c:majorTickMark val="out"/>
+        <c:minorTickMark val="none"/>
+        <c:tickLblPos val="nextTo"/>
+        <c:crossAx val="-2113994440"/>
+        <c:crosses val="autoZero"/>
+        <c:auto val="1"/>
+        <c:lblAlgn val="ctr"/>
+        <c:lblOffset val="100"/>
+        <c:noMultiLvlLbl val="0"/>
+      </c:catAx>
+      <c:valAx>
+        <c:axId val="-2113994440"/>
+        <c:scaling/>
+        <c:delete val="0"/>
+        <c:axPos val="l"/>
+        <c:majorGridlines/>
+        <c:majorTickMark val="out"/>
+        <c:minorTickMark val="none"/>
+        <c:tickLblPos val="nextTo"/>
+        <c:crossAx val="-2068027336"/>
+        <c:crosses val="autoZero"/>
+      </c:valAx>
+    </c:plotArea>
+    <c:legend>
+      <c:legendPos/>
+      <c:overlay val="0"/>
+    </c:legend>
+    <c:dispBlanksAs val="gap"/>
+  </c:chart>
+  <c:txPr>
+    <a:bodyPr/>
+    <a:lstStyle/>
+    <a:p>
+      <a:pPr>
+        <a:defRPr sz="1800"/>
+      </a:pPr>
+      <a:endParaRPr lang="en-US"/>
+    </a:p>
+  </c:txPr>
+  <c:externalData r:id="rId1">
+    <c:autoUpdate val="0"/>
+  </c:externalData>
+</c:chartSpace>
+</file>
+
+<file path=ppt/charts/chart21.xml><?xml version="1.0" encoding="utf-8"?>
+<c:chartSpace xmlns:c="http://schemas.openxmlformats.org/drawingml/2006/chart" xmlns:a="http://schemas.openxmlformats.org/drawingml/2006/main" xmlns:r="http://schemas.openxmlformats.org/officeDocument/2006/relationships">
+  <c:date1904 val="0"/>
+  <c:chart>
+    <c:autoTitleDeleted val="0"/>
+    <c:plotArea>
+      <c:barChart>
+        <c:barDir val="col"/>
+        <c:grouping val="clustered"/>
+        <c:ser>
+          <c:idx val="0"/>
+          <c:order val="0"/>
+          <c:tx>
+            <c:strRef>
+              <c:f>Sheet1!$B$1</c:f>
+              <c:strCache>
+                <c:ptCount val="1"/>
+                <c:pt idx="0">
+                  <c:v>2022</c:v>
+                </c:pt>
+              </c:strCache>
+            </c:strRef>
+          </c:tx>
+          <c:cat>
+            <c:strRef>
+              <c:f>Sheet1!$A$2:$A$12</c:f>
+              <c:strCache>
+                <c:ptCount val="11"/>
+                <c:pt idx="0">
+                  <c:v>1 Краснодар</c:v>
+                </c:pt>
+                <c:pt idx="1">
+                  <c:v>2 Краснодар</c:v>
+                </c:pt>
+                <c:pt idx="2">
+                  <c:v>3 Краснодар</c:v>
+                </c:pt>
+                <c:pt idx="3">
+                  <c:v>4 Краснодар</c:v>
+                </c:pt>
+                <c:pt idx="4">
+                  <c:v>5 Краснодар</c:v>
+                </c:pt>
+                <c:pt idx="5">
+                  <c:v>6 Краснодар</c:v>
+                </c:pt>
+                <c:pt idx="6">
+                  <c:v>7 Краснодар</c:v>
+                </c:pt>
+                <c:pt idx="7">
+                  <c:v>8 Краснодар</c:v>
+                </c:pt>
+                <c:pt idx="8">
+                  <c:v>9 Краснодар</c:v>
+                </c:pt>
+                <c:pt idx="9">
+                  <c:v>10 Краснодар</c:v>
+                </c:pt>
+                <c:pt idx="10">
+                  <c:v>11 Краснодар</c:v>
+                </c:pt>
+              </c:strCache>
+            </c:strRef>
+          </c:cat>
+          <c:val>
+            <c:numRef>
+              <c:f>Sheet1!$B$2:$B$12</c:f>
+              <c:numCache>
+                <c:formatCode>General</c:formatCode>
+                <c:ptCount val="11"/>
+                <c:pt idx="0">
+                  <c:v>5074824.53</c:v>
+                </c:pt>
+                <c:pt idx="1">
+                  <c:v>2824290.42</c:v>
+                </c:pt>
+                <c:pt idx="2">
+                  <c:v>2892099.01</c:v>
+                </c:pt>
+                <c:pt idx="3">
+                  <c:v>2744926.72</c:v>
+                </c:pt>
+                <c:pt idx="4">
+                  <c:v>3403627.56</c:v>
+                </c:pt>
+                <c:pt idx="5">
+                  <c:v>2620742.12</c:v>
+                </c:pt>
+                <c:pt idx="6">
+                  <c:v>3402358.9</c:v>
+                </c:pt>
+                <c:pt idx="7">
+                  <c:v>3765507.84</c:v>
+                </c:pt>
+                <c:pt idx="8">
+                  <c:v>4727330.66</c:v>
+                </c:pt>
+                <c:pt idx="9">
+                  <c:v>0</c:v>
+                </c:pt>
+                <c:pt idx="10">
+                  <c:v>2597874.95</c:v>
+                </c:pt>
+              </c:numCache>
+            </c:numRef>
+          </c:val>
+        </c:ser>
+        <c:ser>
+          <c:idx val="1"/>
+          <c:order val="1"/>
+          <c:tx>
+            <c:strRef>
+              <c:f>Sheet1!$C$1</c:f>
+              <c:strCache>
+                <c:ptCount val="1"/>
+                <c:pt idx="0">
+                  <c:v>2023</c:v>
+                </c:pt>
+              </c:strCache>
+            </c:strRef>
+          </c:tx>
+          <c:cat>
+            <c:strRef>
+              <c:f>Sheet1!$A$2:$A$12</c:f>
+              <c:strCache>
+                <c:ptCount val="11"/>
+                <c:pt idx="0">
+                  <c:v>1 Краснодар</c:v>
+                </c:pt>
+                <c:pt idx="1">
+                  <c:v>2 Краснодар</c:v>
+                </c:pt>
+                <c:pt idx="2">
+                  <c:v>3 Краснодар</c:v>
+                </c:pt>
+                <c:pt idx="3">
+                  <c:v>4 Краснодар</c:v>
+                </c:pt>
+                <c:pt idx="4">
+                  <c:v>5 Краснодар</c:v>
+                </c:pt>
+                <c:pt idx="5">
+                  <c:v>6 Краснодар</c:v>
+                </c:pt>
+                <c:pt idx="6">
+                  <c:v>7 Краснодар</c:v>
+                </c:pt>
+                <c:pt idx="7">
+                  <c:v>8 Краснодар</c:v>
+                </c:pt>
+                <c:pt idx="8">
+                  <c:v>9 Краснодар</c:v>
+                </c:pt>
+                <c:pt idx="9">
+                  <c:v>10 Краснодар</c:v>
+                </c:pt>
+                <c:pt idx="10">
+                  <c:v>11 Краснодар</c:v>
+                </c:pt>
+              </c:strCache>
+            </c:strRef>
+          </c:cat>
+          <c:val>
+            <c:numRef>
+              <c:f>Sheet1!$C$2:$C$12</c:f>
+              <c:numCache>
+                <c:formatCode>General</c:formatCode>
+                <c:ptCount val="11"/>
+                <c:pt idx="0">
+                  <c:v>5226881.32</c:v>
+                </c:pt>
+                <c:pt idx="1">
+                  <c:v>2909803.73</c:v>
+                </c:pt>
+                <c:pt idx="2">
+                  <c:v>2805928.73</c:v>
+                </c:pt>
+                <c:pt idx="3">
+                  <c:v>2918137.16</c:v>
+                </c:pt>
+                <c:pt idx="4">
+                  <c:v>3900603.5</c:v>
+                </c:pt>
+                <c:pt idx="5">
+                  <c:v>3218109.71</c:v>
+                </c:pt>
+                <c:pt idx="6">
+                  <c:v>3807055.42</c:v>
+                </c:pt>
+                <c:pt idx="7">
+                  <c:v>4027556.05</c:v>
+                </c:pt>
+                <c:pt idx="8">
+                  <c:v>5258724.61</c:v>
+                </c:pt>
+                <c:pt idx="9">
+                  <c:v>0</c:v>
+                </c:pt>
+                <c:pt idx="10">
+                  <c:v>3293495.92</c:v>
+                </c:pt>
+              </c:numCache>
+            </c:numRef>
+          </c:val>
+        </c:ser>
+        <c:ser>
+          <c:idx val="2"/>
+          <c:order val="2"/>
+          <c:tx>
+            <c:strRef>
+              <c:f>Sheet1!$D$1</c:f>
+              <c:strCache>
+                <c:ptCount val="1"/>
+                <c:pt idx="0">
+                  <c:v>%</c:v>
+                </c:pt>
+              </c:strCache>
+            </c:strRef>
+          </c:tx>
+          <c:cat>
+            <c:strRef>
+              <c:f>Sheet1!$A$2:$A$12</c:f>
+              <c:strCache>
+                <c:ptCount val="11"/>
+                <c:pt idx="0">
+                  <c:v>1 Краснодар</c:v>
+                </c:pt>
+                <c:pt idx="1">
+                  <c:v>2 Краснодар</c:v>
+                </c:pt>
+                <c:pt idx="2">
+                  <c:v>3 Краснодар</c:v>
+                </c:pt>
+                <c:pt idx="3">
+                  <c:v>4 Краснодар</c:v>
+                </c:pt>
+                <c:pt idx="4">
+                  <c:v>5 Краснодар</c:v>
+                </c:pt>
+                <c:pt idx="5">
+                  <c:v>6 Краснодар</c:v>
+                </c:pt>
+                <c:pt idx="6">
+                  <c:v>7 Краснодар</c:v>
+                </c:pt>
+                <c:pt idx="7">
+                  <c:v>8 Краснодар</c:v>
+                </c:pt>
+                <c:pt idx="8">
+                  <c:v>9 Краснодар</c:v>
+                </c:pt>
+                <c:pt idx="9">
+                  <c:v>10 Краснодар</c:v>
+                </c:pt>
+                <c:pt idx="10">
+                  <c:v>11 Краснодар</c:v>
+                </c:pt>
+              </c:strCache>
+            </c:strRef>
+          </c:cat>
+          <c:val>
+            <c:numRef>
+              <c:f>Sheet1!$D$2:$D$12</c:f>
+              <c:numCache>
+                <c:formatCode>General</c:formatCode>
+                <c:ptCount val="11"/>
+                <c:pt idx="0">
+                  <c:v>2.91</c:v>
+                </c:pt>
+                <c:pt idx="1">
+                  <c:v>2.94</c:v>
+                </c:pt>
+                <c:pt idx="2">
+                  <c:v>-3.07</c:v>
+                </c:pt>
+                <c:pt idx="3">
+                  <c:v>5.94</c:v>
+                </c:pt>
+                <c:pt idx="4">
+                  <c:v>12.74</c:v>
+                </c:pt>
+                <c:pt idx="5">
+                  <c:v>18.56</c:v>
+                </c:pt>
+                <c:pt idx="6">
+                  <c:v>10.63</c:v>
+                </c:pt>
+                <c:pt idx="7">
+                  <c:v>6.51</c:v>
+                </c:pt>
+                <c:pt idx="8">
+                  <c:v>10.1</c:v>
+                </c:pt>
+                <c:pt idx="9">
+                  <c:v>0</c:v>
+                </c:pt>
+                <c:pt idx="10">
+                  <c:v>21.12</c:v>
+                </c:pt>
+              </c:numCache>
+            </c:numRef>
+          </c:val>
+        </c:ser>
+        <c:dLbls>
+          <c:txPr>
+            <a:bodyPr/>
+            <a:lstStyle/>
+            <a:p>
+              <a:pPr>
+                <a:defRPr sz="1300">
+                  <a:solidFill>
+                    <a:srgbClr val="0A4280"/>
+                  </a:solidFill>
+                </a:defRPr>
+              </a:pPr>
+            </a:p>
+          </c:txPr>
+          <c:dLblPos val="inEnd"/>
+          <c:showLegendKey val="0"/>
+          <c:showVal val="1"/>
+          <c:showCatName val="0"/>
+          <c:showSerName val="0"/>
+          <c:showPercent val="0"/>
+          <c:showBubbleSize val="0"/>
+          <c:showLeaderLines val="1"/>
+        </c:dLbls>
+        <c:axId val="-2068027336"/>
+        <c:axId val="-2113994440"/>
+      </c:barChart>
+      <c:catAx>
+        <c:axId val="-2068027336"/>
+        <c:scaling>
+          <c:orientation val="minMax"/>
+        </c:scaling>
+        <c:delete val="0"/>
+        <c:axPos val="b"/>
+        <c:majorTickMark val="out"/>
+        <c:minorTickMark val="none"/>
+        <c:tickLblPos val="nextTo"/>
+        <c:crossAx val="-2113994440"/>
+        <c:crosses val="autoZero"/>
+        <c:auto val="1"/>
+        <c:lblAlgn val="ctr"/>
+        <c:lblOffset val="100"/>
+        <c:noMultiLvlLbl val="0"/>
+      </c:catAx>
+      <c:valAx>
+        <c:axId val="-2113994440"/>
+        <c:scaling/>
+        <c:delete val="0"/>
+        <c:axPos val="l"/>
+        <c:majorGridlines/>
+        <c:majorTickMark val="out"/>
+        <c:minorTickMark val="none"/>
+        <c:tickLblPos val="nextTo"/>
+        <c:crossAx val="-2068027336"/>
+        <c:crosses val="autoZero"/>
+      </c:valAx>
+    </c:plotArea>
+    <c:legend>
+      <c:legendPos/>
+      <c:overlay val="0"/>
+    </c:legend>
+    <c:dispBlanksAs val="gap"/>
+  </c:chart>
+  <c:txPr>
+    <a:bodyPr/>
+    <a:lstStyle/>
+    <a:p>
+      <a:pPr>
+        <a:defRPr sz="1800"/>
+      </a:pPr>
+      <a:endParaRPr lang="en-US"/>
+    </a:p>
+  </c:txPr>
+  <c:externalData r:id="rId1">
+    <c:autoUpdate val="0"/>
+  </c:externalData>
+</c:chartSpace>
+</file>
+
+<file path=ppt/charts/chart22.xml><?xml version="1.0" encoding="utf-8"?>
+<c:chartSpace xmlns:c="http://schemas.openxmlformats.org/drawingml/2006/chart" xmlns:a="http://schemas.openxmlformats.org/drawingml/2006/main" xmlns:r="http://schemas.openxmlformats.org/officeDocument/2006/relationships">
+  <c:date1904 val="0"/>
+  <c:chart>
+    <c:autoTitleDeleted val="0"/>
+    <c:plotArea>
+      <c:barChart>
+        <c:barDir val="col"/>
+        <c:grouping val="clustered"/>
+        <c:ser>
+          <c:idx val="0"/>
+          <c:order val="0"/>
+          <c:tx>
+            <c:strRef>
+              <c:f>Sheet1!$B$1</c:f>
+              <c:strCache>
+                <c:ptCount val="1"/>
+                <c:pt idx="0">
+                  <c:v>2022</c:v>
+                </c:pt>
+              </c:strCache>
+            </c:strRef>
+          </c:tx>
+          <c:cat>
+            <c:strRef>
+              <c:f>Sheet1!$A$2:$A$12</c:f>
+              <c:strCache>
+                <c:ptCount val="11"/>
+                <c:pt idx="0">
+                  <c:v>1 Краснодар</c:v>
+                </c:pt>
+                <c:pt idx="1">
+                  <c:v>2 Краснодар</c:v>
+                </c:pt>
+                <c:pt idx="2">
+                  <c:v>3 Краснодар</c:v>
+                </c:pt>
+                <c:pt idx="3">
+                  <c:v>4 Краснодар</c:v>
+                </c:pt>
+                <c:pt idx="4">
+                  <c:v>5 Краснодар</c:v>
+                </c:pt>
+                <c:pt idx="5">
+                  <c:v>6 Краснодар</c:v>
+                </c:pt>
+                <c:pt idx="6">
+                  <c:v>7 Краснодар</c:v>
+                </c:pt>
+                <c:pt idx="7">
+                  <c:v>8 Краснодар</c:v>
+                </c:pt>
+                <c:pt idx="8">
+                  <c:v>9 Краснодар</c:v>
+                </c:pt>
+                <c:pt idx="9">
+                  <c:v>10 Краснодар</c:v>
+                </c:pt>
+                <c:pt idx="10">
+                  <c:v>11 Краснодар</c:v>
+                </c:pt>
+              </c:strCache>
+            </c:strRef>
+          </c:cat>
+          <c:val>
+            <c:numRef>
+              <c:f>Sheet1!$B$2:$B$12</c:f>
+              <c:numCache>
+                <c:formatCode>General</c:formatCode>
+                <c:ptCount val="11"/>
+                <c:pt idx="0">
+                  <c:v>26837.584</c:v>
+                </c:pt>
+                <c:pt idx="1">
+                  <c:v>15915.838</c:v>
+                </c:pt>
+                <c:pt idx="2">
+                  <c:v>17911.601</c:v>
+                </c:pt>
+                <c:pt idx="3">
+                  <c:v>16426.526</c:v>
+                </c:pt>
+                <c:pt idx="4">
+                  <c:v>19255.436</c:v>
+                </c:pt>
+                <c:pt idx="5">
+                  <c:v>15197.532</c:v>
+                </c:pt>
+                <c:pt idx="6">
+                  <c:v>19759.865</c:v>
+                </c:pt>
+                <c:pt idx="7">
+                  <c:v>23375.14</c:v>
+                </c:pt>
+                <c:pt idx="8">
+                  <c:v>21894.182</c:v>
+                </c:pt>
+                <c:pt idx="9">
+                  <c:v>0</c:v>
+                </c:pt>
+                <c:pt idx="10">
+                  <c:v>17588.077</c:v>
+                </c:pt>
+              </c:numCache>
+            </c:numRef>
+          </c:val>
+        </c:ser>
+        <c:ser>
+          <c:idx val="1"/>
+          <c:order val="1"/>
+          <c:tx>
+            <c:strRef>
+              <c:f>Sheet1!$C$1</c:f>
+              <c:strCache>
+                <c:ptCount val="1"/>
+                <c:pt idx="0">
+                  <c:v>2023</c:v>
+                </c:pt>
+              </c:strCache>
+            </c:strRef>
+          </c:tx>
+          <c:cat>
+            <c:strRef>
+              <c:f>Sheet1!$A$2:$A$12</c:f>
+              <c:strCache>
+                <c:ptCount val="11"/>
+                <c:pt idx="0">
+                  <c:v>1 Краснодар</c:v>
+                </c:pt>
+                <c:pt idx="1">
+                  <c:v>2 Краснодар</c:v>
+                </c:pt>
+                <c:pt idx="2">
+                  <c:v>3 Краснодар</c:v>
+                </c:pt>
+                <c:pt idx="3">
+                  <c:v>4 Краснодар</c:v>
+                </c:pt>
+                <c:pt idx="4">
+                  <c:v>5 Краснодар</c:v>
+                </c:pt>
+                <c:pt idx="5">
+                  <c:v>6 Краснодар</c:v>
+                </c:pt>
+                <c:pt idx="6">
+                  <c:v>7 Краснодар</c:v>
+                </c:pt>
+                <c:pt idx="7">
+                  <c:v>8 Краснодар</c:v>
+                </c:pt>
+                <c:pt idx="8">
+                  <c:v>9 Краснодар</c:v>
+                </c:pt>
+                <c:pt idx="9">
+                  <c:v>10 Краснодар</c:v>
+                </c:pt>
+                <c:pt idx="10">
+                  <c:v>11 Краснодар</c:v>
+                </c:pt>
+              </c:strCache>
+            </c:strRef>
+          </c:cat>
+          <c:val>
+            <c:numRef>
+              <c:f>Sheet1!$C$2:$C$12</c:f>
+              <c:numCache>
+                <c:formatCode>General</c:formatCode>
+                <c:ptCount val="11"/>
+                <c:pt idx="0">
+                  <c:v>28751.025</c:v>
+                </c:pt>
+                <c:pt idx="1">
+                  <c:v>16560.544</c:v>
+                </c:pt>
+                <c:pt idx="2">
+                  <c:v>16451.808</c:v>
+                </c:pt>
+                <c:pt idx="3">
+                  <c:v>18127.26</c:v>
+                </c:pt>
+                <c:pt idx="4">
+                  <c:v>21676.21</c:v>
+                </c:pt>
+                <c:pt idx="5">
+                  <c:v>19668.688</c:v>
+                </c:pt>
+                <c:pt idx="6">
+                  <c:v>22090.973</c:v>
+                </c:pt>
+                <c:pt idx="7">
+                  <c:v>25054.873</c:v>
+                </c:pt>
+                <c:pt idx="8">
+                  <c:v>24394.563</c:v>
+                </c:pt>
+                <c:pt idx="9">
+                  <c:v>0</c:v>
+                </c:pt>
+                <c:pt idx="10">
+                  <c:v>22430.339</c:v>
+                </c:pt>
+              </c:numCache>
+            </c:numRef>
+          </c:val>
+        </c:ser>
+        <c:ser>
+          <c:idx val="2"/>
+          <c:order val="2"/>
+          <c:tx>
+            <c:strRef>
+              <c:f>Sheet1!$D$1</c:f>
+              <c:strCache>
+                <c:ptCount val="1"/>
+                <c:pt idx="0">
+                  <c:v>%</c:v>
+                </c:pt>
+              </c:strCache>
+            </c:strRef>
+          </c:tx>
+          <c:cat>
+            <c:strRef>
+              <c:f>Sheet1!$A$2:$A$12</c:f>
+              <c:strCache>
+                <c:ptCount val="11"/>
+                <c:pt idx="0">
+                  <c:v>1 Краснодар</c:v>
+                </c:pt>
+                <c:pt idx="1">
+                  <c:v>2 Краснодар</c:v>
+                </c:pt>
+                <c:pt idx="2">
+                  <c:v>3 Краснодар</c:v>
+                </c:pt>
+                <c:pt idx="3">
+                  <c:v>4 Краснодар</c:v>
+                </c:pt>
+                <c:pt idx="4">
+                  <c:v>5 Краснодар</c:v>
+                </c:pt>
+                <c:pt idx="5">
+                  <c:v>6 Краснодар</c:v>
+                </c:pt>
+                <c:pt idx="6">
+                  <c:v>7 Краснодар</c:v>
+                </c:pt>
+                <c:pt idx="7">
+                  <c:v>8 Краснодар</c:v>
+                </c:pt>
+                <c:pt idx="8">
+                  <c:v>9 Краснодар</c:v>
+                </c:pt>
+                <c:pt idx="9">
+                  <c:v>10 Краснодар</c:v>
+                </c:pt>
+                <c:pt idx="10">
+                  <c:v>11 Краснодар</c:v>
+                </c:pt>
+              </c:strCache>
+            </c:strRef>
+          </c:cat>
+          <c:val>
+            <c:numRef>
+              <c:f>Sheet1!$D$2:$D$12</c:f>
+              <c:numCache>
+                <c:formatCode>General</c:formatCode>
+                <c:ptCount val="11"/>
+                <c:pt idx="0">
+                  <c:v>6.66</c:v>
+                </c:pt>
+                <c:pt idx="1">
+                  <c:v>3.89</c:v>
+                </c:pt>
+                <c:pt idx="2">
+                  <c:v>-8.87</c:v>
+                </c:pt>
+                <c:pt idx="3">
+                  <c:v>9.38</c:v>
+                </c:pt>
+                <c:pt idx="4">
+                  <c:v>11.17</c:v>
+                </c:pt>
+                <c:pt idx="5">
+                  <c:v>22.73</c:v>
+                </c:pt>
+                <c:pt idx="6">
+                  <c:v>10.55</c:v>
+                </c:pt>
+                <c:pt idx="7">
+                  <c:v>6.7</c:v>
+                </c:pt>
+                <c:pt idx="8">
+                  <c:v>10.25</c:v>
+                </c:pt>
+                <c:pt idx="9">
+                  <c:v>0</c:v>
+                </c:pt>
+                <c:pt idx="10">
+                  <c:v>21.59</c:v>
+                </c:pt>
+              </c:numCache>
+            </c:numRef>
+          </c:val>
+        </c:ser>
+        <c:dLbls>
+          <c:txPr>
+            <a:bodyPr/>
+            <a:lstStyle/>
+            <a:p>
+              <a:pPr>
+                <a:defRPr sz="1300">
+                  <a:solidFill>
+                    <a:srgbClr val="0A4280"/>
+                  </a:solidFill>
+                </a:defRPr>
+              </a:pPr>
+            </a:p>
+          </c:txPr>
+          <c:dLblPos val="inEnd"/>
+          <c:showLegendKey val="0"/>
+          <c:showVal val="1"/>
+          <c:showCatName val="0"/>
+          <c:showSerName val="0"/>
+          <c:showPercent val="0"/>
+          <c:showBubbleSize val="0"/>
+          <c:showLeaderLines val="1"/>
+        </c:dLbls>
+        <c:axId val="-2068027336"/>
+        <c:axId val="-2113994440"/>
+      </c:barChart>
+      <c:catAx>
+        <c:axId val="-2068027336"/>
+        <c:scaling>
+          <c:orientation val="minMax"/>
+        </c:scaling>
+        <c:delete val="0"/>
+        <c:axPos val="b"/>
+        <c:majorTickMark val="out"/>
+        <c:minorTickMark val="none"/>
+        <c:tickLblPos val="nextTo"/>
+        <c:crossAx val="-2113994440"/>
+        <c:crosses val="autoZero"/>
+        <c:auto val="1"/>
+        <c:lblAlgn val="ctr"/>
+        <c:lblOffset val="100"/>
+        <c:noMultiLvlLbl val="0"/>
+      </c:catAx>
+      <c:valAx>
+        <c:axId val="-2113994440"/>
+        <c:scaling/>
+        <c:delete val="0"/>
+        <c:axPos val="l"/>
+        <c:majorGridlines/>
+        <c:majorTickMark val="out"/>
+        <c:minorTickMark val="none"/>
+        <c:tickLblPos val="nextTo"/>
+        <c:crossAx val="-2068027336"/>
+        <c:crosses val="autoZero"/>
+      </c:valAx>
+    </c:plotArea>
+    <c:legend>
+      <c:legendPos/>
+      <c:overlay val="0"/>
+    </c:legend>
+    <c:dispBlanksAs val="gap"/>
+  </c:chart>
+  <c:txPr>
+    <a:bodyPr/>
+    <a:lstStyle/>
+    <a:p>
+      <a:pPr>
+        <a:defRPr sz="1800"/>
+      </a:pPr>
+      <a:endParaRPr lang="en-US"/>
+    </a:p>
+  </c:txPr>
+  <c:externalData r:id="rId1">
+    <c:autoUpdate val="0"/>
+  </c:externalData>
+</c:chartSpace>
+</file>
+
+<file path=ppt/charts/chart23.xml><?xml version="1.0" encoding="utf-8"?>
+<c:chartSpace xmlns:c="http://schemas.openxmlformats.org/drawingml/2006/chart" xmlns:a="http://schemas.openxmlformats.org/drawingml/2006/main" xmlns:r="http://schemas.openxmlformats.org/officeDocument/2006/relationships">
+  <c:date1904 val="0"/>
+  <c:chart>
+    <c:autoTitleDeleted val="0"/>
+    <c:plotArea>
+      <c:barChart>
+        <c:barDir val="col"/>
+        <c:grouping val="clustered"/>
+        <c:ser>
+          <c:idx val="0"/>
+          <c:order val="0"/>
+          <c:tx>
+            <c:strRef>
+              <c:f>Sheet1!$B$1</c:f>
+              <c:strCache>
+                <c:ptCount val="1"/>
+                <c:pt idx="0">
+                  <c:v>2022</c:v>
+                </c:pt>
+              </c:strCache>
+            </c:strRef>
+          </c:tx>
+          <c:cat>
+            <c:strRef>
+              <c:f>Sheet1!$A$2:$A$2</c:f>
+              <c:strCache>
+                <c:ptCount val="1"/>
+                <c:pt idx="0">
+                  <c:v>в рублях</c:v>
+                </c:pt>
+              </c:strCache>
+            </c:strRef>
+          </c:cat>
+          <c:val>
+            <c:numRef>
+              <c:f>Sheet1!$B$2:$B$2</c:f>
+              <c:numCache>
+                <c:formatCode>General</c:formatCode>
+                <c:ptCount val="1"/>
+                <c:pt idx="0">
+                  <c:v>34053582.71</c:v>
+                </c:pt>
+              </c:numCache>
+            </c:numRef>
+          </c:val>
+        </c:ser>
+        <c:ser>
+          <c:idx val="1"/>
+          <c:order val="1"/>
+          <c:tx>
+            <c:strRef>
+              <c:f>Sheet1!$C$1</c:f>
+              <c:strCache>
+                <c:ptCount val="1"/>
+                <c:pt idx="0">
+                  <c:v>2023</c:v>
+                </c:pt>
+              </c:strCache>
+            </c:strRef>
+          </c:tx>
+          <c:cat>
+            <c:strRef>
+              <c:f>Sheet1!$A$2:$A$2</c:f>
+              <c:strCache>
+                <c:ptCount val="1"/>
+                <c:pt idx="0">
+                  <c:v>в рублях</c:v>
+                </c:pt>
+              </c:strCache>
+            </c:strRef>
+          </c:cat>
+          <c:val>
+            <c:numRef>
+              <c:f>Sheet1!$C$2:$C$2</c:f>
+              <c:numCache>
+                <c:formatCode>General</c:formatCode>
+                <c:ptCount val="1"/>
+                <c:pt idx="0">
+                  <c:v>37366296.150000006</c:v>
+                </c:pt>
+              </c:numCache>
+            </c:numRef>
+          </c:val>
+        </c:ser>
+        <c:ser>
+          <c:idx val="2"/>
+          <c:order val="2"/>
+          <c:tx>
+            <c:strRef>
+              <c:f>Sheet1!$D$1</c:f>
+              <c:strCache>
+                <c:ptCount val="1"/>
+                <c:pt idx="0">
+                  <c:v>%</c:v>
+                </c:pt>
+              </c:strCache>
+            </c:strRef>
+          </c:tx>
+          <c:cat>
+            <c:strRef>
+              <c:f>Sheet1!$A$2:$A$2</c:f>
+              <c:strCache>
+                <c:ptCount val="1"/>
+                <c:pt idx="0">
+                  <c:v>в рублях</c:v>
+                </c:pt>
+              </c:strCache>
+            </c:strRef>
+          </c:cat>
+          <c:val>
+            <c:numRef>
+              <c:f>Sheet1!$D$2:$D$2</c:f>
+              <c:numCache>
+                <c:formatCode>General</c:formatCode>
+                <c:ptCount val="1"/>
+                <c:pt idx="0">
+                  <c:v>8.9</c:v>
+                </c:pt>
+              </c:numCache>
+            </c:numRef>
+          </c:val>
+        </c:ser>
+        <c:dLbls>
+          <c:txPr>
+            <a:bodyPr/>
+            <a:lstStyle/>
+            <a:p>
+              <a:pPr>
+                <a:defRPr sz="1300">
+                  <a:solidFill>
+                    <a:srgbClr val="0A4280"/>
+                  </a:solidFill>
+                </a:defRPr>
+              </a:pPr>
+            </a:p>
+          </c:txPr>
+          <c:dLblPos val="inEnd"/>
+          <c:showLegendKey val="0"/>
+          <c:showVal val="1"/>
+          <c:showCatName val="0"/>
+          <c:showSerName val="0"/>
+          <c:showPercent val="0"/>
+          <c:showBubbleSize val="0"/>
+          <c:showLeaderLines val="1"/>
+        </c:dLbls>
+        <c:axId val="-2068027336"/>
+        <c:axId val="-2113994440"/>
+      </c:barChart>
+      <c:catAx>
+        <c:axId val="-2068027336"/>
+        <c:scaling>
+          <c:orientation val="minMax"/>
+        </c:scaling>
+        <c:delete val="0"/>
+        <c:axPos val="b"/>
+        <c:majorTickMark val="out"/>
+        <c:minorTickMark val="none"/>
+        <c:tickLblPos val="nextTo"/>
+        <c:crossAx val="-2113994440"/>
+        <c:crosses val="autoZero"/>
+        <c:auto val="1"/>
+        <c:lblAlgn val="ctr"/>
+        <c:lblOffset val="100"/>
+        <c:noMultiLvlLbl val="0"/>
+      </c:catAx>
+      <c:valAx>
+        <c:axId val="-2113994440"/>
+        <c:scaling/>
+        <c:delete val="0"/>
+        <c:axPos val="l"/>
+        <c:majorGridlines/>
+        <c:majorTickMark val="out"/>
+        <c:minorTickMark val="none"/>
+        <c:tickLblPos val="nextTo"/>
+        <c:crossAx val="-2068027336"/>
+        <c:crosses val="autoZero"/>
+      </c:valAx>
+    </c:plotArea>
+    <c:legend>
+      <c:legendPos/>
+      <c:overlay val="0"/>
+    </c:legend>
+    <c:dispBlanksAs val="gap"/>
+  </c:chart>
+  <c:txPr>
+    <a:bodyPr/>
+    <a:lstStyle/>
+    <a:p>
+      <a:pPr>
+        <a:defRPr sz="1800"/>
+      </a:pPr>
+      <a:endParaRPr lang="en-US"/>
+    </a:p>
+  </c:txPr>
+  <c:externalData r:id="rId1">
+    <c:autoUpdate val="0"/>
+  </c:externalData>
+</c:chartSpace>
+</file>
+
+<file path=ppt/charts/chart24.xml><?xml version="1.0" encoding="utf-8"?>
+<c:chartSpace xmlns:c="http://schemas.openxmlformats.org/drawingml/2006/chart" xmlns:a="http://schemas.openxmlformats.org/drawingml/2006/main" xmlns:r="http://schemas.openxmlformats.org/officeDocument/2006/relationships">
+  <c:date1904 val="0"/>
+  <c:chart>
+    <c:autoTitleDeleted val="0"/>
+    <c:plotArea>
+      <c:barChart>
+        <c:barDir val="col"/>
+        <c:grouping val="clustered"/>
+        <c:ser>
+          <c:idx val="0"/>
+          <c:order val="0"/>
+          <c:tx>
+            <c:strRef>
+              <c:f>Sheet1!$B$1</c:f>
+              <c:strCache>
+                <c:ptCount val="1"/>
+                <c:pt idx="0">
+                  <c:v>2022</c:v>
+                </c:pt>
+              </c:strCache>
+            </c:strRef>
+          </c:tx>
+          <c:cat>
+            <c:strRef>
+              <c:f>Sheet1!$A$2:$A$2</c:f>
+              <c:strCache>
+                <c:ptCount val="1"/>
+                <c:pt idx="0">
+                  <c:v>В килограммах</c:v>
+                </c:pt>
+              </c:strCache>
+            </c:strRef>
+          </c:cat>
+          <c:val>
+            <c:numRef>
+              <c:f>Sheet1!$B$2:$B$2</c:f>
+              <c:numCache>
+                <c:formatCode>General</c:formatCode>
+                <c:ptCount val="1"/>
+                <c:pt idx="0">
+                  <c:v>194161.781</c:v>
+                </c:pt>
+              </c:numCache>
+            </c:numRef>
+          </c:val>
+        </c:ser>
+        <c:ser>
+          <c:idx val="1"/>
+          <c:order val="1"/>
+          <c:tx>
+            <c:strRef>
+              <c:f>Sheet1!$C$1</c:f>
+              <c:strCache>
+                <c:ptCount val="1"/>
+                <c:pt idx="0">
+                  <c:v>2023</c:v>
+                </c:pt>
+              </c:strCache>
+            </c:strRef>
+          </c:tx>
+          <c:cat>
+            <c:strRef>
+              <c:f>Sheet1!$A$2:$A$2</c:f>
+              <c:strCache>
+                <c:ptCount val="1"/>
+                <c:pt idx="0">
+                  <c:v>В килограммах</c:v>
+                </c:pt>
+              </c:strCache>
+            </c:strRef>
+          </c:cat>
+          <c:val>
+            <c:numRef>
+              <c:f>Sheet1!$C$2:$C$2</c:f>
+              <c:numCache>
+                <c:formatCode>General</c:formatCode>
+                <c:ptCount val="1"/>
+                <c:pt idx="0">
+                  <c:v>215206.283</c:v>
+                </c:pt>
+              </c:numCache>
+            </c:numRef>
+          </c:val>
+        </c:ser>
+        <c:ser>
+          <c:idx val="2"/>
+          <c:order val="2"/>
+          <c:tx>
+            <c:strRef>
+              <c:f>Sheet1!$D$1</c:f>
+              <c:strCache>
+                <c:ptCount val="1"/>
+                <c:pt idx="0">
+                  <c:v>%</c:v>
+                </c:pt>
+              </c:strCache>
+            </c:strRef>
+          </c:tx>
+          <c:cat>
+            <c:strRef>
+              <c:f>Sheet1!$A$2:$A$2</c:f>
+              <c:strCache>
+                <c:ptCount val="1"/>
+                <c:pt idx="0">
+                  <c:v>В килограммах</c:v>
+                </c:pt>
+              </c:strCache>
+            </c:strRef>
+          </c:cat>
+          <c:val>
+            <c:numRef>
+              <c:f>Sheet1!$D$2:$D$2</c:f>
+              <c:numCache>
+                <c:formatCode>General</c:formatCode>
+                <c:ptCount val="1"/>
+                <c:pt idx="0">
+                  <c:v>9.8</c:v>
+                </c:pt>
+              </c:numCache>
+            </c:numRef>
+          </c:val>
+        </c:ser>
+        <c:dLbls>
+          <c:txPr>
+            <a:bodyPr/>
+            <a:lstStyle/>
+            <a:p>
+              <a:pPr>
+                <a:defRPr sz="1300">
+                  <a:solidFill>
+                    <a:srgbClr val="0A4280"/>
+                  </a:solidFill>
+                </a:defRPr>
+              </a:pPr>
+            </a:p>
+          </c:txPr>
+          <c:dLblPos val="inEnd"/>
+          <c:showLegendKey val="0"/>
+          <c:showVal val="1"/>
+          <c:showCatName val="0"/>
+          <c:showSerName val="0"/>
+          <c:showPercent val="0"/>
+          <c:showBubbleSize val="0"/>
+          <c:showLeaderLines val="1"/>
+        </c:dLbls>
+        <c:axId val="-2068027336"/>
+        <c:axId val="-2113994440"/>
+      </c:barChart>
+      <c:catAx>
+        <c:axId val="-2068027336"/>
+        <c:scaling>
+          <c:orientation val="minMax"/>
+        </c:scaling>
+        <c:delete val="0"/>
+        <c:axPos val="b"/>
+        <c:majorTickMark val="out"/>
+        <c:minorTickMark val="none"/>
+        <c:tickLblPos val="nextTo"/>
+        <c:crossAx val="-2113994440"/>
+        <c:crosses val="autoZero"/>
+        <c:auto val="1"/>
+        <c:lblAlgn val="ctr"/>
+        <c:lblOffset val="100"/>
+        <c:noMultiLvlLbl val="0"/>
+      </c:catAx>
+      <c:valAx>
+        <c:axId val="-2113994440"/>
+        <c:scaling/>
+        <c:delete val="0"/>
+        <c:axPos val="l"/>
+        <c:majorGridlines/>
+        <c:majorTickMark val="out"/>
+        <c:minorTickMark val="none"/>
+        <c:tickLblPos val="nextTo"/>
+        <c:crossAx val="-2068027336"/>
+        <c:crosses val="autoZero"/>
+      </c:valAx>
+    </c:plotArea>
+    <c:legend>
+      <c:legendPos/>
+      <c:overlay val="0"/>
+    </c:legend>
+    <c:dispBlanksAs val="gap"/>
+  </c:chart>
+  <c:txPr>
+    <a:bodyPr/>
+    <a:lstStyle/>
+    <a:p>
+      <a:pPr>
+        <a:defRPr sz="1800"/>
+      </a:pPr>
+      <a:endParaRPr lang="en-US"/>
+    </a:p>
+  </c:txPr>
+  <c:externalData r:id="rId1">
+    <c:autoUpdate val="0"/>
+  </c:externalData>
+</c:chartSpace>
+</file>
+
+<file path=ppt/charts/chart25.xml><?xml version="1.0" encoding="utf-8"?>
+<c:chartSpace xmlns:c="http://schemas.openxmlformats.org/drawingml/2006/chart" xmlns:a="http://schemas.openxmlformats.org/drawingml/2006/main" xmlns:r="http://schemas.openxmlformats.org/officeDocument/2006/relationships">
+  <c:date1904 val="0"/>
+  <c:chart>
+    <c:autoTitleDeleted val="0"/>
+    <c:plotArea>
+      <c:barChart>
+        <c:barDir val="col"/>
+        <c:grouping val="clustered"/>
+        <c:ser>
+          <c:idx val="0"/>
+          <c:order val="0"/>
+          <c:tx>
+            <c:strRef>
+              <c:f>Sheet1!$B$1</c:f>
+              <c:strCache>
+                <c:ptCount val="1"/>
+                <c:pt idx="0">
+                  <c:v>2022</c:v>
+                </c:pt>
+              </c:strCache>
+            </c:strRef>
+          </c:tx>
+          <c:cat>
+            <c:strRef>
+              <c:f>Sheet1!$A$2:$A$12</c:f>
+              <c:strCache>
+                <c:ptCount val="11"/>
+                <c:pt idx="0">
+                  <c:v>1 Краснодар</c:v>
+                </c:pt>
+                <c:pt idx="1">
+                  <c:v>2 Краснодар</c:v>
+                </c:pt>
+                <c:pt idx="2">
+                  <c:v>3 Краснодар</c:v>
+                </c:pt>
+                <c:pt idx="3">
+                  <c:v>4 Краснодар</c:v>
+                </c:pt>
+                <c:pt idx="4">
+                  <c:v>5 Краснодар</c:v>
+                </c:pt>
+                <c:pt idx="5">
+                  <c:v>6 Краснодар</c:v>
+                </c:pt>
+                <c:pt idx="6">
+                  <c:v>7 Краснодар</c:v>
+                </c:pt>
+                <c:pt idx="7">
+                  <c:v>8 Краснодар</c:v>
+                </c:pt>
+                <c:pt idx="8">
+                  <c:v>9 Краснодар</c:v>
+                </c:pt>
+                <c:pt idx="9">
+                  <c:v>10 Краснодар</c:v>
+                </c:pt>
+                <c:pt idx="10">
+                  <c:v>11 Краснодар</c:v>
+                </c:pt>
+              </c:strCache>
+            </c:strRef>
+          </c:cat>
+          <c:val>
+            <c:numRef>
+              <c:f>Sheet1!$B$2:$B$12</c:f>
+              <c:numCache>
+                <c:formatCode>General</c:formatCode>
+                <c:ptCount val="11"/>
+                <c:pt idx="0">
+                  <c:v>5184900.17</c:v>
+                </c:pt>
+                <c:pt idx="1">
+                  <c:v>2746857.7</c:v>
+                </c:pt>
+                <c:pt idx="2">
+                  <c:v>3032685.63</c:v>
+                </c:pt>
+                <c:pt idx="3">
+                  <c:v>2853368.41</c:v>
+                </c:pt>
+                <c:pt idx="4">
+                  <c:v>3645331.91</c:v>
+                </c:pt>
+                <c:pt idx="5">
+                  <c:v>2631348.76</c:v>
+                </c:pt>
+                <c:pt idx="6">
+                  <c:v>3669269.0</c:v>
+                </c:pt>
+                <c:pt idx="7">
+                  <c:v>3789213.22</c:v>
+                </c:pt>
+                <c:pt idx="8">
+                  <c:v>5118490.03</c:v>
+                </c:pt>
+                <c:pt idx="9">
+                  <c:v>0</c:v>
+                </c:pt>
+                <c:pt idx="10">
+                  <c:v>2622051.71</c:v>
+                </c:pt>
+              </c:numCache>
+            </c:numRef>
+          </c:val>
+        </c:ser>
+        <c:ser>
+          <c:idx val="1"/>
+          <c:order val="1"/>
+          <c:tx>
+            <c:strRef>
+              <c:f>Sheet1!$C$1</c:f>
+              <c:strCache>
+                <c:ptCount val="1"/>
+                <c:pt idx="0">
+                  <c:v>2023</c:v>
+                </c:pt>
+              </c:strCache>
+            </c:strRef>
+          </c:tx>
+          <c:cat>
+            <c:strRef>
+              <c:f>Sheet1!$A$2:$A$12</c:f>
+              <c:strCache>
+                <c:ptCount val="11"/>
+                <c:pt idx="0">
+                  <c:v>1 Краснодар</c:v>
+                </c:pt>
+                <c:pt idx="1">
+                  <c:v>2 Краснодар</c:v>
+                </c:pt>
+                <c:pt idx="2">
+                  <c:v>3 Краснодар</c:v>
+                </c:pt>
+                <c:pt idx="3">
+                  <c:v>4 Краснодар</c:v>
+                </c:pt>
+                <c:pt idx="4">
+                  <c:v>5 Краснодар</c:v>
+                </c:pt>
+                <c:pt idx="5">
+                  <c:v>6 Краснодар</c:v>
+                </c:pt>
+                <c:pt idx="6">
+                  <c:v>7 Краснодар</c:v>
+                </c:pt>
+                <c:pt idx="7">
+                  <c:v>8 Краснодар</c:v>
+                </c:pt>
+                <c:pt idx="8">
+                  <c:v>9 Краснодар</c:v>
+                </c:pt>
+                <c:pt idx="9">
+                  <c:v>10 Краснодар</c:v>
+                </c:pt>
+                <c:pt idx="10">
+                  <c:v>11 Краснодар</c:v>
+                </c:pt>
+              </c:strCache>
+            </c:strRef>
+          </c:cat>
+          <c:val>
+            <c:numRef>
+              <c:f>Sheet1!$C$2:$C$12</c:f>
+              <c:numCache>
+                <c:formatCode>General</c:formatCode>
+                <c:ptCount val="11"/>
+                <c:pt idx="0">
+                  <c:v>0</c:v>
+                </c:pt>
+                <c:pt idx="1">
+                  <c:v>3092989.42</c:v>
+                </c:pt>
+                <c:pt idx="2">
+                  <c:v>3055077.99</c:v>
+                </c:pt>
+                <c:pt idx="3">
+                  <c:v>2869840.37</c:v>
+                </c:pt>
+                <c:pt idx="4">
+                  <c:v>4044680.01</c:v>
+                </c:pt>
+                <c:pt idx="5">
+                  <c:v>3112378.15</c:v>
+                </c:pt>
+                <c:pt idx="6">
+                  <c:v>3901169.53</c:v>
+                </c:pt>
+                <c:pt idx="7">
+                  <c:v>4518133.39</c:v>
+                </c:pt>
+                <c:pt idx="8">
+                  <c:v>5530865.69</c:v>
+                </c:pt>
+                <c:pt idx="9">
+                  <c:v>460183.99</c:v>
+                </c:pt>
+                <c:pt idx="10">
+                  <c:v>3357688.94</c:v>
+                </c:pt>
+              </c:numCache>
+            </c:numRef>
+          </c:val>
+        </c:ser>
+        <c:ser>
+          <c:idx val="2"/>
+          <c:order val="2"/>
+          <c:tx>
+            <c:strRef>
+              <c:f>Sheet1!$D$1</c:f>
+              <c:strCache>
+                <c:ptCount val="1"/>
+                <c:pt idx="0">
+                  <c:v>%</c:v>
+                </c:pt>
+              </c:strCache>
+            </c:strRef>
+          </c:tx>
+          <c:cat>
+            <c:strRef>
+              <c:f>Sheet1!$A$2:$A$12</c:f>
+              <c:strCache>
+                <c:ptCount val="11"/>
+                <c:pt idx="0">
+                  <c:v>1 Краснодар</c:v>
+                </c:pt>
+                <c:pt idx="1">
+                  <c:v>2 Краснодар</c:v>
+                </c:pt>
+                <c:pt idx="2">
+                  <c:v>3 Краснодар</c:v>
+                </c:pt>
+                <c:pt idx="3">
+                  <c:v>4 Краснодар</c:v>
+                </c:pt>
+                <c:pt idx="4">
+                  <c:v>5 Краснодар</c:v>
+                </c:pt>
+                <c:pt idx="5">
+                  <c:v>6 Краснодар</c:v>
+                </c:pt>
+                <c:pt idx="6">
+                  <c:v>7 Краснодар</c:v>
+                </c:pt>
+                <c:pt idx="7">
+                  <c:v>8 Краснодар</c:v>
+                </c:pt>
+                <c:pt idx="8">
+                  <c:v>9 Краснодар</c:v>
+                </c:pt>
+                <c:pt idx="9">
+                  <c:v>10 Краснодар</c:v>
+                </c:pt>
+                <c:pt idx="10">
+                  <c:v>11 Краснодар</c:v>
+                </c:pt>
+              </c:strCache>
+            </c:strRef>
+          </c:cat>
+          <c:val>
+            <c:numRef>
+              <c:f>Sheet1!$D$2:$D$12</c:f>
+              <c:numCache>
+                <c:formatCode>General</c:formatCode>
+                <c:ptCount val="11"/>
+                <c:pt idx="0">
+                  <c:v>0</c:v>
+                </c:pt>
+                <c:pt idx="1">
+                  <c:v>11.19</c:v>
+                </c:pt>
+                <c:pt idx="2">
+                  <c:v>0.73</c:v>
+                </c:pt>
+                <c:pt idx="3">
+                  <c:v>0.57</c:v>
+                </c:pt>
+                <c:pt idx="4">
+                  <c:v>9.87</c:v>
+                </c:pt>
+                <c:pt idx="5">
+                  <c:v>15.46</c:v>
+                </c:pt>
+                <c:pt idx="6">
+                  <c:v>5.94</c:v>
+                </c:pt>
+                <c:pt idx="7">
+                  <c:v>16.13</c:v>
+                </c:pt>
+                <c:pt idx="8">
+                  <c:v>7.46</c:v>
+                </c:pt>
+                <c:pt idx="9">
+                  <c:v>0</c:v>
+                </c:pt>
+                <c:pt idx="10">
+                  <c:v>21.91</c:v>
+                </c:pt>
+              </c:numCache>
+            </c:numRef>
+          </c:val>
+        </c:ser>
+        <c:dLbls>
+          <c:txPr>
+            <a:bodyPr/>
+            <a:lstStyle/>
+            <a:p>
+              <a:pPr>
+                <a:defRPr sz="1300">
+                  <a:solidFill>
+                    <a:srgbClr val="0A4280"/>
+                  </a:solidFill>
+                </a:defRPr>
+              </a:pPr>
+            </a:p>
+          </c:txPr>
+          <c:dLblPos val="inEnd"/>
+          <c:showLegendKey val="0"/>
+          <c:showVal val="1"/>
+          <c:showCatName val="0"/>
+          <c:showSerName val="0"/>
+          <c:showPercent val="0"/>
+          <c:showBubbleSize val="0"/>
+          <c:showLeaderLines val="1"/>
+        </c:dLbls>
+        <c:axId val="-2068027336"/>
+        <c:axId val="-2113994440"/>
+      </c:barChart>
+      <c:catAx>
+        <c:axId val="-2068027336"/>
+        <c:scaling>
+          <c:orientation val="minMax"/>
+        </c:scaling>
+        <c:delete val="0"/>
+        <c:axPos val="b"/>
+        <c:majorTickMark val="out"/>
+        <c:minorTickMark val="none"/>
+        <c:tickLblPos val="nextTo"/>
+        <c:crossAx val="-2113994440"/>
+        <c:crosses val="autoZero"/>
+        <c:auto val="1"/>
+        <c:lblAlgn val="ctr"/>
+        <c:lblOffset val="100"/>
+        <c:noMultiLvlLbl val="0"/>
+      </c:catAx>
+      <c:valAx>
+        <c:axId val="-2113994440"/>
+        <c:scaling/>
+        <c:delete val="0"/>
+        <c:axPos val="l"/>
+        <c:majorGridlines/>
+        <c:majorTickMark val="out"/>
+        <c:minorTickMark val="none"/>
+        <c:tickLblPos val="nextTo"/>
+        <c:crossAx val="-2068027336"/>
+        <c:crosses val="autoZero"/>
+      </c:valAx>
+    </c:plotArea>
+    <c:legend>
+      <c:legendPos/>
+      <c:overlay val="0"/>
+    </c:legend>
+    <c:dispBlanksAs val="gap"/>
+  </c:chart>
+  <c:txPr>
+    <a:bodyPr/>
+    <a:lstStyle/>
+    <a:p>
+      <a:pPr>
+        <a:defRPr sz="1800"/>
+      </a:pPr>
+      <a:endParaRPr lang="en-US"/>
+    </a:p>
+  </c:txPr>
+  <c:externalData r:id="rId1">
+    <c:autoUpdate val="0"/>
+  </c:externalData>
+</c:chartSpace>
+</file>
+
+<file path=ppt/charts/chart26.xml><?xml version="1.0" encoding="utf-8"?>
+<c:chartSpace xmlns:c="http://schemas.openxmlformats.org/drawingml/2006/chart" xmlns:a="http://schemas.openxmlformats.org/drawingml/2006/main" xmlns:r="http://schemas.openxmlformats.org/officeDocument/2006/relationships">
+  <c:date1904 val="0"/>
+  <c:chart>
+    <c:autoTitleDeleted val="0"/>
+    <c:plotArea>
+      <c:barChart>
+        <c:barDir val="col"/>
+        <c:grouping val="clustered"/>
+        <c:ser>
+          <c:idx val="0"/>
+          <c:order val="0"/>
+          <c:tx>
+            <c:strRef>
+              <c:f>Sheet1!$B$1</c:f>
+              <c:strCache>
+                <c:ptCount val="1"/>
+                <c:pt idx="0">
+                  <c:v>2022</c:v>
+                </c:pt>
+              </c:strCache>
+            </c:strRef>
+          </c:tx>
+          <c:cat>
+            <c:strRef>
+              <c:f>Sheet1!$A$2:$A$12</c:f>
+              <c:strCache>
+                <c:ptCount val="11"/>
+                <c:pt idx="0">
+                  <c:v>1 Краснодар</c:v>
+                </c:pt>
+                <c:pt idx="1">
+                  <c:v>2 Краснодар</c:v>
+                </c:pt>
+                <c:pt idx="2">
+                  <c:v>3 Краснодар</c:v>
+                </c:pt>
+                <c:pt idx="3">
+                  <c:v>4 Краснодар</c:v>
+                </c:pt>
+                <c:pt idx="4">
+                  <c:v>5 Краснодар</c:v>
+                </c:pt>
+                <c:pt idx="5">
+                  <c:v>6 Краснодар</c:v>
+                </c:pt>
+                <c:pt idx="6">
+                  <c:v>7 Краснодар</c:v>
+                </c:pt>
+                <c:pt idx="7">
+                  <c:v>8 Краснодар</c:v>
+                </c:pt>
+                <c:pt idx="8">
+                  <c:v>9 Краснодар</c:v>
+                </c:pt>
+                <c:pt idx="9">
+                  <c:v>10 Краснодар</c:v>
+                </c:pt>
+                <c:pt idx="10">
+                  <c:v>11 Краснодар</c:v>
+                </c:pt>
+              </c:strCache>
+            </c:strRef>
+          </c:cat>
+          <c:val>
+            <c:numRef>
+              <c:f>Sheet1!$B$2:$B$12</c:f>
+              <c:numCache>
+                <c:formatCode>General</c:formatCode>
+                <c:ptCount val="11"/>
+                <c:pt idx="0">
+                  <c:v>27619.077</c:v>
+                </c:pt>
+                <c:pt idx="1">
+                  <c:v>15519.4</c:v>
+                </c:pt>
+                <c:pt idx="2">
+                  <c:v>18146.998</c:v>
+                </c:pt>
+                <c:pt idx="3">
+                  <c:v>17410.362</c:v>
+                </c:pt>
+                <c:pt idx="4">
+                  <c:v>20220.494</c:v>
+                </c:pt>
+                <c:pt idx="5">
+                  <c:v>14885.346</c:v>
+                </c:pt>
+                <c:pt idx="6">
+                  <c:v>20820.541</c:v>
+                </c:pt>
+                <c:pt idx="7">
+                  <c:v>23510.46</c:v>
+                </c:pt>
+                <c:pt idx="8">
+                  <c:v>23769.852</c:v>
+                </c:pt>
+                <c:pt idx="9">
+                  <c:v>0</c:v>
+                </c:pt>
+                <c:pt idx="10">
+                  <c:v>17870.858</c:v>
+                </c:pt>
+              </c:numCache>
+            </c:numRef>
+          </c:val>
+        </c:ser>
+        <c:ser>
+          <c:idx val="1"/>
+          <c:order val="1"/>
+          <c:tx>
+            <c:strRef>
+              <c:f>Sheet1!$C$1</c:f>
+              <c:strCache>
+                <c:ptCount val="1"/>
+                <c:pt idx="0">
+                  <c:v>2023</c:v>
+                </c:pt>
+              </c:strCache>
+            </c:strRef>
+          </c:tx>
+          <c:cat>
+            <c:strRef>
+              <c:f>Sheet1!$A$2:$A$12</c:f>
+              <c:strCache>
+                <c:ptCount val="11"/>
+                <c:pt idx="0">
+                  <c:v>1 Краснодар</c:v>
+                </c:pt>
+                <c:pt idx="1">
+                  <c:v>2 Краснодар</c:v>
+                </c:pt>
+                <c:pt idx="2">
+                  <c:v>3 Краснодар</c:v>
+                </c:pt>
+                <c:pt idx="3">
+                  <c:v>4 Краснодар</c:v>
+                </c:pt>
+                <c:pt idx="4">
+                  <c:v>5 Краснодар</c:v>
+                </c:pt>
+                <c:pt idx="5">
+                  <c:v>6 Краснодар</c:v>
+                </c:pt>
+                <c:pt idx="6">
+                  <c:v>7 Краснодар</c:v>
+                </c:pt>
+                <c:pt idx="7">
+                  <c:v>8 Краснодар</c:v>
+                </c:pt>
+                <c:pt idx="8">
+                  <c:v>9 Краснодар</c:v>
+                </c:pt>
+                <c:pt idx="9">
+                  <c:v>10 Краснодар</c:v>
+                </c:pt>
+                <c:pt idx="10">
+                  <c:v>11 Краснодар</c:v>
+                </c:pt>
+              </c:strCache>
+            </c:strRef>
+          </c:cat>
+          <c:val>
+            <c:numRef>
+              <c:f>Sheet1!$C$2:$C$12</c:f>
+              <c:numCache>
+                <c:formatCode>General</c:formatCode>
+                <c:ptCount val="11"/>
+                <c:pt idx="0">
+                  <c:v>0</c:v>
+                </c:pt>
+                <c:pt idx="1">
+                  <c:v>17507.376</c:v>
+                </c:pt>
+                <c:pt idx="2">
+                  <c:v>17615.823</c:v>
+                </c:pt>
+                <c:pt idx="3">
+                  <c:v>18195.255</c:v>
+                </c:pt>
+                <c:pt idx="4">
+                  <c:v>22393.376</c:v>
+                </c:pt>
+                <c:pt idx="5">
+                  <c:v>18597.141</c:v>
+                </c:pt>
+                <c:pt idx="6">
+                  <c:v>22740.745</c:v>
+                </c:pt>
+                <c:pt idx="7">
+                  <c:v>26880.046</c:v>
+                </c:pt>
+                <c:pt idx="8">
+                  <c:v>25396.352</c:v>
+                </c:pt>
+                <c:pt idx="9">
+                  <c:v>3084.84</c:v>
+                </c:pt>
+                <c:pt idx="10">
+                  <c:v>22649.216</c:v>
+                </c:pt>
+              </c:numCache>
+            </c:numRef>
+          </c:val>
+        </c:ser>
+        <c:ser>
+          <c:idx val="2"/>
+          <c:order val="2"/>
+          <c:tx>
+            <c:strRef>
+              <c:f>Sheet1!$D$1</c:f>
+              <c:strCache>
+                <c:ptCount val="1"/>
+                <c:pt idx="0">
+                  <c:v>%</c:v>
+                </c:pt>
+              </c:strCache>
+            </c:strRef>
+          </c:tx>
+          <c:cat>
+            <c:strRef>
+              <c:f>Sheet1!$A$2:$A$12</c:f>
+              <c:strCache>
+                <c:ptCount val="11"/>
+                <c:pt idx="0">
+                  <c:v>1 Краснодар</c:v>
+                </c:pt>
+                <c:pt idx="1">
+                  <c:v>2 Краснодар</c:v>
+                </c:pt>
+                <c:pt idx="2">
+                  <c:v>3 Краснодар</c:v>
+                </c:pt>
+                <c:pt idx="3">
+                  <c:v>4 Краснодар</c:v>
+                </c:pt>
+                <c:pt idx="4">
+                  <c:v>5 Краснодар</c:v>
+                </c:pt>
+                <c:pt idx="5">
+                  <c:v>6 Краснодар</c:v>
+                </c:pt>
+                <c:pt idx="6">
+                  <c:v>7 Краснодар</c:v>
+                </c:pt>
+                <c:pt idx="7">
+                  <c:v>8 Краснодар</c:v>
+                </c:pt>
+                <c:pt idx="8">
+                  <c:v>9 Краснодар</c:v>
+                </c:pt>
+                <c:pt idx="9">
+                  <c:v>10 Краснодар</c:v>
+                </c:pt>
+                <c:pt idx="10">
+                  <c:v>11 Краснодар</c:v>
+                </c:pt>
+              </c:strCache>
+            </c:strRef>
+          </c:cat>
+          <c:val>
+            <c:numRef>
+              <c:f>Sheet1!$D$2:$D$12</c:f>
+              <c:numCache>
+                <c:formatCode>General</c:formatCode>
+                <c:ptCount val="11"/>
+                <c:pt idx="0">
+                  <c:v>0</c:v>
+                </c:pt>
+                <c:pt idx="1">
+                  <c:v>11.36</c:v>
+                </c:pt>
+                <c:pt idx="2">
+                  <c:v>-3.02</c:v>
+                </c:pt>
+                <c:pt idx="3">
+                  <c:v>4.31</c:v>
+                </c:pt>
+                <c:pt idx="4">
+                  <c:v>9.7</c:v>
+                </c:pt>
+                <c:pt idx="5">
+                  <c:v>19.96</c:v>
+                </c:pt>
+                <c:pt idx="6">
+                  <c:v>8.44</c:v>
+                </c:pt>
+                <c:pt idx="7">
+                  <c:v>12.54</c:v>
+                </c:pt>
+                <c:pt idx="8">
+                  <c:v>6.4</c:v>
+                </c:pt>
+                <c:pt idx="9">
+                  <c:v>0</c:v>
+                </c:pt>
+                <c:pt idx="10">
+                  <c:v>21.1</c:v>
+                </c:pt>
+              </c:numCache>
+            </c:numRef>
+          </c:val>
+        </c:ser>
+        <c:dLbls>
+          <c:txPr>
+            <a:bodyPr/>
+            <a:lstStyle/>
+            <a:p>
+              <a:pPr>
+                <a:defRPr sz="1300">
+                  <a:solidFill>
+                    <a:srgbClr val="0A4280"/>
+                  </a:solidFill>
+                </a:defRPr>
+              </a:pPr>
+            </a:p>
+          </c:txPr>
+          <c:dLblPos val="inEnd"/>
+          <c:showLegendKey val="0"/>
+          <c:showVal val="1"/>
+          <c:showCatName val="0"/>
+          <c:showSerName val="0"/>
+          <c:showPercent val="0"/>
+          <c:showBubbleSize val="0"/>
+          <c:showLeaderLines val="1"/>
+        </c:dLbls>
+        <c:axId val="-2068027336"/>
+        <c:axId val="-2113994440"/>
+      </c:barChart>
+      <c:catAx>
+        <c:axId val="-2068027336"/>
+        <c:scaling>
+          <c:orientation val="minMax"/>
+        </c:scaling>
+        <c:delete val="0"/>
+        <c:axPos val="b"/>
+        <c:majorTickMark val="out"/>
+        <c:minorTickMark val="none"/>
+        <c:tickLblPos val="nextTo"/>
+        <c:crossAx val="-2113994440"/>
+        <c:crosses val="autoZero"/>
+        <c:auto val="1"/>
+        <c:lblAlgn val="ctr"/>
+        <c:lblOffset val="100"/>
+        <c:noMultiLvlLbl val="0"/>
+      </c:catAx>
+      <c:valAx>
+        <c:axId val="-2113994440"/>
+        <c:scaling/>
+        <c:delete val="0"/>
+        <c:axPos val="l"/>
+        <c:majorGridlines/>
+        <c:majorTickMark val="out"/>
+        <c:minorTickMark val="none"/>
+        <c:tickLblPos val="nextTo"/>
+        <c:crossAx val="-2068027336"/>
+        <c:crosses val="autoZero"/>
+      </c:valAx>
+    </c:plotArea>
+    <c:legend>
+      <c:legendPos/>
+      <c:overlay val="0"/>
+    </c:legend>
+    <c:dispBlanksAs val="gap"/>
+  </c:chart>
+  <c:txPr>
+    <a:bodyPr/>
+    <a:lstStyle/>
+    <a:p>
+      <a:pPr>
+        <a:defRPr sz="1800"/>
+      </a:pPr>
+      <a:endParaRPr lang="en-US"/>
+    </a:p>
+  </c:txPr>
+  <c:externalData r:id="rId1">
+    <c:autoUpdate val="0"/>
+  </c:externalData>
+</c:chartSpace>
+</file>
+
+<file path=ppt/charts/chart27.xml><?xml version="1.0" encoding="utf-8"?>
+<c:chartSpace xmlns:c="http://schemas.openxmlformats.org/drawingml/2006/chart" xmlns:a="http://schemas.openxmlformats.org/drawingml/2006/main" xmlns:r="http://schemas.openxmlformats.org/officeDocument/2006/relationships">
+  <c:date1904 val="0"/>
+  <c:chart>
+    <c:autoTitleDeleted val="0"/>
+    <c:plotArea>
+      <c:barChart>
+        <c:barDir val="col"/>
+        <c:grouping val="clustered"/>
+        <c:ser>
+          <c:idx val="0"/>
+          <c:order val="0"/>
+          <c:tx>
+            <c:strRef>
+              <c:f>Sheet1!$B$1</c:f>
+              <c:strCache>
+                <c:ptCount val="1"/>
+                <c:pt idx="0">
+                  <c:v>2022</c:v>
+                </c:pt>
+              </c:strCache>
+            </c:strRef>
+          </c:tx>
+          <c:cat>
+            <c:strRef>
+              <c:f>Sheet1!$A$2:$A$2</c:f>
+              <c:strCache>
+                <c:ptCount val="1"/>
+                <c:pt idx="0">
+                  <c:v>в рублях</c:v>
+                </c:pt>
+              </c:strCache>
+            </c:strRef>
+          </c:cat>
+          <c:val>
+            <c:numRef>
+              <c:f>Sheet1!$B$2:$B$2</c:f>
+              <c:numCache>
+                <c:formatCode>General</c:formatCode>
+                <c:ptCount val="1"/>
+                <c:pt idx="0">
+                  <c:v>35293516.54</c:v>
+                </c:pt>
+              </c:numCache>
+            </c:numRef>
+          </c:val>
+        </c:ser>
+        <c:ser>
+          <c:idx val="1"/>
+          <c:order val="1"/>
+          <c:tx>
+            <c:strRef>
+              <c:f>Sheet1!$C$1</c:f>
+              <c:strCache>
+                <c:ptCount val="1"/>
+                <c:pt idx="0">
+                  <c:v>2023</c:v>
+                </c:pt>
+              </c:strCache>
+            </c:strRef>
+          </c:tx>
+          <c:cat>
+            <c:strRef>
+              <c:f>Sheet1!$A$2:$A$2</c:f>
+              <c:strCache>
+                <c:ptCount val="1"/>
+                <c:pt idx="0">
+                  <c:v>в рублях</c:v>
+                </c:pt>
+              </c:strCache>
+            </c:strRef>
+          </c:cat>
+          <c:val>
+            <c:numRef>
+              <c:f>Sheet1!$C$2:$C$2</c:f>
+              <c:numCache>
+                <c:formatCode>General</c:formatCode>
+                <c:ptCount val="1"/>
+                <c:pt idx="0">
+                  <c:v>33943007.480000004</c:v>
+                </c:pt>
+              </c:numCache>
+            </c:numRef>
+          </c:val>
+        </c:ser>
+        <c:ser>
+          <c:idx val="2"/>
+          <c:order val="2"/>
+          <c:tx>
+            <c:strRef>
+              <c:f>Sheet1!$D$1</c:f>
+              <c:strCache>
+                <c:ptCount val="1"/>
+                <c:pt idx="0">
+                  <c:v>%</c:v>
+                </c:pt>
+              </c:strCache>
+            </c:strRef>
+          </c:tx>
+          <c:cat>
+            <c:strRef>
+              <c:f>Sheet1!$A$2:$A$2</c:f>
+              <c:strCache>
+                <c:ptCount val="1"/>
+                <c:pt idx="0">
+                  <c:v>в рублях</c:v>
+                </c:pt>
+              </c:strCache>
+            </c:strRef>
+          </c:cat>
+          <c:val>
+            <c:numRef>
+              <c:f>Sheet1!$D$2:$D$2</c:f>
+              <c:numCache>
+                <c:formatCode>General</c:formatCode>
+                <c:ptCount val="1"/>
+                <c:pt idx="0">
+                  <c:v>-4.0</c:v>
+                </c:pt>
+              </c:numCache>
+            </c:numRef>
+          </c:val>
+        </c:ser>
+        <c:dLbls>
+          <c:txPr>
+            <a:bodyPr/>
+            <a:lstStyle/>
+            <a:p>
+              <a:pPr>
+                <a:defRPr sz="1300">
+                  <a:solidFill>
+                    <a:srgbClr val="0A4280"/>
+                  </a:solidFill>
+                </a:defRPr>
+              </a:pPr>
+            </a:p>
+          </c:txPr>
+          <c:dLblPos val="inEnd"/>
+          <c:showLegendKey val="0"/>
+          <c:showVal val="1"/>
+          <c:showCatName val="0"/>
+          <c:showSerName val="0"/>
+          <c:showPercent val="0"/>
+          <c:showBubbleSize val="0"/>
+          <c:showLeaderLines val="1"/>
+        </c:dLbls>
+        <c:axId val="-2068027336"/>
+        <c:axId val="-2113994440"/>
+      </c:barChart>
+      <c:catAx>
+        <c:axId val="-2068027336"/>
+        <c:scaling>
+          <c:orientation val="minMax"/>
+        </c:scaling>
+        <c:delete val="0"/>
+        <c:axPos val="b"/>
+        <c:majorTickMark val="out"/>
+        <c:minorTickMark val="none"/>
+        <c:tickLblPos val="nextTo"/>
+        <c:crossAx val="-2113994440"/>
+        <c:crosses val="autoZero"/>
+        <c:auto val="1"/>
+        <c:lblAlgn val="ctr"/>
+        <c:lblOffset val="100"/>
+        <c:noMultiLvlLbl val="0"/>
+      </c:catAx>
+      <c:valAx>
+        <c:axId val="-2113994440"/>
+        <c:scaling/>
+        <c:delete val="0"/>
+        <c:axPos val="l"/>
+        <c:majorGridlines/>
+        <c:majorTickMark val="out"/>
+        <c:minorTickMark val="none"/>
+        <c:tickLblPos val="nextTo"/>
+        <c:crossAx val="-2068027336"/>
+        <c:crosses val="autoZero"/>
+      </c:valAx>
+    </c:plotArea>
+    <c:legend>
+      <c:legendPos/>
+      <c:overlay val="0"/>
+    </c:legend>
+    <c:dispBlanksAs val="gap"/>
+  </c:chart>
+  <c:txPr>
+    <a:bodyPr/>
+    <a:lstStyle/>
+    <a:p>
+      <a:pPr>
+        <a:defRPr sz="1800"/>
+      </a:pPr>
+      <a:endParaRPr lang="en-US"/>
+    </a:p>
+  </c:txPr>
+  <c:externalData r:id="rId1">
+    <c:autoUpdate val="0"/>
+  </c:externalData>
+</c:chartSpace>
+</file>
+
+<file path=ppt/charts/chart28.xml><?xml version="1.0" encoding="utf-8"?>
+<c:chartSpace xmlns:c="http://schemas.openxmlformats.org/drawingml/2006/chart" xmlns:a="http://schemas.openxmlformats.org/drawingml/2006/main" xmlns:r="http://schemas.openxmlformats.org/officeDocument/2006/relationships">
+  <c:date1904 val="0"/>
+  <c:chart>
+    <c:autoTitleDeleted val="0"/>
+    <c:plotArea>
+      <c:barChart>
+        <c:barDir val="col"/>
+        <c:grouping val="clustered"/>
+        <c:ser>
+          <c:idx val="0"/>
+          <c:order val="0"/>
+          <c:tx>
+            <c:strRef>
+              <c:f>Sheet1!$B$1</c:f>
+              <c:strCache>
+                <c:ptCount val="1"/>
+                <c:pt idx="0">
+                  <c:v>2022</c:v>
+                </c:pt>
+              </c:strCache>
+            </c:strRef>
+          </c:tx>
+          <c:cat>
+            <c:strRef>
+              <c:f>Sheet1!$A$2:$A$2</c:f>
+              <c:strCache>
+                <c:ptCount val="1"/>
+                <c:pt idx="0">
+                  <c:v>В килограммах</c:v>
+                </c:pt>
+              </c:strCache>
+            </c:strRef>
+          </c:cat>
+          <c:val>
+            <c:numRef>
+              <c:f>Sheet1!$B$2:$B$2</c:f>
+              <c:numCache>
+                <c:formatCode>General</c:formatCode>
+                <c:ptCount val="1"/>
+                <c:pt idx="0">
+                  <c:v>199773.38800000004</c:v>
+                </c:pt>
+              </c:numCache>
+            </c:numRef>
+          </c:val>
+        </c:ser>
+        <c:ser>
+          <c:idx val="1"/>
+          <c:order val="1"/>
+          <c:tx>
+            <c:strRef>
+              <c:f>Sheet1!$C$1</c:f>
+              <c:strCache>
+                <c:ptCount val="1"/>
+                <c:pt idx="0">
+                  <c:v>2023</c:v>
+                </c:pt>
+              </c:strCache>
+            </c:strRef>
+          </c:tx>
+          <c:cat>
+            <c:strRef>
+              <c:f>Sheet1!$A$2:$A$2</c:f>
+              <c:strCache>
+                <c:ptCount val="1"/>
+                <c:pt idx="0">
+                  <c:v>В килограммах</c:v>
+                </c:pt>
+              </c:strCache>
+            </c:strRef>
+          </c:cat>
+          <c:val>
+            <c:numRef>
+              <c:f>Sheet1!$C$2:$C$2</c:f>
+              <c:numCache>
+                <c:formatCode>General</c:formatCode>
+                <c:ptCount val="1"/>
+                <c:pt idx="0">
+                  <c:v>195060.16999999998</c:v>
+                </c:pt>
+              </c:numCache>
+            </c:numRef>
+          </c:val>
+        </c:ser>
+        <c:ser>
+          <c:idx val="2"/>
+          <c:order val="2"/>
+          <c:tx>
+            <c:strRef>
+              <c:f>Sheet1!$D$1</c:f>
+              <c:strCache>
+                <c:ptCount val="1"/>
+                <c:pt idx="0">
+                  <c:v>%</c:v>
+                </c:pt>
+              </c:strCache>
+            </c:strRef>
+          </c:tx>
+          <c:cat>
+            <c:strRef>
+              <c:f>Sheet1!$A$2:$A$2</c:f>
+              <c:strCache>
+                <c:ptCount val="1"/>
+                <c:pt idx="0">
+                  <c:v>В килограммах</c:v>
+                </c:pt>
+              </c:strCache>
+            </c:strRef>
+          </c:cat>
+          <c:val>
+            <c:numRef>
+              <c:f>Sheet1!$D$2:$D$2</c:f>
+              <c:numCache>
+                <c:formatCode>General</c:formatCode>
+                <c:ptCount val="1"/>
+                <c:pt idx="0">
+                  <c:v>-2.4</c:v>
                 </c:pt>
               </c:numCache>
             </c:numRef>
@@ -865,83 +6354,23 @@
           </c:tx>
           <c:cat>
             <c:strRef>
-              <c:f>Sheet1!$A$2:$A$12</c:f>
-              <c:strCache>
-                <c:ptCount val="11"/>
-                <c:pt idx="0">
-                  <c:v>1 Краснодар</c:v>
-                </c:pt>
-                <c:pt idx="1">
-                  <c:v>2 Краснодар</c:v>
-                </c:pt>
-                <c:pt idx="2">
-                  <c:v>3 Краснодар</c:v>
-                </c:pt>
-                <c:pt idx="3">
-                  <c:v>4 Краснодар</c:v>
-                </c:pt>
-                <c:pt idx="4">
-                  <c:v>5 Краснодар</c:v>
-                </c:pt>
-                <c:pt idx="5">
-                  <c:v>6 Краснодар</c:v>
-                </c:pt>
-                <c:pt idx="6">
-                  <c:v>7 Краснодар</c:v>
-                </c:pt>
-                <c:pt idx="7">
-                  <c:v>8 Краснодар</c:v>
-                </c:pt>
-                <c:pt idx="8">
-                  <c:v>9 Краснодар</c:v>
-                </c:pt>
-                <c:pt idx="9">
-                  <c:v>10 Краснодар</c:v>
-                </c:pt>
-                <c:pt idx="10">
-                  <c:v>11 Краснодар</c:v>
+              <c:f>Sheet1!$A$2:$A$2</c:f>
+              <c:strCache>
+                <c:ptCount val="1"/>
+                <c:pt idx="0">
+                  <c:v>в рублях</c:v>
                 </c:pt>
               </c:strCache>
             </c:strRef>
           </c:cat>
           <c:val>
             <c:numRef>
-              <c:f>Sheet1!$B$2:$B$12</c:f>
+              <c:f>Sheet1!$B$2:$B$2</c:f>
               <c:numCache>
                 <c:formatCode>General</c:formatCode>
-                <c:ptCount val="11"/>
-                <c:pt idx="0">
-                  <c:v>4967758.81</c:v>
-                </c:pt>
-                <c:pt idx="1">
-                  <c:v>2547694.19</c:v>
-                </c:pt>
-                <c:pt idx="2">
-                  <c:v>3071338.3</c:v>
-                </c:pt>
-                <c:pt idx="3">
-                  <c:v>2956801.79</c:v>
-                </c:pt>
-                <c:pt idx="4">
-                  <c:v>3562950.22</c:v>
-                </c:pt>
-                <c:pt idx="5">
-                  <c:v>2751633.39</c:v>
-                </c:pt>
-                <c:pt idx="6">
-                  <c:v>3364938.73</c:v>
-                </c:pt>
-                <c:pt idx="7">
-                  <c:v>3736242.54</c:v>
-                </c:pt>
-                <c:pt idx="8">
-                  <c:v>4495878.71</c:v>
-                </c:pt>
-                <c:pt idx="9">
-                  <c:v/>
-                </c:pt>
-                <c:pt idx="10">
-                  <c:v>2322271.5</c:v>
+                <c:ptCount val="1"/>
+                <c:pt idx="0">
+                  <c:v>26251371.36</c:v>
                 </c:pt>
               </c:numCache>
             </c:numRef>
@@ -963,83 +6392,23 @@
           </c:tx>
           <c:cat>
             <c:strRef>
-              <c:f>Sheet1!$A$2:$A$12</c:f>
-              <c:strCache>
-                <c:ptCount val="11"/>
-                <c:pt idx="0">
-                  <c:v>1 Краснодар</c:v>
-                </c:pt>
-                <c:pt idx="1">
-                  <c:v>2 Краснодар</c:v>
-                </c:pt>
-                <c:pt idx="2">
-                  <c:v>3 Краснодар</c:v>
-                </c:pt>
-                <c:pt idx="3">
-                  <c:v>4 Краснодар</c:v>
-                </c:pt>
-                <c:pt idx="4">
-                  <c:v>5 Краснодар</c:v>
-                </c:pt>
-                <c:pt idx="5">
-                  <c:v>6 Краснодар</c:v>
-                </c:pt>
-                <c:pt idx="6">
-                  <c:v>7 Краснодар</c:v>
-                </c:pt>
-                <c:pt idx="7">
-                  <c:v>8 Краснодар</c:v>
-                </c:pt>
-                <c:pt idx="8">
-                  <c:v>9 Краснодар</c:v>
-                </c:pt>
-                <c:pt idx="9">
-                  <c:v>10 Краснодар</c:v>
-                </c:pt>
-                <c:pt idx="10">
-                  <c:v>11 Краснодар</c:v>
+              <c:f>Sheet1!$A$2:$A$2</c:f>
+              <c:strCache>
+                <c:ptCount val="1"/>
+                <c:pt idx="0">
+                  <c:v>в рублях</c:v>
                 </c:pt>
               </c:strCache>
             </c:strRef>
           </c:cat>
           <c:val>
             <c:numRef>
-              <c:f>Sheet1!$C$2:$C$12</c:f>
+              <c:f>Sheet1!$C$2:$C$2</c:f>
               <c:numCache>
                 <c:formatCode>General</c:formatCode>
-                <c:ptCount val="11"/>
-                <c:pt idx="0">
-                  <c:v>4745289.04</c:v>
-                </c:pt>
-                <c:pt idx="1">
-                  <c:v>3055326.94</c:v>
-                </c:pt>
-                <c:pt idx="2">
-                  <c:v>2877928.65</c:v>
-                </c:pt>
-                <c:pt idx="3">
-                  <c:v>3085117.97</c:v>
-                </c:pt>
-                <c:pt idx="4">
-                  <c:v>3702373.75</c:v>
-                </c:pt>
-                <c:pt idx="5">
-                  <c:v>3062994.93</c:v>
-                </c:pt>
-                <c:pt idx="6">
-                  <c:v>3546924.68</c:v>
-                </c:pt>
-                <c:pt idx="7">
-                  <c:v>4148352.69</c:v>
-                </c:pt>
-                <c:pt idx="8">
-                  <c:v>4883871.31</c:v>
-                </c:pt>
-                <c:pt idx="9">
-                  <c:v/>
-                </c:pt>
-                <c:pt idx="10">
-                  <c:v>2991152.22</c:v>
+                <c:ptCount val="1"/>
+                <c:pt idx="0">
+                  <c:v>26115810.560000002</c:v>
                 </c:pt>
               </c:numCache>
             </c:numRef>
@@ -1061,80 +6430,23 @@
           </c:tx>
           <c:cat>
             <c:strRef>
-              <c:f>Sheet1!$A$2:$A$12</c:f>
-              <c:strCache>
-                <c:ptCount val="11"/>
-                <c:pt idx="0">
-                  <c:v>1 Краснодар</c:v>
-                </c:pt>
-                <c:pt idx="1">
-                  <c:v>2 Краснодар</c:v>
-                </c:pt>
-                <c:pt idx="2">
-                  <c:v>3 Краснодар</c:v>
-                </c:pt>
-                <c:pt idx="3">
-                  <c:v>4 Краснодар</c:v>
-                </c:pt>
-                <c:pt idx="4">
-                  <c:v>5 Краснодар</c:v>
-                </c:pt>
-                <c:pt idx="5">
-                  <c:v>6 Краснодар</c:v>
-                </c:pt>
-                <c:pt idx="6">
-                  <c:v>7 Краснодар</c:v>
-                </c:pt>
-                <c:pt idx="7">
-                  <c:v>8 Краснодар</c:v>
-                </c:pt>
-                <c:pt idx="8">
-                  <c:v>9 Краснодар</c:v>
-                </c:pt>
-                <c:pt idx="9">
-                  <c:v>10 Краснодар</c:v>
-                </c:pt>
-                <c:pt idx="10">
-                  <c:v>11 Краснодар</c:v>
+              <c:f>Sheet1!$A$2:$A$2</c:f>
+              <c:strCache>
+                <c:ptCount val="1"/>
+                <c:pt idx="0">
+                  <c:v>в рублях</c:v>
                 </c:pt>
               </c:strCache>
             </c:strRef>
           </c:cat>
           <c:val>
             <c:numRef>
-              <c:f>Sheet1!$D$2:$D$11</c:f>
+              <c:f>Sheet1!$D$2:$D$2</c:f>
               <c:numCache>
                 <c:formatCode>General</c:formatCode>
-                <c:ptCount val="10"/>
-                <c:pt idx="0">
-                  <c:v>-4.69</c:v>
-                </c:pt>
-                <c:pt idx="1">
-                  <c:v>16.61</c:v>
-                </c:pt>
-                <c:pt idx="2">
-                  <c:v>-6.72</c:v>
-                </c:pt>
-                <c:pt idx="3">
-                  <c:v>4.16</c:v>
-                </c:pt>
-                <c:pt idx="4">
-                  <c:v>3.77</c:v>
-                </c:pt>
-                <c:pt idx="5">
-                  <c:v>10.17</c:v>
-                </c:pt>
-                <c:pt idx="6">
-                  <c:v>5.13</c:v>
-                </c:pt>
-                <c:pt idx="7">
-                  <c:v>9.93</c:v>
-                </c:pt>
-                <c:pt idx="8">
-                  <c:v>7.94</c:v>
-                </c:pt>
-                <c:pt idx="9">
-                  <c:v>22.36</c:v>
+                <c:ptCount val="1"/>
+                <c:pt idx="0">
+                  <c:v>-0.5</c:v>
                 </c:pt>
               </c:numCache>
             </c:numRef>
@@ -1243,83 +6555,23 @@
           </c:tx>
           <c:cat>
             <c:strRef>
-              <c:f>Sheet1!$A$2:$A$12</c:f>
-              <c:strCache>
-                <c:ptCount val="11"/>
-                <c:pt idx="0">
-                  <c:v>1 Краснодар</c:v>
-                </c:pt>
-                <c:pt idx="1">
-                  <c:v>2 Краснодар</c:v>
-                </c:pt>
-                <c:pt idx="2">
-                  <c:v>3 Краснодар</c:v>
-                </c:pt>
-                <c:pt idx="3">
-                  <c:v>4 Краснодар</c:v>
-                </c:pt>
-                <c:pt idx="4">
-                  <c:v>5 Краснодар</c:v>
-                </c:pt>
-                <c:pt idx="5">
-                  <c:v>6 Краснодар</c:v>
-                </c:pt>
-                <c:pt idx="6">
-                  <c:v>7 Краснодар</c:v>
-                </c:pt>
-                <c:pt idx="7">
-                  <c:v>8 Краснодар</c:v>
-                </c:pt>
-                <c:pt idx="8">
-                  <c:v>9 Краснодар</c:v>
-                </c:pt>
-                <c:pt idx="9">
-                  <c:v>10 Краснодар</c:v>
-                </c:pt>
-                <c:pt idx="10">
-                  <c:v>11 Краснодар</c:v>
+              <c:f>Sheet1!$A$2:$A$2</c:f>
+              <c:strCache>
+                <c:ptCount val="1"/>
+                <c:pt idx="0">
+                  <c:v>В килограммах</c:v>
                 </c:pt>
               </c:strCache>
             </c:strRef>
           </c:cat>
           <c:val>
             <c:numRef>
-              <c:f>Sheet1!$B$2:$B$12</c:f>
+              <c:f>Sheet1!$B$2:$B$2</c:f>
               <c:numCache>
                 <c:formatCode>General</c:formatCode>
-                <c:ptCount val="11"/>
-                <c:pt idx="0">
-                  <c:v>5181975.05</c:v>
-                </c:pt>
-                <c:pt idx="1">
-                  <c:v>2587443.44</c:v>
-                </c:pt>
-                <c:pt idx="2">
-                  <c:v>3127526.56</c:v>
-                </c:pt>
-                <c:pt idx="3">
-                  <c:v>2958776.86</c:v>
-                </c:pt>
-                <c:pt idx="4">
-                  <c:v>3529974.46</c:v>
-                </c:pt>
-                <c:pt idx="5">
-                  <c:v>2741944.13</c:v>
-                </c:pt>
-                <c:pt idx="6">
-                  <c:v>3476913.87</c:v>
-                </c:pt>
-                <c:pt idx="7">
-                  <c:v>3700787.81</c:v>
-                </c:pt>
-                <c:pt idx="8">
-                  <c:v>4671363.42</c:v>
-                </c:pt>
-                <c:pt idx="9">
-                  <c:v/>
-                </c:pt>
-                <c:pt idx="10">
-                  <c:v>2488183.2</c:v>
+                <c:ptCount val="1"/>
+                <c:pt idx="0">
+                  <c:v>140981.617</c:v>
                 </c:pt>
               </c:numCache>
             </c:numRef>
@@ -1341,83 +6593,23 @@
           </c:tx>
           <c:cat>
             <c:strRef>
-              <c:f>Sheet1!$A$2:$A$12</c:f>
-              <c:strCache>
-                <c:ptCount val="11"/>
-                <c:pt idx="0">
-                  <c:v>1 Краснодар</c:v>
-                </c:pt>
-                <c:pt idx="1">
-                  <c:v>2 Краснодар</c:v>
-                </c:pt>
-                <c:pt idx="2">
-                  <c:v>3 Краснодар</c:v>
-                </c:pt>
-                <c:pt idx="3">
-                  <c:v>4 Краснодар</c:v>
-                </c:pt>
-                <c:pt idx="4">
-                  <c:v>5 Краснодар</c:v>
-                </c:pt>
-                <c:pt idx="5">
-                  <c:v>6 Краснодар</c:v>
-                </c:pt>
-                <c:pt idx="6">
-                  <c:v>7 Краснодар</c:v>
-                </c:pt>
-                <c:pt idx="7">
-                  <c:v>8 Краснодар</c:v>
-                </c:pt>
-                <c:pt idx="8">
-                  <c:v>9 Краснодар</c:v>
-                </c:pt>
-                <c:pt idx="9">
-                  <c:v>10 Краснодар</c:v>
-                </c:pt>
-                <c:pt idx="10">
-                  <c:v>11 Краснодар</c:v>
+              <c:f>Sheet1!$A$2:$A$2</c:f>
+              <c:strCache>
+                <c:ptCount val="1"/>
+                <c:pt idx="0">
+                  <c:v>В килограммах</c:v>
                 </c:pt>
               </c:strCache>
             </c:strRef>
           </c:cat>
           <c:val>
             <c:numRef>
-              <c:f>Sheet1!$C$2:$C$12</c:f>
+              <c:f>Sheet1!$C$2:$C$2</c:f>
               <c:numCache>
                 <c:formatCode>General</c:formatCode>
-                <c:ptCount val="11"/>
-                <c:pt idx="0">
-                  <c:v>5009194.44</c:v>
-                </c:pt>
-                <c:pt idx="1">
-                  <c:v>3147989.35</c:v>
-                </c:pt>
-                <c:pt idx="2">
-                  <c:v>2908479.83</c:v>
-                </c:pt>
-                <c:pt idx="3">
-                  <c:v>3091019.13</c:v>
-                </c:pt>
-                <c:pt idx="4">
-                  <c:v>3923367.73</c:v>
-                </c:pt>
-                <c:pt idx="5">
-                  <c:v>3354189.8</c:v>
-                </c:pt>
-                <c:pt idx="6">
-                  <c:v>3603532.22</c:v>
-                </c:pt>
-                <c:pt idx="7">
-                  <c:v>4214021.97</c:v>
-                </c:pt>
-                <c:pt idx="8">
-                  <c:v>5028218.35</c:v>
-                </c:pt>
-                <c:pt idx="9">
-                  <c:v/>
-                </c:pt>
-                <c:pt idx="10">
-                  <c:v>3170605.24</c:v>
+                <c:ptCount val="1"/>
+                <c:pt idx="0">
+                  <c:v>142587.017</c:v>
                 </c:pt>
               </c:numCache>
             </c:numRef>
@@ -1439,80 +6631,23 @@
           </c:tx>
           <c:cat>
             <c:strRef>
-              <c:f>Sheet1!$A$2:$A$12</c:f>
-              <c:strCache>
-                <c:ptCount val="11"/>
-                <c:pt idx="0">
-                  <c:v>1 Краснодар</c:v>
-                </c:pt>
-                <c:pt idx="1">
-                  <c:v>2 Краснодар</c:v>
-                </c:pt>
-                <c:pt idx="2">
-                  <c:v>3 Краснодар</c:v>
-                </c:pt>
-                <c:pt idx="3">
-                  <c:v>4 Краснодар</c:v>
-                </c:pt>
-                <c:pt idx="4">
-                  <c:v>5 Краснодар</c:v>
-                </c:pt>
-                <c:pt idx="5">
-                  <c:v>6 Краснодар</c:v>
-                </c:pt>
-                <c:pt idx="6">
-                  <c:v>7 Краснодар</c:v>
-                </c:pt>
-                <c:pt idx="7">
-                  <c:v>8 Краснодар</c:v>
-                </c:pt>
-                <c:pt idx="8">
-                  <c:v>9 Краснодар</c:v>
-                </c:pt>
-                <c:pt idx="9">
-                  <c:v>10 Краснодар</c:v>
-                </c:pt>
-                <c:pt idx="10">
-                  <c:v>11 Краснодар</c:v>
+              <c:f>Sheet1!$A$2:$A$2</c:f>
+              <c:strCache>
+                <c:ptCount val="1"/>
+                <c:pt idx="0">
+                  <c:v>В килограммах</c:v>
                 </c:pt>
               </c:strCache>
             </c:strRef>
           </c:cat>
           <c:val>
             <c:numRef>
-              <c:f>Sheet1!$D$2:$D$11</c:f>
+              <c:f>Sheet1!$D$2:$D$2</c:f>
               <c:numCache>
                 <c:formatCode>General</c:formatCode>
-                <c:ptCount val="10"/>
-                <c:pt idx="0">
-                  <c:v>-3.45</c:v>
-                </c:pt>
-                <c:pt idx="1">
-                  <c:v>17.81</c:v>
-                </c:pt>
-                <c:pt idx="2">
-                  <c:v>-7.53</c:v>
-                </c:pt>
-                <c:pt idx="3">
-                  <c:v>4.28</c:v>
-                </c:pt>
-                <c:pt idx="4">
-                  <c:v>10.03</c:v>
-                </c:pt>
-                <c:pt idx="5">
-                  <c:v>18.25</c:v>
-                </c:pt>
-                <c:pt idx="6">
-                  <c:v>3.51</c:v>
-                </c:pt>
-                <c:pt idx="7">
-                  <c:v>12.18</c:v>
-                </c:pt>
-                <c:pt idx="8">
-                  <c:v>7.1</c:v>
-                </c:pt>
-                <c:pt idx="9">
-                  <c:v>21.52</c:v>
+                <c:ptCount val="1"/>
+                <c:pt idx="0">
+                  <c:v>1.1</c:v>
                 </c:pt>
               </c:numCache>
             </c:numRef>
@@ -1667,37 +6802,37 @@
                 <c:formatCode>General</c:formatCode>
                 <c:ptCount val="11"/>
                 <c:pt idx="0">
-                  <c:v>5123913.79</c:v>
+                  <c:v>4037391.39</c:v>
                 </c:pt>
                 <c:pt idx="1">
-                  <c:v>2797528.87</c:v>
+                  <c:v>2083229.76</c:v>
                 </c:pt>
                 <c:pt idx="2">
-                  <c:v>2737798.9</c:v>
+                  <c:v>2443389.59</c:v>
                 </c:pt>
                 <c:pt idx="3">
-                  <c:v>2880911.13</c:v>
+                  <c:v>2476146.32</c:v>
                 </c:pt>
                 <c:pt idx="4">
-                  <c:v>3506010.2</c:v>
+                  <c:v>3026078.48</c:v>
                 </c:pt>
                 <c:pt idx="5">
-                  <c:v>2637972.3</c:v>
+                  <c:v>2368224.58</c:v>
                 </c:pt>
                 <c:pt idx="6">
-                  <c:v>3428974.4</c:v>
+                  <c:v>2807727.41</c:v>
                 </c:pt>
                 <c:pt idx="7">
-                  <c:v>3890472.77</c:v>
+                  <c:v>3278553.04</c:v>
                 </c:pt>
                 <c:pt idx="8">
-                  <c:v>4830464.07</c:v>
+                  <c:v>4183457.92</c:v>
                 </c:pt>
                 <c:pt idx="9">
-                  <c:v/>
+                  <c:v>0</c:v>
                 </c:pt>
                 <c:pt idx="10">
-                  <c:v>2608114.71</c:v>
+                  <c:v>2059139.77</c:v>
                 </c:pt>
               </c:numCache>
             </c:numRef>
@@ -1765,37 +6900,37 @@
                 <c:formatCode>General</c:formatCode>
                 <c:ptCount val="11"/>
                 <c:pt idx="0">
-                  <c:v>5188241.45</c:v>
+                  <c:v>4487710.47</c:v>
                 </c:pt>
                 <c:pt idx="1">
-                  <c:v>2990881.22</c:v>
+                  <c:v>2705067.47</c:v>
                 </c:pt>
                 <c:pt idx="2">
-                  <c:v>2938715.61</c:v>
+                  <c:v>2680040.19</c:v>
                 </c:pt>
                 <c:pt idx="3">
-                  <c:v>2948973.95</c:v>
+                  <c:v>2824235.89</c:v>
                 </c:pt>
                 <c:pt idx="4">
-                  <c:v>4032947.92</c:v>
+                  <c:v>3337763.59</c:v>
                 </c:pt>
                 <c:pt idx="5">
-                  <c:v>3320196.28</c:v>
+                  <c:v>3022988.38</c:v>
                 </c:pt>
                 <c:pt idx="6">
-                  <c:v>3775301.44</c:v>
+                  <c:v>3311978.03</c:v>
                 </c:pt>
                 <c:pt idx="7">
-                  <c:v>4274100.68</c:v>
+                  <c:v>3820280.85</c:v>
                 </c:pt>
                 <c:pt idx="8">
-                  <c:v>5117179.31</c:v>
+                  <c:v>4527598.44</c:v>
                 </c:pt>
                 <c:pt idx="9">
-                  <c:v/>
+                  <c:v>0</c:v>
                 </c:pt>
                 <c:pt idx="10">
-                  <c:v>3150642.49</c:v>
+                  <c:v>2575365.25</c:v>
                 </c:pt>
               </c:numCache>
             </c:numRef>
@@ -1858,39 +6993,42 @@
           </c:cat>
           <c:val>
             <c:numRef>
-              <c:f>Sheet1!$D$2:$D$11</c:f>
+              <c:f>Sheet1!$D$2:$D$12</c:f>
               <c:numCache>
                 <c:formatCode>General</c:formatCode>
-                <c:ptCount val="10"/>
-                <c:pt idx="0">
-                  <c:v>1.24</c:v>
+                <c:ptCount val="11"/>
+                <c:pt idx="0">
+                  <c:v>10.03</c:v>
                 </c:pt>
                 <c:pt idx="1">
-                  <c:v>6.46</c:v>
+                  <c:v>22.99</c:v>
                 </c:pt>
                 <c:pt idx="2">
-                  <c:v>6.84</c:v>
+                  <c:v>8.83</c:v>
                 </c:pt>
                 <c:pt idx="3">
-                  <c:v>2.31</c:v>
+                  <c:v>12.33</c:v>
                 </c:pt>
                 <c:pt idx="4">
-                  <c:v>13.07</c:v>
+                  <c:v>9.34</c:v>
                 </c:pt>
                 <c:pt idx="5">
-                  <c:v>20.55</c:v>
+                  <c:v>21.66</c:v>
                 </c:pt>
                 <c:pt idx="6">
-                  <c:v>9.17</c:v>
+                  <c:v>15.23</c:v>
                 </c:pt>
                 <c:pt idx="7">
-                  <c:v>8.98</c:v>
+                  <c:v>14.18</c:v>
                 </c:pt>
                 <c:pt idx="8">
-                  <c:v>5.6</c:v>
+                  <c:v>7.6</c:v>
                 </c:pt>
                 <c:pt idx="9">
-                  <c:v>17.22</c:v>
+                  <c:v>0</c:v>
+                </c:pt>
+                <c:pt idx="10">
+                  <c:v>20.04</c:v>
                 </c:pt>
               </c:numCache>
             </c:numRef>
@@ -2045,37 +7183,37 @@
                 <c:formatCode>General</c:formatCode>
                 <c:ptCount val="11"/>
                 <c:pt idx="0">
-                  <c:v>5074824.53</c:v>
+                  <c:v>21373.523</c:v>
                 </c:pt>
                 <c:pt idx="1">
-                  <c:v>2824290.42</c:v>
+                  <c:v>12637.579</c:v>
                 </c:pt>
                 <c:pt idx="2">
-                  <c:v>2892099.01</c:v>
+                  <c:v>16027.443</c:v>
                 </c:pt>
                 <c:pt idx="3">
-                  <c:v>2744926.72</c:v>
+                  <c:v>16028.761</c:v>
                 </c:pt>
                 <c:pt idx="4">
-                  <c:v>3403627.56</c:v>
+                  <c:v>17824.125</c:v>
                 </c:pt>
                 <c:pt idx="5">
-                  <c:v>2620742.12</c:v>
+                  <c:v>13370.36</c:v>
                 </c:pt>
                 <c:pt idx="6">
-                  <c:v>3402358.9</c:v>
+                  <c:v>17957.357</c:v>
                 </c:pt>
                 <c:pt idx="7">
-                  <c:v>3765507.84</c:v>
+                  <c:v>21349.528</c:v>
                 </c:pt>
                 <c:pt idx="8">
-                  <c:v>4727330.66</c:v>
+                  <c:v>21398.466</c:v>
                 </c:pt>
                 <c:pt idx="9">
-                  <c:v/>
+                  <c:v>0</c:v>
                 </c:pt>
                 <c:pt idx="10">
-                  <c:v>2597874.95</c:v>
+                  <c:v>15245.738</c:v>
                 </c:pt>
               </c:numCache>
             </c:numRef>
@@ -2143,37 +7281,37 @@
                 <c:formatCode>General</c:formatCode>
                 <c:ptCount val="11"/>
                 <c:pt idx="0">
-                  <c:v>5226881.32</c:v>
+                  <c:v>20830.272</c:v>
                 </c:pt>
                 <c:pt idx="1">
-                  <c:v>2909803.73</c:v>
+                  <c:v>13459.995</c:v>
                 </c:pt>
                 <c:pt idx="2">
-                  <c:v>2805928.73</c:v>
+                  <c:v>15036.152</c:v>
                 </c:pt>
                 <c:pt idx="3">
-                  <c:v>2918137.16</c:v>
+                  <c:v>17017.081</c:v>
                 </c:pt>
                 <c:pt idx="4">
-                  <c:v>3900603.5</c:v>
+                  <c:v>17276.114</c:v>
                 </c:pt>
                 <c:pt idx="5">
-                  <c:v>3218109.71</c:v>
+                  <c:v>16408.225</c:v>
                 </c:pt>
                 <c:pt idx="6">
-                  <c:v>3807055.42</c:v>
+                  <c:v>18807.246</c:v>
                 </c:pt>
                 <c:pt idx="7">
-                  <c:v>4027556.05</c:v>
+                  <c:v>21803.382</c:v>
                 </c:pt>
                 <c:pt idx="8">
-                  <c:v>5258724.61</c:v>
+                  <c:v>20039.689</c:v>
                 </c:pt>
                 <c:pt idx="9">
-                  <c:v/>
+                  <c:v>0</c:v>
                 </c:pt>
                 <c:pt idx="10">
-                  <c:v>3293495.92</c:v>
+                  <c:v>16283.796</c:v>
                 </c:pt>
               </c:numCache>
             </c:numRef>
@@ -2236,39 +7374,42 @@
           </c:cat>
           <c:val>
             <c:numRef>
-              <c:f>Sheet1!$D$2:$D$11</c:f>
+              <c:f>Sheet1!$D$2:$D$12</c:f>
               <c:numCache>
                 <c:formatCode>General</c:formatCode>
-                <c:ptCount val="10"/>
-                <c:pt idx="0">
-                  <c:v>2.91</c:v>
+                <c:ptCount val="11"/>
+                <c:pt idx="0">
+                  <c:v>-2.61</c:v>
                 </c:pt>
                 <c:pt idx="1">
-                  <c:v>2.94</c:v>
+                  <c:v>6.11</c:v>
                 </c:pt>
                 <c:pt idx="2">
-                  <c:v>-3.07</c:v>
+                  <c:v>-6.59</c:v>
                 </c:pt>
                 <c:pt idx="3">
-                  <c:v>5.94</c:v>
+                  <c:v>5.81</c:v>
                 </c:pt>
                 <c:pt idx="4">
-                  <c:v>12.74</c:v>
+                  <c:v>-3.17</c:v>
                 </c:pt>
                 <c:pt idx="5">
-                  <c:v>18.56</c:v>
+                  <c:v>18.51</c:v>
                 </c:pt>
                 <c:pt idx="6">
-                  <c:v>10.63</c:v>
+                  <c:v>4.52</c:v>
                 </c:pt>
                 <c:pt idx="7">
-                  <c:v>6.51</c:v>
+                  <c:v>2.08</c:v>
                 </c:pt>
                 <c:pt idx="8">
-                  <c:v>10.1</c:v>
+                  <c:v>-6.78</c:v>
                 </c:pt>
                 <c:pt idx="9">
-                  <c:v>21.12</c:v>
+                  <c:v>0</c:v>
+                </c:pt>
+                <c:pt idx="10">
+                  <c:v>6.37</c:v>
                 </c:pt>
               </c:numCache>
             </c:numRef>
@@ -2377,83 +7518,23 @@
           </c:tx>
           <c:cat>
             <c:strRef>
-              <c:f>Sheet1!$A$2:$A$12</c:f>
-              <c:strCache>
-                <c:ptCount val="11"/>
-                <c:pt idx="0">
-                  <c:v>1 Краснодар</c:v>
-                </c:pt>
-                <c:pt idx="1">
-                  <c:v>2 Краснодар</c:v>
-                </c:pt>
-                <c:pt idx="2">
-                  <c:v>3 Краснодар</c:v>
-                </c:pt>
-                <c:pt idx="3">
-                  <c:v>4 Краснодар</c:v>
-                </c:pt>
-                <c:pt idx="4">
-                  <c:v>5 Краснодар</c:v>
-                </c:pt>
-                <c:pt idx="5">
-                  <c:v>6 Краснодар</c:v>
-                </c:pt>
-                <c:pt idx="6">
-                  <c:v>7 Краснодар</c:v>
-                </c:pt>
-                <c:pt idx="7">
-                  <c:v>8 Краснодар</c:v>
-                </c:pt>
-                <c:pt idx="8">
-                  <c:v>9 Краснодар</c:v>
-                </c:pt>
-                <c:pt idx="9">
-                  <c:v>10 Краснодар</c:v>
-                </c:pt>
-                <c:pt idx="10">
-                  <c:v>11 Краснодар</c:v>
+              <c:f>Sheet1!$A$2:$A$2</c:f>
+              <c:strCache>
+                <c:ptCount val="1"/>
+                <c:pt idx="0">
+                  <c:v>в рублях</c:v>
                 </c:pt>
               </c:strCache>
             </c:strRef>
           </c:cat>
           <c:val>
             <c:numRef>
-              <c:f>Sheet1!$B$2:$B$12</c:f>
+              <c:f>Sheet1!$B$2:$B$2</c:f>
               <c:numCache>
                 <c:formatCode>General</c:formatCode>
-                <c:ptCount val="11"/>
-                <c:pt idx="0">
-                  <c:v>5184900.17</c:v>
-                </c:pt>
-                <c:pt idx="1">
-                  <c:v>2746857.7</c:v>
-                </c:pt>
-                <c:pt idx="2">
-                  <c:v>3032685.63</c:v>
-                </c:pt>
-                <c:pt idx="3">
-                  <c:v>2853368.41</c:v>
-                </c:pt>
-                <c:pt idx="4">
-                  <c:v>3645331.91</c:v>
-                </c:pt>
-                <c:pt idx="5">
-                  <c:v>2631348.76</c:v>
-                </c:pt>
-                <c:pt idx="6">
-                  <c:v>3669269.0</c:v>
-                </c:pt>
-                <c:pt idx="7">
-                  <c:v>3789213.22</c:v>
-                </c:pt>
-                <c:pt idx="8">
-                  <c:v>5118490.03</c:v>
-                </c:pt>
-                <c:pt idx="9">
-                  <c:v/>
-                </c:pt>
-                <c:pt idx="10">
-                  <c:v>2622051.71</c:v>
+                <c:ptCount val="1"/>
+                <c:pt idx="0">
+                  <c:v>28763338.26</c:v>
                 </c:pt>
               </c:numCache>
             </c:numRef>
@@ -2475,83 +7556,23 @@
           </c:tx>
           <c:cat>
             <c:strRef>
-              <c:f>Sheet1!$A$2:$A$12</c:f>
-              <c:strCache>
-                <c:ptCount val="11"/>
-                <c:pt idx="0">
-                  <c:v>1 Краснодар</c:v>
-                </c:pt>
-                <c:pt idx="1">
-                  <c:v>2 Краснодар</c:v>
-                </c:pt>
-                <c:pt idx="2">
-                  <c:v>3 Краснодар</c:v>
-                </c:pt>
-                <c:pt idx="3">
-                  <c:v>4 Краснодар</c:v>
-                </c:pt>
-                <c:pt idx="4">
-                  <c:v>5 Краснодар</c:v>
-                </c:pt>
-                <c:pt idx="5">
-                  <c:v>6 Краснодар</c:v>
-                </c:pt>
-                <c:pt idx="6">
-                  <c:v>7 Краснодар</c:v>
-                </c:pt>
-                <c:pt idx="7">
-                  <c:v>8 Краснодар</c:v>
-                </c:pt>
-                <c:pt idx="8">
-                  <c:v>9 Краснодар</c:v>
-                </c:pt>
-                <c:pt idx="9">
-                  <c:v>10 Краснодар</c:v>
-                </c:pt>
-                <c:pt idx="10">
-                  <c:v>11 Краснодар</c:v>
+              <c:f>Sheet1!$A$2:$A$2</c:f>
+              <c:strCache>
+                <c:ptCount val="1"/>
+                <c:pt idx="0">
+                  <c:v>в рублях</c:v>
                 </c:pt>
               </c:strCache>
             </c:strRef>
           </c:cat>
           <c:val>
             <c:numRef>
-              <c:f>Sheet1!$C$2:$C$12</c:f>
+              <c:f>Sheet1!$C$2:$C$2</c:f>
               <c:numCache>
                 <c:formatCode>General</c:formatCode>
-                <c:ptCount val="11"/>
-                <c:pt idx="0">
-                  <c:v/>
-                </c:pt>
-                <c:pt idx="1">
-                  <c:v>3092989.42</c:v>
-                </c:pt>
-                <c:pt idx="2">
-                  <c:v>3055077.99</c:v>
-                </c:pt>
-                <c:pt idx="3">
-                  <c:v>2869840.37</c:v>
-                </c:pt>
-                <c:pt idx="4">
-                  <c:v>4044680.01</c:v>
-                </c:pt>
-                <c:pt idx="5">
-                  <c:v>3112378.15</c:v>
-                </c:pt>
-                <c:pt idx="6">
-                  <c:v>3901169.53</c:v>
-                </c:pt>
-                <c:pt idx="7">
-                  <c:v>4518133.39</c:v>
-                </c:pt>
-                <c:pt idx="8">
-                  <c:v>5530865.69</c:v>
-                </c:pt>
-                <c:pt idx="9">
-                  <c:v>460183.99</c:v>
-                </c:pt>
-                <c:pt idx="10">
-                  <c:v>3357688.94</c:v>
+                <c:ptCount val="1"/>
+                <c:pt idx="0">
+                  <c:v>33293028.560000002</c:v>
                 </c:pt>
               </c:numCache>
             </c:numRef>
@@ -2573,77 +7594,605 @@
           </c:tx>
           <c:cat>
             <c:strRef>
-              <c:f>Sheet1!$A$2:$A$12</c:f>
-              <c:strCache>
-                <c:ptCount val="11"/>
-                <c:pt idx="0">
-                  <c:v>1 Краснодар</c:v>
-                </c:pt>
-                <c:pt idx="1">
-                  <c:v>2 Краснодар</c:v>
-                </c:pt>
-                <c:pt idx="2">
-                  <c:v>3 Краснодар</c:v>
-                </c:pt>
-                <c:pt idx="3">
-                  <c:v>4 Краснодар</c:v>
-                </c:pt>
-                <c:pt idx="4">
-                  <c:v>5 Краснодар</c:v>
-                </c:pt>
-                <c:pt idx="5">
-                  <c:v>6 Краснодар</c:v>
-                </c:pt>
-                <c:pt idx="6">
-                  <c:v>7 Краснодар</c:v>
-                </c:pt>
-                <c:pt idx="7">
-                  <c:v>8 Краснодар</c:v>
-                </c:pt>
-                <c:pt idx="8">
-                  <c:v>9 Краснодар</c:v>
-                </c:pt>
-                <c:pt idx="9">
-                  <c:v>10 Краснодар</c:v>
-                </c:pt>
-                <c:pt idx="10">
-                  <c:v>11 Краснодар</c:v>
+              <c:f>Sheet1!$A$2:$A$2</c:f>
+              <c:strCache>
+                <c:ptCount val="1"/>
+                <c:pt idx="0">
+                  <c:v>в рублях</c:v>
                 </c:pt>
               </c:strCache>
             </c:strRef>
           </c:cat>
           <c:val>
             <c:numRef>
-              <c:f>Sheet1!$D$2:$D$10</c:f>
+              <c:f>Sheet1!$D$2:$D$2</c:f>
               <c:numCache>
                 <c:formatCode>General</c:formatCode>
-                <c:ptCount val="9"/>
-                <c:pt idx="0">
-                  <c:v>11.19</c:v>
+                <c:ptCount val="1"/>
+                <c:pt idx="0">
+                  <c:v>13.6</c:v>
+                </c:pt>
+              </c:numCache>
+            </c:numRef>
+          </c:val>
+        </c:ser>
+        <c:dLbls>
+          <c:txPr>
+            <a:bodyPr/>
+            <a:lstStyle/>
+            <a:p>
+              <a:pPr>
+                <a:defRPr sz="1300">
+                  <a:solidFill>
+                    <a:srgbClr val="0A4280"/>
+                  </a:solidFill>
+                </a:defRPr>
+              </a:pPr>
+            </a:p>
+          </c:txPr>
+          <c:dLblPos val="inEnd"/>
+          <c:showLegendKey val="0"/>
+          <c:showVal val="1"/>
+          <c:showCatName val="0"/>
+          <c:showSerName val="0"/>
+          <c:showPercent val="0"/>
+          <c:showBubbleSize val="0"/>
+          <c:showLeaderLines val="1"/>
+        </c:dLbls>
+        <c:axId val="-2068027336"/>
+        <c:axId val="-2113994440"/>
+      </c:barChart>
+      <c:catAx>
+        <c:axId val="-2068027336"/>
+        <c:scaling>
+          <c:orientation val="minMax"/>
+        </c:scaling>
+        <c:delete val="0"/>
+        <c:axPos val="b"/>
+        <c:majorTickMark val="out"/>
+        <c:minorTickMark val="none"/>
+        <c:tickLblPos val="nextTo"/>
+        <c:crossAx val="-2113994440"/>
+        <c:crosses val="autoZero"/>
+        <c:auto val="1"/>
+        <c:lblAlgn val="ctr"/>
+        <c:lblOffset val="100"/>
+        <c:noMultiLvlLbl val="0"/>
+      </c:catAx>
+      <c:valAx>
+        <c:axId val="-2113994440"/>
+        <c:scaling/>
+        <c:delete val="0"/>
+        <c:axPos val="l"/>
+        <c:majorGridlines/>
+        <c:majorTickMark val="out"/>
+        <c:minorTickMark val="none"/>
+        <c:tickLblPos val="nextTo"/>
+        <c:crossAx val="-2068027336"/>
+        <c:crosses val="autoZero"/>
+      </c:valAx>
+    </c:plotArea>
+    <c:legend>
+      <c:legendPos/>
+      <c:overlay val="0"/>
+    </c:legend>
+    <c:dispBlanksAs val="gap"/>
+  </c:chart>
+  <c:txPr>
+    <a:bodyPr/>
+    <a:lstStyle/>
+    <a:p>
+      <a:pPr>
+        <a:defRPr sz="1800"/>
+      </a:pPr>
+      <a:endParaRPr lang="en-US"/>
+    </a:p>
+  </c:txPr>
+  <c:externalData r:id="rId1">
+    <c:autoUpdate val="0"/>
+  </c:externalData>
+</c:chartSpace>
+</file>
+
+<file path=ppt/charts/chart8.xml><?xml version="1.0" encoding="utf-8"?>
+<c:chartSpace xmlns:c="http://schemas.openxmlformats.org/drawingml/2006/chart" xmlns:a="http://schemas.openxmlformats.org/drawingml/2006/main" xmlns:r="http://schemas.openxmlformats.org/officeDocument/2006/relationships">
+  <c:date1904 val="0"/>
+  <c:chart>
+    <c:autoTitleDeleted val="0"/>
+    <c:plotArea>
+      <c:barChart>
+        <c:barDir val="col"/>
+        <c:grouping val="clustered"/>
+        <c:ser>
+          <c:idx val="0"/>
+          <c:order val="0"/>
+          <c:tx>
+            <c:strRef>
+              <c:f>Sheet1!$B$1</c:f>
+              <c:strCache>
+                <c:ptCount val="1"/>
+                <c:pt idx="0">
+                  <c:v>2022</c:v>
+                </c:pt>
+              </c:strCache>
+            </c:strRef>
+          </c:tx>
+          <c:cat>
+            <c:strRef>
+              <c:f>Sheet1!$A$2:$A$2</c:f>
+              <c:strCache>
+                <c:ptCount val="1"/>
+                <c:pt idx="0">
+                  <c:v>В килограммах</c:v>
+                </c:pt>
+              </c:strCache>
+            </c:strRef>
+          </c:cat>
+          <c:val>
+            <c:numRef>
+              <c:f>Sheet1!$B$2:$B$2</c:f>
+              <c:numCache>
+                <c:formatCode>General</c:formatCode>
+                <c:ptCount val="1"/>
+                <c:pt idx="0">
+                  <c:v>173212.88</c:v>
+                </c:pt>
+              </c:numCache>
+            </c:numRef>
+          </c:val>
+        </c:ser>
+        <c:ser>
+          <c:idx val="1"/>
+          <c:order val="1"/>
+          <c:tx>
+            <c:strRef>
+              <c:f>Sheet1!$C$1</c:f>
+              <c:strCache>
+                <c:ptCount val="1"/>
+                <c:pt idx="0">
+                  <c:v>2023</c:v>
+                </c:pt>
+              </c:strCache>
+            </c:strRef>
+          </c:tx>
+          <c:cat>
+            <c:strRef>
+              <c:f>Sheet1!$A$2:$A$2</c:f>
+              <c:strCache>
+                <c:ptCount val="1"/>
+                <c:pt idx="0">
+                  <c:v>В килограммах</c:v>
+                </c:pt>
+              </c:strCache>
+            </c:strRef>
+          </c:cat>
+          <c:val>
+            <c:numRef>
+              <c:f>Sheet1!$C$2:$C$2</c:f>
+              <c:numCache>
+                <c:formatCode>General</c:formatCode>
+                <c:ptCount val="1"/>
+                <c:pt idx="0">
+                  <c:v>176961.95200000002</c:v>
+                </c:pt>
+              </c:numCache>
+            </c:numRef>
+          </c:val>
+        </c:ser>
+        <c:ser>
+          <c:idx val="2"/>
+          <c:order val="2"/>
+          <c:tx>
+            <c:strRef>
+              <c:f>Sheet1!$D$1</c:f>
+              <c:strCache>
+                <c:ptCount val="1"/>
+                <c:pt idx="0">
+                  <c:v>%</c:v>
+                </c:pt>
+              </c:strCache>
+            </c:strRef>
+          </c:tx>
+          <c:cat>
+            <c:strRef>
+              <c:f>Sheet1!$A$2:$A$2</c:f>
+              <c:strCache>
+                <c:ptCount val="1"/>
+                <c:pt idx="0">
+                  <c:v>В килограммах</c:v>
+                </c:pt>
+              </c:strCache>
+            </c:strRef>
+          </c:cat>
+          <c:val>
+            <c:numRef>
+              <c:f>Sheet1!$D$2:$D$2</c:f>
+              <c:numCache>
+                <c:formatCode>General</c:formatCode>
+                <c:ptCount val="1"/>
+                <c:pt idx="0">
+                  <c:v>2.1</c:v>
+                </c:pt>
+              </c:numCache>
+            </c:numRef>
+          </c:val>
+        </c:ser>
+        <c:dLbls>
+          <c:txPr>
+            <a:bodyPr/>
+            <a:lstStyle/>
+            <a:p>
+              <a:pPr>
+                <a:defRPr sz="1300">
+                  <a:solidFill>
+                    <a:srgbClr val="0A4280"/>
+                  </a:solidFill>
+                </a:defRPr>
+              </a:pPr>
+            </a:p>
+          </c:txPr>
+          <c:dLblPos val="inEnd"/>
+          <c:showLegendKey val="0"/>
+          <c:showVal val="1"/>
+          <c:showCatName val="0"/>
+          <c:showSerName val="0"/>
+          <c:showPercent val="0"/>
+          <c:showBubbleSize val="0"/>
+          <c:showLeaderLines val="1"/>
+        </c:dLbls>
+        <c:axId val="-2068027336"/>
+        <c:axId val="-2113994440"/>
+      </c:barChart>
+      <c:catAx>
+        <c:axId val="-2068027336"/>
+        <c:scaling>
+          <c:orientation val="minMax"/>
+        </c:scaling>
+        <c:delete val="0"/>
+        <c:axPos val="b"/>
+        <c:majorTickMark val="out"/>
+        <c:minorTickMark val="none"/>
+        <c:tickLblPos val="nextTo"/>
+        <c:crossAx val="-2113994440"/>
+        <c:crosses val="autoZero"/>
+        <c:auto val="1"/>
+        <c:lblAlgn val="ctr"/>
+        <c:lblOffset val="100"/>
+        <c:noMultiLvlLbl val="0"/>
+      </c:catAx>
+      <c:valAx>
+        <c:axId val="-2113994440"/>
+        <c:scaling/>
+        <c:delete val="0"/>
+        <c:axPos val="l"/>
+        <c:majorGridlines/>
+        <c:majorTickMark val="out"/>
+        <c:minorTickMark val="none"/>
+        <c:tickLblPos val="nextTo"/>
+        <c:crossAx val="-2068027336"/>
+        <c:crosses val="autoZero"/>
+      </c:valAx>
+    </c:plotArea>
+    <c:legend>
+      <c:legendPos/>
+      <c:overlay val="0"/>
+    </c:legend>
+    <c:dispBlanksAs val="gap"/>
+  </c:chart>
+  <c:txPr>
+    <a:bodyPr/>
+    <a:lstStyle/>
+    <a:p>
+      <a:pPr>
+        <a:defRPr sz="1800"/>
+      </a:pPr>
+      <a:endParaRPr lang="en-US"/>
+    </a:p>
+  </c:txPr>
+  <c:externalData r:id="rId1">
+    <c:autoUpdate val="0"/>
+  </c:externalData>
+</c:chartSpace>
+</file>
+
+<file path=ppt/charts/chart9.xml><?xml version="1.0" encoding="utf-8"?>
+<c:chartSpace xmlns:c="http://schemas.openxmlformats.org/drawingml/2006/chart" xmlns:a="http://schemas.openxmlformats.org/drawingml/2006/main" xmlns:r="http://schemas.openxmlformats.org/officeDocument/2006/relationships">
+  <c:date1904 val="0"/>
+  <c:chart>
+    <c:autoTitleDeleted val="0"/>
+    <c:plotArea>
+      <c:barChart>
+        <c:barDir val="col"/>
+        <c:grouping val="clustered"/>
+        <c:ser>
+          <c:idx val="0"/>
+          <c:order val="0"/>
+          <c:tx>
+            <c:strRef>
+              <c:f>Sheet1!$B$1</c:f>
+              <c:strCache>
+                <c:ptCount val="1"/>
+                <c:pt idx="0">
+                  <c:v>2022</c:v>
+                </c:pt>
+              </c:strCache>
+            </c:strRef>
+          </c:tx>
+          <c:cat>
+            <c:strRef>
+              <c:f>Sheet1!$A$2:$A$12</c:f>
+              <c:strCache>
+                <c:ptCount val="11"/>
+                <c:pt idx="0">
+                  <c:v>1 Краснодар</c:v>
                 </c:pt>
                 <c:pt idx="1">
-                  <c:v>0.73</c:v>
+                  <c:v>2 Краснодар</c:v>
                 </c:pt>
                 <c:pt idx="2">
-                  <c:v>0.57</c:v>
+                  <c:v>3 Краснодар</c:v>
                 </c:pt>
                 <c:pt idx="3">
-                  <c:v>9.87</c:v>
+                  <c:v>4 Краснодар</c:v>
                 </c:pt>
                 <c:pt idx="4">
-                  <c:v>15.46</c:v>
+                  <c:v>5 Краснодар</c:v>
                 </c:pt>
                 <c:pt idx="5">
-                  <c:v>5.94</c:v>
+                  <c:v>6 Краснодар</c:v>
                 </c:pt>
                 <c:pt idx="6">
-                  <c:v>16.13</c:v>
+                  <c:v>7 Краснодар</c:v>
                 </c:pt>
                 <c:pt idx="7">
-                  <c:v>7.46</c:v>
+                  <c:v>8 Краснодар</c:v>
                 </c:pt>
                 <c:pt idx="8">
-                  <c:v>21.91</c:v>
+                  <c:v>9 Краснодар</c:v>
+                </c:pt>
+                <c:pt idx="9">
+                  <c:v>10 Краснодар</c:v>
+                </c:pt>
+                <c:pt idx="10">
+                  <c:v>11 Краснодар</c:v>
+                </c:pt>
+              </c:strCache>
+            </c:strRef>
+          </c:cat>
+          <c:val>
+            <c:numRef>
+              <c:f>Sheet1!$B$2:$B$12</c:f>
+              <c:numCache>
+                <c:formatCode>General</c:formatCode>
+                <c:ptCount val="11"/>
+                <c:pt idx="0">
+                  <c:v>4967758.81</c:v>
+                </c:pt>
+                <c:pt idx="1">
+                  <c:v>2547694.19</c:v>
+                </c:pt>
+                <c:pt idx="2">
+                  <c:v>3071338.3</c:v>
+                </c:pt>
+                <c:pt idx="3">
+                  <c:v>2956801.79</c:v>
+                </c:pt>
+                <c:pt idx="4">
+                  <c:v>3562950.22</c:v>
+                </c:pt>
+                <c:pt idx="5">
+                  <c:v>2751633.39</c:v>
+                </c:pt>
+                <c:pt idx="6">
+                  <c:v>3364938.73</c:v>
+                </c:pt>
+                <c:pt idx="7">
+                  <c:v>3736242.54</c:v>
+                </c:pt>
+                <c:pt idx="8">
+                  <c:v>4495878.71</c:v>
+                </c:pt>
+                <c:pt idx="9">
+                  <c:v>0</c:v>
+                </c:pt>
+                <c:pt idx="10">
+                  <c:v>2322271.5</c:v>
+                </c:pt>
+              </c:numCache>
+            </c:numRef>
+          </c:val>
+        </c:ser>
+        <c:ser>
+          <c:idx val="1"/>
+          <c:order val="1"/>
+          <c:tx>
+            <c:strRef>
+              <c:f>Sheet1!$C$1</c:f>
+              <c:strCache>
+                <c:ptCount val="1"/>
+                <c:pt idx="0">
+                  <c:v>2023</c:v>
+                </c:pt>
+              </c:strCache>
+            </c:strRef>
+          </c:tx>
+          <c:cat>
+            <c:strRef>
+              <c:f>Sheet1!$A$2:$A$12</c:f>
+              <c:strCache>
+                <c:ptCount val="11"/>
+                <c:pt idx="0">
+                  <c:v>1 Краснодар</c:v>
+                </c:pt>
+                <c:pt idx="1">
+                  <c:v>2 Краснодар</c:v>
+                </c:pt>
+                <c:pt idx="2">
+                  <c:v>3 Краснодар</c:v>
+                </c:pt>
+                <c:pt idx="3">
+                  <c:v>4 Краснодар</c:v>
+                </c:pt>
+                <c:pt idx="4">
+                  <c:v>5 Краснодар</c:v>
+                </c:pt>
+                <c:pt idx="5">
+                  <c:v>6 Краснодар</c:v>
+                </c:pt>
+                <c:pt idx="6">
+                  <c:v>7 Краснодар</c:v>
+                </c:pt>
+                <c:pt idx="7">
+                  <c:v>8 Краснодар</c:v>
+                </c:pt>
+                <c:pt idx="8">
+                  <c:v>9 Краснодар</c:v>
+                </c:pt>
+                <c:pt idx="9">
+                  <c:v>10 Краснодар</c:v>
+                </c:pt>
+                <c:pt idx="10">
+                  <c:v>11 Краснодар</c:v>
+                </c:pt>
+              </c:strCache>
+            </c:strRef>
+          </c:cat>
+          <c:val>
+            <c:numRef>
+              <c:f>Sheet1!$C$2:$C$12</c:f>
+              <c:numCache>
+                <c:formatCode>General</c:formatCode>
+                <c:ptCount val="11"/>
+                <c:pt idx="0">
+                  <c:v>4745289.04</c:v>
+                </c:pt>
+                <c:pt idx="1">
+                  <c:v>3055326.94</c:v>
+                </c:pt>
+                <c:pt idx="2">
+                  <c:v>2877928.65</c:v>
+                </c:pt>
+                <c:pt idx="3">
+                  <c:v>3085117.97</c:v>
+                </c:pt>
+                <c:pt idx="4">
+                  <c:v>3702373.75</c:v>
+                </c:pt>
+                <c:pt idx="5">
+                  <c:v>3062994.93</c:v>
+                </c:pt>
+                <c:pt idx="6">
+                  <c:v>3546924.68</c:v>
+                </c:pt>
+                <c:pt idx="7">
+                  <c:v>4148352.69</c:v>
+                </c:pt>
+                <c:pt idx="8">
+                  <c:v>4883871.31</c:v>
+                </c:pt>
+                <c:pt idx="9">
+                  <c:v>0</c:v>
+                </c:pt>
+                <c:pt idx="10">
+                  <c:v>2991152.22</c:v>
+                </c:pt>
+              </c:numCache>
+            </c:numRef>
+          </c:val>
+        </c:ser>
+        <c:ser>
+          <c:idx val="2"/>
+          <c:order val="2"/>
+          <c:tx>
+            <c:strRef>
+              <c:f>Sheet1!$D$1</c:f>
+              <c:strCache>
+                <c:ptCount val="1"/>
+                <c:pt idx="0">
+                  <c:v>%</c:v>
+                </c:pt>
+              </c:strCache>
+            </c:strRef>
+          </c:tx>
+          <c:cat>
+            <c:strRef>
+              <c:f>Sheet1!$A$2:$A$12</c:f>
+              <c:strCache>
+                <c:ptCount val="11"/>
+                <c:pt idx="0">
+                  <c:v>1 Краснодар</c:v>
+                </c:pt>
+                <c:pt idx="1">
+                  <c:v>2 Краснодар</c:v>
+                </c:pt>
+                <c:pt idx="2">
+                  <c:v>3 Краснодар</c:v>
+                </c:pt>
+                <c:pt idx="3">
+                  <c:v>4 Краснодар</c:v>
+                </c:pt>
+                <c:pt idx="4">
+                  <c:v>5 Краснодар</c:v>
+                </c:pt>
+                <c:pt idx="5">
+                  <c:v>6 Краснодар</c:v>
+                </c:pt>
+                <c:pt idx="6">
+                  <c:v>7 Краснодар</c:v>
+                </c:pt>
+                <c:pt idx="7">
+                  <c:v>8 Краснодар</c:v>
+                </c:pt>
+                <c:pt idx="8">
+                  <c:v>9 Краснодар</c:v>
+                </c:pt>
+                <c:pt idx="9">
+                  <c:v>10 Краснодар</c:v>
+                </c:pt>
+                <c:pt idx="10">
+                  <c:v>11 Краснодар</c:v>
+                </c:pt>
+              </c:strCache>
+            </c:strRef>
+          </c:cat>
+          <c:val>
+            <c:numRef>
+              <c:f>Sheet1!$D$2:$D$12</c:f>
+              <c:numCache>
+                <c:formatCode>General</c:formatCode>
+                <c:ptCount val="11"/>
+                <c:pt idx="0">
+                  <c:v>-4.69</c:v>
+                </c:pt>
+                <c:pt idx="1">
+                  <c:v>16.61</c:v>
+                </c:pt>
+                <c:pt idx="2">
+                  <c:v>-6.72</c:v>
+                </c:pt>
+                <c:pt idx="3">
+                  <c:v>4.16</c:v>
+                </c:pt>
+                <c:pt idx="4">
+                  <c:v>3.77</c:v>
+                </c:pt>
+                <c:pt idx="5">
+                  <c:v>10.17</c:v>
+                </c:pt>
+                <c:pt idx="6">
+                  <c:v>5.13</c:v>
+                </c:pt>
+                <c:pt idx="7">
+                  <c:v>9.93</c:v>
+                </c:pt>
+                <c:pt idx="8">
+                  <c:v>7.94</c:v>
+                </c:pt>
+                <c:pt idx="9">
+                  <c:v>0</c:v>
+                </c:pt>
+                <c:pt idx="10">
+                  <c:v>22.36</c:v>
                 </c:pt>
               </c:numCache>
             </c:numRef>
@@ -5759,6 +11308,718 @@
 </p:sld>
 </file>
 
+<file path=ppt/slides/slide10.xml><?xml version="1.0" encoding="utf-8"?>
+<p:sld xmlns:a="http://schemas.openxmlformats.org/drawingml/2006/main" xmlns:p="http://schemas.openxmlformats.org/presentationml/2006/main" xmlns:r="http://schemas.openxmlformats.org/officeDocument/2006/relationships">
+  <p:cSld>
+    <p:spTree>
+      <p:nvGrpSpPr>
+        <p:cNvPr id="1" name=""/>
+        <p:cNvGrpSpPr/>
+        <p:nvPr/>
+      </p:nvGrpSpPr>
+      <p:grpSpPr/>
+      <p:sp>
+        <p:nvSpPr>
+          <p:cNvPr id="2" name="Title 1"/>
+          <p:cNvSpPr>
+            <a:spLocks noGrp="1"/>
+          </p:cNvSpPr>
+          <p:nvPr>
+            <p:ph type="title"/>
+          </p:nvPr>
+        </p:nvSpPr>
+        <p:spPr>
+          <a:xfrm>
+            <a:ext cx="12801600" cy="0"/>
+          </a:xfrm>
+        </p:spPr>
+        <p:txBody>
+          <a:bodyPr/>
+          <a:lstStyle/>
+          <a:p/>
+          <a:p>
+            <a:r>
+              <a:t>                Продажи к сравнению                  </a:t>
+            </a:r>
+          </a:p>
+          <a:p>
+            <a:r>
+              <a:t>в киллограмах                               в рублях</a:t>
+            </a:r>
+          </a:p>
+        </p:txBody>
+      </p:sp>
+      <p:graphicFrame>
+        <p:nvGraphicFramePr>
+          <p:cNvPr id="3" name="Chart 2"/>
+          <p:cNvGraphicFramePr>
+            <a:graphicFrameLocks noGrp="1"/>
+          </p:cNvGraphicFramePr>
+          <p:nvPr/>
+        </p:nvGraphicFramePr>
+        <p:xfrm>
+          <a:off x="914400" y="1828800"/>
+          <a:ext cx="5486400" cy="4114800"/>
+        </p:xfrm>
+        <a:graphic>
+          <a:graphicData uri="http://schemas.openxmlformats.org/drawingml/2006/chart">
+            <c:chart xmlns:c="http://schemas.openxmlformats.org/drawingml/2006/chart" r:id="rId2"/>
+          </a:graphicData>
+        </a:graphic>
+      </p:graphicFrame>
+      <p:graphicFrame>
+        <p:nvGraphicFramePr>
+          <p:cNvPr id="4" name="Chart 3"/>
+          <p:cNvGraphicFramePr>
+            <a:graphicFrameLocks noGrp="1"/>
+          </p:cNvGraphicFramePr>
+          <p:nvPr/>
+        </p:nvGraphicFramePr>
+        <p:xfrm>
+          <a:off x="8229600" y="1828800"/>
+          <a:ext cx="5486400" cy="4114800"/>
+        </p:xfrm>
+        <a:graphic>
+          <a:graphicData uri="http://schemas.openxmlformats.org/drawingml/2006/chart">
+            <c:chart xmlns:c="http://schemas.openxmlformats.org/drawingml/2006/chart" r:id="rId3"/>
+          </a:graphicData>
+        </a:graphic>
+      </p:graphicFrame>
+    </p:spTree>
+  </p:cSld>
+  <p:clrMapOvr>
+    <a:masterClrMapping/>
+  </p:clrMapOvr>
+</p:sld>
+</file>
+
+<file path=ppt/slides/slide11.xml><?xml version="1.0" encoding="utf-8"?>
+<p:sld xmlns:a="http://schemas.openxmlformats.org/drawingml/2006/main" xmlns:p="http://schemas.openxmlformats.org/presentationml/2006/main" xmlns:r="http://schemas.openxmlformats.org/officeDocument/2006/relationships">
+  <p:cSld>
+    <p:spTree>
+      <p:nvGrpSpPr>
+        <p:cNvPr id="1" name=""/>
+        <p:cNvGrpSpPr/>
+        <p:nvPr/>
+      </p:nvGrpSpPr>
+      <p:grpSpPr/>
+      <p:sp>
+        <p:nvSpPr>
+          <p:cNvPr id="2" name="Title 1"/>
+          <p:cNvSpPr>
+            <a:spLocks noGrp="1"/>
+          </p:cNvSpPr>
+          <p:nvPr>
+            <p:ph type="title"/>
+          </p:nvPr>
+        </p:nvSpPr>
+        <p:spPr/>
+        <p:txBody>
+          <a:bodyPr/>
+          <a:lstStyle/>
+          <a:p>
+            <a:r>
+              <a:t>Продажи к сравнению в рублях</a:t>
+            </a:r>
+          </a:p>
+          <a:p>
+            <a:r>
+              <a:t>Апрель</a:t>
+            </a:r>
+          </a:p>
+        </p:txBody>
+      </p:sp>
+      <p:graphicFrame>
+        <p:nvGraphicFramePr>
+          <p:cNvPr id="3" name="Chart 2"/>
+          <p:cNvGraphicFramePr>
+            <a:graphicFrameLocks noGrp="1"/>
+          </p:cNvGraphicFramePr>
+          <p:nvPr/>
+        </p:nvGraphicFramePr>
+        <p:xfrm>
+          <a:off x="9144" y="1828800"/>
+          <a:ext cx="13716000" cy="4114800"/>
+        </p:xfrm>
+        <a:graphic>
+          <a:graphicData uri="http://schemas.openxmlformats.org/drawingml/2006/chart">
+            <c:chart xmlns:c="http://schemas.openxmlformats.org/drawingml/2006/chart" r:id="rId2"/>
+          </a:graphicData>
+        </a:graphic>
+      </p:graphicFrame>
+    </p:spTree>
+  </p:cSld>
+  <p:clrMapOvr>
+    <a:masterClrMapping/>
+  </p:clrMapOvr>
+</p:sld>
+</file>
+
+<file path=ppt/slides/slide12.xml><?xml version="1.0" encoding="utf-8"?>
+<p:sld xmlns:a="http://schemas.openxmlformats.org/drawingml/2006/main" xmlns:p="http://schemas.openxmlformats.org/presentationml/2006/main" xmlns:r="http://schemas.openxmlformats.org/officeDocument/2006/relationships">
+  <p:cSld>
+    <p:spTree>
+      <p:nvGrpSpPr>
+        <p:cNvPr id="1" name=""/>
+        <p:cNvGrpSpPr/>
+        <p:nvPr/>
+      </p:nvGrpSpPr>
+      <p:grpSpPr/>
+      <p:sp>
+        <p:nvSpPr>
+          <p:cNvPr id="2" name="Title 1"/>
+          <p:cNvSpPr>
+            <a:spLocks noGrp="1"/>
+          </p:cNvSpPr>
+          <p:nvPr>
+            <p:ph type="title"/>
+          </p:nvPr>
+        </p:nvSpPr>
+        <p:spPr/>
+        <p:txBody>
+          <a:bodyPr/>
+          <a:lstStyle/>
+          <a:p>
+            <a:r>
+              <a:t>Продажи к сравнению вес</a:t>
+            </a:r>
+          </a:p>
+          <a:p>
+            <a:r>
+              <a:t>Апрель</a:t>
+            </a:r>
+          </a:p>
+        </p:txBody>
+      </p:sp>
+      <p:graphicFrame>
+        <p:nvGraphicFramePr>
+          <p:cNvPr id="3" name="Chart 2"/>
+          <p:cNvGraphicFramePr>
+            <a:graphicFrameLocks noGrp="1"/>
+          </p:cNvGraphicFramePr>
+          <p:nvPr/>
+        </p:nvGraphicFramePr>
+        <p:xfrm>
+          <a:off x="9144" y="1828800"/>
+          <a:ext cx="13716000" cy="4114800"/>
+        </p:xfrm>
+        <a:graphic>
+          <a:graphicData uri="http://schemas.openxmlformats.org/drawingml/2006/chart">
+            <c:chart xmlns:c="http://schemas.openxmlformats.org/drawingml/2006/chart" r:id="rId2"/>
+          </a:graphicData>
+        </a:graphic>
+      </p:graphicFrame>
+    </p:spTree>
+  </p:cSld>
+  <p:clrMapOvr>
+    <a:masterClrMapping/>
+  </p:clrMapOvr>
+</p:sld>
+</file>
+
+<file path=ppt/slides/slide13.xml><?xml version="1.0" encoding="utf-8"?>
+<p:sld xmlns:a="http://schemas.openxmlformats.org/drawingml/2006/main" xmlns:p="http://schemas.openxmlformats.org/presentationml/2006/main" xmlns:r="http://schemas.openxmlformats.org/officeDocument/2006/relationships">
+  <p:cSld>
+    <p:spTree>
+      <p:nvGrpSpPr>
+        <p:cNvPr id="1" name=""/>
+        <p:cNvGrpSpPr/>
+        <p:nvPr/>
+      </p:nvGrpSpPr>
+      <p:grpSpPr/>
+      <p:sp>
+        <p:nvSpPr>
+          <p:cNvPr id="2" name="Title 1"/>
+          <p:cNvSpPr>
+            <a:spLocks noGrp="1"/>
+          </p:cNvSpPr>
+          <p:nvPr>
+            <p:ph type="title"/>
+          </p:nvPr>
+        </p:nvSpPr>
+        <p:spPr>
+          <a:xfrm>
+            <a:ext cx="12801600" cy="0"/>
+          </a:xfrm>
+        </p:spPr>
+        <p:txBody>
+          <a:bodyPr/>
+          <a:lstStyle/>
+          <a:p/>
+          <a:p>
+            <a:r>
+              <a:t>                Продажи к сравнению                  </a:t>
+            </a:r>
+          </a:p>
+          <a:p>
+            <a:r>
+              <a:t>в киллограмах                               в рублях</a:t>
+            </a:r>
+          </a:p>
+        </p:txBody>
+      </p:sp>
+      <p:graphicFrame>
+        <p:nvGraphicFramePr>
+          <p:cNvPr id="3" name="Chart 2"/>
+          <p:cNvGraphicFramePr>
+            <a:graphicFrameLocks noGrp="1"/>
+          </p:cNvGraphicFramePr>
+          <p:nvPr/>
+        </p:nvGraphicFramePr>
+        <p:xfrm>
+          <a:off x="914400" y="1828800"/>
+          <a:ext cx="5486400" cy="4114800"/>
+        </p:xfrm>
+        <a:graphic>
+          <a:graphicData uri="http://schemas.openxmlformats.org/drawingml/2006/chart">
+            <c:chart xmlns:c="http://schemas.openxmlformats.org/drawingml/2006/chart" r:id="rId2"/>
+          </a:graphicData>
+        </a:graphic>
+      </p:graphicFrame>
+      <p:graphicFrame>
+        <p:nvGraphicFramePr>
+          <p:cNvPr id="4" name="Chart 3"/>
+          <p:cNvGraphicFramePr>
+            <a:graphicFrameLocks noGrp="1"/>
+          </p:cNvGraphicFramePr>
+          <p:nvPr/>
+        </p:nvGraphicFramePr>
+        <p:xfrm>
+          <a:off x="8229600" y="1828800"/>
+          <a:ext cx="5486400" cy="4114800"/>
+        </p:xfrm>
+        <a:graphic>
+          <a:graphicData uri="http://schemas.openxmlformats.org/drawingml/2006/chart">
+            <c:chart xmlns:c="http://schemas.openxmlformats.org/drawingml/2006/chart" r:id="rId3"/>
+          </a:graphicData>
+        </a:graphic>
+      </p:graphicFrame>
+    </p:spTree>
+  </p:cSld>
+  <p:clrMapOvr>
+    <a:masterClrMapping/>
+  </p:clrMapOvr>
+</p:sld>
+</file>
+
+<file path=ppt/slides/slide14.xml><?xml version="1.0" encoding="utf-8"?>
+<p:sld xmlns:a="http://schemas.openxmlformats.org/drawingml/2006/main" xmlns:p="http://schemas.openxmlformats.org/presentationml/2006/main" xmlns:r="http://schemas.openxmlformats.org/officeDocument/2006/relationships">
+  <p:cSld>
+    <p:spTree>
+      <p:nvGrpSpPr>
+        <p:cNvPr id="1" name=""/>
+        <p:cNvGrpSpPr/>
+        <p:nvPr/>
+      </p:nvGrpSpPr>
+      <p:grpSpPr/>
+      <p:sp>
+        <p:nvSpPr>
+          <p:cNvPr id="2" name="Title 1"/>
+          <p:cNvSpPr>
+            <a:spLocks noGrp="1"/>
+          </p:cNvSpPr>
+          <p:nvPr>
+            <p:ph type="title"/>
+          </p:nvPr>
+        </p:nvSpPr>
+        <p:spPr/>
+        <p:txBody>
+          <a:bodyPr/>
+          <a:lstStyle/>
+          <a:p>
+            <a:r>
+              <a:t>Продажи к сравнению в рублях</a:t>
+            </a:r>
+          </a:p>
+          <a:p>
+            <a:r>
+              <a:t>Май</a:t>
+            </a:r>
+          </a:p>
+        </p:txBody>
+      </p:sp>
+      <p:graphicFrame>
+        <p:nvGraphicFramePr>
+          <p:cNvPr id="3" name="Chart 2"/>
+          <p:cNvGraphicFramePr>
+            <a:graphicFrameLocks noGrp="1"/>
+          </p:cNvGraphicFramePr>
+          <p:nvPr/>
+        </p:nvGraphicFramePr>
+        <p:xfrm>
+          <a:off x="9144" y="1828800"/>
+          <a:ext cx="13716000" cy="4114800"/>
+        </p:xfrm>
+        <a:graphic>
+          <a:graphicData uri="http://schemas.openxmlformats.org/drawingml/2006/chart">
+            <c:chart xmlns:c="http://schemas.openxmlformats.org/drawingml/2006/chart" r:id="rId2"/>
+          </a:graphicData>
+        </a:graphic>
+      </p:graphicFrame>
+    </p:spTree>
+  </p:cSld>
+  <p:clrMapOvr>
+    <a:masterClrMapping/>
+  </p:clrMapOvr>
+</p:sld>
+</file>
+
+<file path=ppt/slides/slide15.xml><?xml version="1.0" encoding="utf-8"?>
+<p:sld xmlns:a="http://schemas.openxmlformats.org/drawingml/2006/main" xmlns:p="http://schemas.openxmlformats.org/presentationml/2006/main" xmlns:r="http://schemas.openxmlformats.org/officeDocument/2006/relationships">
+  <p:cSld>
+    <p:spTree>
+      <p:nvGrpSpPr>
+        <p:cNvPr id="1" name=""/>
+        <p:cNvGrpSpPr/>
+        <p:nvPr/>
+      </p:nvGrpSpPr>
+      <p:grpSpPr/>
+      <p:sp>
+        <p:nvSpPr>
+          <p:cNvPr id="2" name="Title 1"/>
+          <p:cNvSpPr>
+            <a:spLocks noGrp="1"/>
+          </p:cNvSpPr>
+          <p:nvPr>
+            <p:ph type="title"/>
+          </p:nvPr>
+        </p:nvSpPr>
+        <p:spPr/>
+        <p:txBody>
+          <a:bodyPr/>
+          <a:lstStyle/>
+          <a:p>
+            <a:r>
+              <a:t>Продажи к сравнению вес</a:t>
+            </a:r>
+          </a:p>
+          <a:p>
+            <a:r>
+              <a:t>Май</a:t>
+            </a:r>
+          </a:p>
+        </p:txBody>
+      </p:sp>
+      <p:graphicFrame>
+        <p:nvGraphicFramePr>
+          <p:cNvPr id="3" name="Chart 2"/>
+          <p:cNvGraphicFramePr>
+            <a:graphicFrameLocks noGrp="1"/>
+          </p:cNvGraphicFramePr>
+          <p:nvPr/>
+        </p:nvGraphicFramePr>
+        <p:xfrm>
+          <a:off x="9144" y="1828800"/>
+          <a:ext cx="13716000" cy="4114800"/>
+        </p:xfrm>
+        <a:graphic>
+          <a:graphicData uri="http://schemas.openxmlformats.org/drawingml/2006/chart">
+            <c:chart xmlns:c="http://schemas.openxmlformats.org/drawingml/2006/chart" r:id="rId2"/>
+          </a:graphicData>
+        </a:graphic>
+      </p:graphicFrame>
+    </p:spTree>
+  </p:cSld>
+  <p:clrMapOvr>
+    <a:masterClrMapping/>
+  </p:clrMapOvr>
+</p:sld>
+</file>
+
+<file path=ppt/slides/slide16.xml><?xml version="1.0" encoding="utf-8"?>
+<p:sld xmlns:a="http://schemas.openxmlformats.org/drawingml/2006/main" xmlns:p="http://schemas.openxmlformats.org/presentationml/2006/main" xmlns:r="http://schemas.openxmlformats.org/officeDocument/2006/relationships">
+  <p:cSld>
+    <p:spTree>
+      <p:nvGrpSpPr>
+        <p:cNvPr id="1" name=""/>
+        <p:cNvGrpSpPr/>
+        <p:nvPr/>
+      </p:nvGrpSpPr>
+      <p:grpSpPr/>
+      <p:sp>
+        <p:nvSpPr>
+          <p:cNvPr id="2" name="Title 1"/>
+          <p:cNvSpPr>
+            <a:spLocks noGrp="1"/>
+          </p:cNvSpPr>
+          <p:nvPr>
+            <p:ph type="title"/>
+          </p:nvPr>
+        </p:nvSpPr>
+        <p:spPr>
+          <a:xfrm>
+            <a:ext cx="12801600" cy="0"/>
+          </a:xfrm>
+        </p:spPr>
+        <p:txBody>
+          <a:bodyPr/>
+          <a:lstStyle/>
+          <a:p/>
+          <a:p>
+            <a:r>
+              <a:t>                Продажи к сравнению                  </a:t>
+            </a:r>
+          </a:p>
+          <a:p>
+            <a:r>
+              <a:t>в киллограмах                               в рублях</a:t>
+            </a:r>
+          </a:p>
+        </p:txBody>
+      </p:sp>
+      <p:graphicFrame>
+        <p:nvGraphicFramePr>
+          <p:cNvPr id="3" name="Chart 2"/>
+          <p:cNvGraphicFramePr>
+            <a:graphicFrameLocks noGrp="1"/>
+          </p:cNvGraphicFramePr>
+          <p:nvPr/>
+        </p:nvGraphicFramePr>
+        <p:xfrm>
+          <a:off x="914400" y="1828800"/>
+          <a:ext cx="5486400" cy="4114800"/>
+        </p:xfrm>
+        <a:graphic>
+          <a:graphicData uri="http://schemas.openxmlformats.org/drawingml/2006/chart">
+            <c:chart xmlns:c="http://schemas.openxmlformats.org/drawingml/2006/chart" r:id="rId2"/>
+          </a:graphicData>
+        </a:graphic>
+      </p:graphicFrame>
+      <p:graphicFrame>
+        <p:nvGraphicFramePr>
+          <p:cNvPr id="4" name="Chart 3"/>
+          <p:cNvGraphicFramePr>
+            <a:graphicFrameLocks noGrp="1"/>
+          </p:cNvGraphicFramePr>
+          <p:nvPr/>
+        </p:nvGraphicFramePr>
+        <p:xfrm>
+          <a:off x="8229600" y="1828800"/>
+          <a:ext cx="5486400" cy="4114800"/>
+        </p:xfrm>
+        <a:graphic>
+          <a:graphicData uri="http://schemas.openxmlformats.org/drawingml/2006/chart">
+            <c:chart xmlns:c="http://schemas.openxmlformats.org/drawingml/2006/chart" r:id="rId3"/>
+          </a:graphicData>
+        </a:graphic>
+      </p:graphicFrame>
+    </p:spTree>
+  </p:cSld>
+  <p:clrMapOvr>
+    <a:masterClrMapping/>
+  </p:clrMapOvr>
+</p:sld>
+</file>
+
+<file path=ppt/slides/slide17.xml><?xml version="1.0" encoding="utf-8"?>
+<p:sld xmlns:a="http://schemas.openxmlformats.org/drawingml/2006/main" xmlns:p="http://schemas.openxmlformats.org/presentationml/2006/main" xmlns:r="http://schemas.openxmlformats.org/officeDocument/2006/relationships">
+  <p:cSld>
+    <p:spTree>
+      <p:nvGrpSpPr>
+        <p:cNvPr id="1" name=""/>
+        <p:cNvGrpSpPr/>
+        <p:nvPr/>
+      </p:nvGrpSpPr>
+      <p:grpSpPr/>
+      <p:sp>
+        <p:nvSpPr>
+          <p:cNvPr id="2" name="Title 1"/>
+          <p:cNvSpPr>
+            <a:spLocks noGrp="1"/>
+          </p:cNvSpPr>
+          <p:nvPr>
+            <p:ph type="title"/>
+          </p:nvPr>
+        </p:nvSpPr>
+        <p:spPr/>
+        <p:txBody>
+          <a:bodyPr/>
+          <a:lstStyle/>
+          <a:p>
+            <a:r>
+              <a:t>Продажи к сравнению в рублях</a:t>
+            </a:r>
+          </a:p>
+          <a:p>
+            <a:r>
+              <a:t>Июнь</a:t>
+            </a:r>
+          </a:p>
+        </p:txBody>
+      </p:sp>
+      <p:graphicFrame>
+        <p:nvGraphicFramePr>
+          <p:cNvPr id="3" name="Chart 2"/>
+          <p:cNvGraphicFramePr>
+            <a:graphicFrameLocks noGrp="1"/>
+          </p:cNvGraphicFramePr>
+          <p:nvPr/>
+        </p:nvGraphicFramePr>
+        <p:xfrm>
+          <a:off x="9144" y="1828800"/>
+          <a:ext cx="13716000" cy="4114800"/>
+        </p:xfrm>
+        <a:graphic>
+          <a:graphicData uri="http://schemas.openxmlformats.org/drawingml/2006/chart">
+            <c:chart xmlns:c="http://schemas.openxmlformats.org/drawingml/2006/chart" r:id="rId2"/>
+          </a:graphicData>
+        </a:graphic>
+      </p:graphicFrame>
+    </p:spTree>
+  </p:cSld>
+  <p:clrMapOvr>
+    <a:masterClrMapping/>
+  </p:clrMapOvr>
+</p:sld>
+</file>
+
+<file path=ppt/slides/slide18.xml><?xml version="1.0" encoding="utf-8"?>
+<p:sld xmlns:a="http://schemas.openxmlformats.org/drawingml/2006/main" xmlns:p="http://schemas.openxmlformats.org/presentationml/2006/main" xmlns:r="http://schemas.openxmlformats.org/officeDocument/2006/relationships">
+  <p:cSld>
+    <p:spTree>
+      <p:nvGrpSpPr>
+        <p:cNvPr id="1" name=""/>
+        <p:cNvGrpSpPr/>
+        <p:nvPr/>
+      </p:nvGrpSpPr>
+      <p:grpSpPr/>
+      <p:sp>
+        <p:nvSpPr>
+          <p:cNvPr id="2" name="Title 1"/>
+          <p:cNvSpPr>
+            <a:spLocks noGrp="1"/>
+          </p:cNvSpPr>
+          <p:nvPr>
+            <p:ph type="title"/>
+          </p:nvPr>
+        </p:nvSpPr>
+        <p:spPr/>
+        <p:txBody>
+          <a:bodyPr/>
+          <a:lstStyle/>
+          <a:p>
+            <a:r>
+              <a:t>Продажи к сравнению вес</a:t>
+            </a:r>
+          </a:p>
+          <a:p>
+            <a:r>
+              <a:t>Июнь</a:t>
+            </a:r>
+          </a:p>
+        </p:txBody>
+      </p:sp>
+      <p:graphicFrame>
+        <p:nvGraphicFramePr>
+          <p:cNvPr id="3" name="Chart 2"/>
+          <p:cNvGraphicFramePr>
+            <a:graphicFrameLocks noGrp="1"/>
+          </p:cNvGraphicFramePr>
+          <p:nvPr/>
+        </p:nvGraphicFramePr>
+        <p:xfrm>
+          <a:off x="9144" y="1828800"/>
+          <a:ext cx="13716000" cy="4114800"/>
+        </p:xfrm>
+        <a:graphic>
+          <a:graphicData uri="http://schemas.openxmlformats.org/drawingml/2006/chart">
+            <c:chart xmlns:c="http://schemas.openxmlformats.org/drawingml/2006/chart" r:id="rId2"/>
+          </a:graphicData>
+        </a:graphic>
+      </p:graphicFrame>
+    </p:spTree>
+  </p:cSld>
+  <p:clrMapOvr>
+    <a:masterClrMapping/>
+  </p:clrMapOvr>
+</p:sld>
+</file>
+
+<file path=ppt/slides/slide19.xml><?xml version="1.0" encoding="utf-8"?>
+<p:sld xmlns:a="http://schemas.openxmlformats.org/drawingml/2006/main" xmlns:p="http://schemas.openxmlformats.org/presentationml/2006/main" xmlns:r="http://schemas.openxmlformats.org/officeDocument/2006/relationships">
+  <p:cSld>
+    <p:spTree>
+      <p:nvGrpSpPr>
+        <p:cNvPr id="1" name=""/>
+        <p:cNvGrpSpPr/>
+        <p:nvPr/>
+      </p:nvGrpSpPr>
+      <p:grpSpPr/>
+      <p:sp>
+        <p:nvSpPr>
+          <p:cNvPr id="2" name="Title 1"/>
+          <p:cNvSpPr>
+            <a:spLocks noGrp="1"/>
+          </p:cNvSpPr>
+          <p:nvPr>
+            <p:ph type="title"/>
+          </p:nvPr>
+        </p:nvSpPr>
+        <p:spPr>
+          <a:xfrm>
+            <a:ext cx="12801600" cy="0"/>
+          </a:xfrm>
+        </p:spPr>
+        <p:txBody>
+          <a:bodyPr/>
+          <a:lstStyle/>
+          <a:p/>
+          <a:p>
+            <a:r>
+              <a:t>                Продажи к сравнению                  </a:t>
+            </a:r>
+          </a:p>
+          <a:p>
+            <a:r>
+              <a:t>в киллограмах                               в рублях</a:t>
+            </a:r>
+          </a:p>
+        </p:txBody>
+      </p:sp>
+      <p:graphicFrame>
+        <p:nvGraphicFramePr>
+          <p:cNvPr id="3" name="Chart 2"/>
+          <p:cNvGraphicFramePr>
+            <a:graphicFrameLocks noGrp="1"/>
+          </p:cNvGraphicFramePr>
+          <p:nvPr/>
+        </p:nvGraphicFramePr>
+        <p:xfrm>
+          <a:off x="914400" y="1828800"/>
+          <a:ext cx="5486400" cy="4114800"/>
+        </p:xfrm>
+        <a:graphic>
+          <a:graphicData uri="http://schemas.openxmlformats.org/drawingml/2006/chart">
+            <c:chart xmlns:c="http://schemas.openxmlformats.org/drawingml/2006/chart" r:id="rId2"/>
+          </a:graphicData>
+        </a:graphic>
+      </p:graphicFrame>
+      <p:graphicFrame>
+        <p:nvGraphicFramePr>
+          <p:cNvPr id="4" name="Chart 3"/>
+          <p:cNvGraphicFramePr>
+            <a:graphicFrameLocks noGrp="1"/>
+          </p:cNvGraphicFramePr>
+          <p:nvPr/>
+        </p:nvGraphicFramePr>
+        <p:xfrm>
+          <a:off x="8229600" y="1828800"/>
+          <a:ext cx="5486400" cy="4114800"/>
+        </p:xfrm>
+        <a:graphic>
+          <a:graphicData uri="http://schemas.openxmlformats.org/drawingml/2006/chart">
+            <c:chart xmlns:c="http://schemas.openxmlformats.org/drawingml/2006/chart" r:id="rId3"/>
+          </a:graphicData>
+        </a:graphic>
+      </p:graphicFrame>
+    </p:spTree>
+  </p:cSld>
+  <p:clrMapOvr>
+    <a:masterClrMapping/>
+  </p:clrMapOvr>
+</p:sld>
+</file>
+
 <file path=ppt/slides/slide2.xml><?xml version="1.0" encoding="utf-8"?>
 <p:sld xmlns:a="http://schemas.openxmlformats.org/drawingml/2006/main" xmlns:p="http://schemas.openxmlformats.org/presentationml/2006/main" xmlns:r="http://schemas.openxmlformats.org/officeDocument/2006/relationships">
   <p:cSld>
@@ -5785,7 +12046,7 @@
           <a:lstStyle/>
           <a:p>
             <a:r>
-              <a:t>Продажи к сравнению</a:t>
+              <a:t>Продажи к сравнению в рублях</a:t>
             </a:r>
           </a:p>
           <a:p>
@@ -5810,6 +12071,215 @@
         <a:graphic>
           <a:graphicData uri="http://schemas.openxmlformats.org/drawingml/2006/chart">
             <c:chart xmlns:c="http://schemas.openxmlformats.org/drawingml/2006/chart" r:id="rId2"/>
+          </a:graphicData>
+        </a:graphic>
+      </p:graphicFrame>
+    </p:spTree>
+  </p:cSld>
+  <p:clrMapOvr>
+    <a:masterClrMapping/>
+  </p:clrMapOvr>
+</p:sld>
+</file>
+
+<file path=ppt/slides/slide20.xml><?xml version="1.0" encoding="utf-8"?>
+<p:sld xmlns:a="http://schemas.openxmlformats.org/drawingml/2006/main" xmlns:p="http://schemas.openxmlformats.org/presentationml/2006/main" xmlns:r="http://schemas.openxmlformats.org/officeDocument/2006/relationships">
+  <p:cSld>
+    <p:spTree>
+      <p:nvGrpSpPr>
+        <p:cNvPr id="1" name=""/>
+        <p:cNvGrpSpPr/>
+        <p:nvPr/>
+      </p:nvGrpSpPr>
+      <p:grpSpPr/>
+      <p:sp>
+        <p:nvSpPr>
+          <p:cNvPr id="2" name="Title 1"/>
+          <p:cNvSpPr>
+            <a:spLocks noGrp="1"/>
+          </p:cNvSpPr>
+          <p:nvPr>
+            <p:ph type="title"/>
+          </p:nvPr>
+        </p:nvSpPr>
+        <p:spPr/>
+        <p:txBody>
+          <a:bodyPr/>
+          <a:lstStyle/>
+          <a:p>
+            <a:r>
+              <a:t>Продажи к сравнению в рублях</a:t>
+            </a:r>
+          </a:p>
+          <a:p>
+            <a:r>
+              <a:t>Июль</a:t>
+            </a:r>
+          </a:p>
+        </p:txBody>
+      </p:sp>
+      <p:graphicFrame>
+        <p:nvGraphicFramePr>
+          <p:cNvPr id="3" name="Chart 2"/>
+          <p:cNvGraphicFramePr>
+            <a:graphicFrameLocks noGrp="1"/>
+          </p:cNvGraphicFramePr>
+          <p:nvPr/>
+        </p:nvGraphicFramePr>
+        <p:xfrm>
+          <a:off x="9144" y="1828800"/>
+          <a:ext cx="13716000" cy="4114800"/>
+        </p:xfrm>
+        <a:graphic>
+          <a:graphicData uri="http://schemas.openxmlformats.org/drawingml/2006/chart">
+            <c:chart xmlns:c="http://schemas.openxmlformats.org/drawingml/2006/chart" r:id="rId2"/>
+          </a:graphicData>
+        </a:graphic>
+      </p:graphicFrame>
+    </p:spTree>
+  </p:cSld>
+  <p:clrMapOvr>
+    <a:masterClrMapping/>
+  </p:clrMapOvr>
+</p:sld>
+</file>
+
+<file path=ppt/slides/slide21.xml><?xml version="1.0" encoding="utf-8"?>
+<p:sld xmlns:a="http://schemas.openxmlformats.org/drawingml/2006/main" xmlns:p="http://schemas.openxmlformats.org/presentationml/2006/main" xmlns:r="http://schemas.openxmlformats.org/officeDocument/2006/relationships">
+  <p:cSld>
+    <p:spTree>
+      <p:nvGrpSpPr>
+        <p:cNvPr id="1" name=""/>
+        <p:cNvGrpSpPr/>
+        <p:nvPr/>
+      </p:nvGrpSpPr>
+      <p:grpSpPr/>
+      <p:sp>
+        <p:nvSpPr>
+          <p:cNvPr id="2" name="Title 1"/>
+          <p:cNvSpPr>
+            <a:spLocks noGrp="1"/>
+          </p:cNvSpPr>
+          <p:nvPr>
+            <p:ph type="title"/>
+          </p:nvPr>
+        </p:nvSpPr>
+        <p:spPr/>
+        <p:txBody>
+          <a:bodyPr/>
+          <a:lstStyle/>
+          <a:p>
+            <a:r>
+              <a:t>Продажи к сравнению вес</a:t>
+            </a:r>
+          </a:p>
+          <a:p>
+            <a:r>
+              <a:t>Июль</a:t>
+            </a:r>
+          </a:p>
+        </p:txBody>
+      </p:sp>
+      <p:graphicFrame>
+        <p:nvGraphicFramePr>
+          <p:cNvPr id="3" name="Chart 2"/>
+          <p:cNvGraphicFramePr>
+            <a:graphicFrameLocks noGrp="1"/>
+          </p:cNvGraphicFramePr>
+          <p:nvPr/>
+        </p:nvGraphicFramePr>
+        <p:xfrm>
+          <a:off x="9144" y="1828800"/>
+          <a:ext cx="13716000" cy="4114800"/>
+        </p:xfrm>
+        <a:graphic>
+          <a:graphicData uri="http://schemas.openxmlformats.org/drawingml/2006/chart">
+            <c:chart xmlns:c="http://schemas.openxmlformats.org/drawingml/2006/chart" r:id="rId2"/>
+          </a:graphicData>
+        </a:graphic>
+      </p:graphicFrame>
+    </p:spTree>
+  </p:cSld>
+  <p:clrMapOvr>
+    <a:masterClrMapping/>
+  </p:clrMapOvr>
+</p:sld>
+</file>
+
+<file path=ppt/slides/slide22.xml><?xml version="1.0" encoding="utf-8"?>
+<p:sld xmlns:a="http://schemas.openxmlformats.org/drawingml/2006/main" xmlns:p="http://schemas.openxmlformats.org/presentationml/2006/main" xmlns:r="http://schemas.openxmlformats.org/officeDocument/2006/relationships">
+  <p:cSld>
+    <p:spTree>
+      <p:nvGrpSpPr>
+        <p:cNvPr id="1" name=""/>
+        <p:cNvGrpSpPr/>
+        <p:nvPr/>
+      </p:nvGrpSpPr>
+      <p:grpSpPr/>
+      <p:sp>
+        <p:nvSpPr>
+          <p:cNvPr id="2" name="Title 1"/>
+          <p:cNvSpPr>
+            <a:spLocks noGrp="1"/>
+          </p:cNvSpPr>
+          <p:nvPr>
+            <p:ph type="title"/>
+          </p:nvPr>
+        </p:nvSpPr>
+        <p:spPr>
+          <a:xfrm>
+            <a:ext cx="12801600" cy="0"/>
+          </a:xfrm>
+        </p:spPr>
+        <p:txBody>
+          <a:bodyPr/>
+          <a:lstStyle/>
+          <a:p/>
+          <a:p>
+            <a:r>
+              <a:t>                Продажи к сравнению                  </a:t>
+            </a:r>
+          </a:p>
+          <a:p>
+            <a:r>
+              <a:t>в киллограмах                               в рублях</a:t>
+            </a:r>
+          </a:p>
+        </p:txBody>
+      </p:sp>
+      <p:graphicFrame>
+        <p:nvGraphicFramePr>
+          <p:cNvPr id="3" name="Chart 2"/>
+          <p:cNvGraphicFramePr>
+            <a:graphicFrameLocks noGrp="1"/>
+          </p:cNvGraphicFramePr>
+          <p:nvPr/>
+        </p:nvGraphicFramePr>
+        <p:xfrm>
+          <a:off x="914400" y="1828800"/>
+          <a:ext cx="5486400" cy="4114800"/>
+        </p:xfrm>
+        <a:graphic>
+          <a:graphicData uri="http://schemas.openxmlformats.org/drawingml/2006/chart">
+            <c:chart xmlns:c="http://schemas.openxmlformats.org/drawingml/2006/chart" r:id="rId2"/>
+          </a:graphicData>
+        </a:graphic>
+      </p:graphicFrame>
+      <p:graphicFrame>
+        <p:nvGraphicFramePr>
+          <p:cNvPr id="4" name="Chart 3"/>
+          <p:cNvGraphicFramePr>
+            <a:graphicFrameLocks noGrp="1"/>
+          </p:cNvGraphicFramePr>
+          <p:nvPr/>
+        </p:nvGraphicFramePr>
+        <p:xfrm>
+          <a:off x="8229600" y="1828800"/>
+          <a:ext cx="5486400" cy="4114800"/>
+        </p:xfrm>
+        <a:graphic>
+          <a:graphicData uri="http://schemas.openxmlformats.org/drawingml/2006/chart">
+            <c:chart xmlns:c="http://schemas.openxmlformats.org/drawingml/2006/chart" r:id="rId3"/>
           </a:graphicData>
         </a:graphic>
       </p:graphicFrame>
@@ -5847,12 +12317,12 @@
           <a:lstStyle/>
           <a:p>
             <a:r>
-              <a:t>Продажи к сравнению</a:t>
+              <a:t>Продажи к сравнению вес</a:t>
             </a:r>
           </a:p>
           <a:p>
             <a:r>
-              <a:t>Февраль</a:t>
+              <a:t>Январь</a:t>
             </a:r>
           </a:p>
         </p:txBody>
@@ -5903,18 +12373,23 @@
             <p:ph type="title"/>
           </p:nvPr>
         </p:nvSpPr>
-        <p:spPr/>
+        <p:spPr>
+          <a:xfrm>
+            <a:ext cx="12801600" cy="0"/>
+          </a:xfrm>
+        </p:spPr>
         <p:txBody>
           <a:bodyPr/>
           <a:lstStyle/>
+          <a:p/>
           <a:p>
             <a:r>
-              <a:t>Продажи к сравнению</a:t>
+              <a:t>                Продажи к сравнению                  </a:t>
             </a:r>
           </a:p>
           <a:p>
             <a:r>
-              <a:t>Март</a:t>
+              <a:t>в киллограмах                               в рублях</a:t>
             </a:r>
           </a:p>
         </p:txBody>
@@ -5928,12 +12403,30 @@
           <p:nvPr/>
         </p:nvGraphicFramePr>
         <p:xfrm>
-          <a:off x="9144" y="1828800"/>
-          <a:ext cx="13716000" cy="4114800"/>
+          <a:off x="914400" y="1828800"/>
+          <a:ext cx="5486400" cy="4114800"/>
         </p:xfrm>
         <a:graphic>
           <a:graphicData uri="http://schemas.openxmlformats.org/drawingml/2006/chart">
             <c:chart xmlns:c="http://schemas.openxmlformats.org/drawingml/2006/chart" r:id="rId2"/>
+          </a:graphicData>
+        </a:graphic>
+      </p:graphicFrame>
+      <p:graphicFrame>
+        <p:nvGraphicFramePr>
+          <p:cNvPr id="4" name="Chart 3"/>
+          <p:cNvGraphicFramePr>
+            <a:graphicFrameLocks noGrp="1"/>
+          </p:cNvGraphicFramePr>
+          <p:nvPr/>
+        </p:nvGraphicFramePr>
+        <p:xfrm>
+          <a:off x="8229600" y="1828800"/>
+          <a:ext cx="5486400" cy="4114800"/>
+        </p:xfrm>
+        <a:graphic>
+          <a:graphicData uri="http://schemas.openxmlformats.org/drawingml/2006/chart">
+            <c:chart xmlns:c="http://schemas.openxmlformats.org/drawingml/2006/chart" r:id="rId3"/>
           </a:graphicData>
         </a:graphic>
       </p:graphicFrame>
@@ -5971,12 +12464,12 @@
           <a:lstStyle/>
           <a:p>
             <a:r>
-              <a:t>Продажи к сравнению</a:t>
+              <a:t>Продажи к сравнению в рублях</a:t>
             </a:r>
           </a:p>
           <a:p>
             <a:r>
-              <a:t>Апрель</a:t>
+              <a:t>Февраль</a:t>
             </a:r>
           </a:p>
         </p:txBody>
@@ -6033,12 +12526,12 @@
           <a:lstStyle/>
           <a:p>
             <a:r>
-              <a:t>Продажи к сравнению</a:t>
+              <a:t>Продажи к сравнению вес</a:t>
             </a:r>
           </a:p>
           <a:p>
             <a:r>
-              <a:t>Май</a:t>
+              <a:t>Февраль</a:t>
             </a:r>
           </a:p>
         </p:txBody>
@@ -6089,18 +12582,23 @@
             <p:ph type="title"/>
           </p:nvPr>
         </p:nvSpPr>
-        <p:spPr/>
+        <p:spPr>
+          <a:xfrm>
+            <a:ext cx="12801600" cy="0"/>
+          </a:xfrm>
+        </p:spPr>
         <p:txBody>
           <a:bodyPr/>
           <a:lstStyle/>
+          <a:p/>
           <a:p>
             <a:r>
-              <a:t>Продажи к сравнению</a:t>
+              <a:t>                Продажи к сравнению                  </a:t>
             </a:r>
           </a:p>
           <a:p>
             <a:r>
-              <a:t>Июнь</a:t>
+              <a:t>в киллограмах                               в рублях</a:t>
             </a:r>
           </a:p>
         </p:txBody>
@@ -6114,12 +12612,30 @@
           <p:nvPr/>
         </p:nvGraphicFramePr>
         <p:xfrm>
-          <a:off x="9144" y="1828800"/>
-          <a:ext cx="13716000" cy="4114800"/>
+          <a:off x="914400" y="1828800"/>
+          <a:ext cx="5486400" cy="4114800"/>
         </p:xfrm>
         <a:graphic>
           <a:graphicData uri="http://schemas.openxmlformats.org/drawingml/2006/chart">
             <c:chart xmlns:c="http://schemas.openxmlformats.org/drawingml/2006/chart" r:id="rId2"/>
+          </a:graphicData>
+        </a:graphic>
+      </p:graphicFrame>
+      <p:graphicFrame>
+        <p:nvGraphicFramePr>
+          <p:cNvPr id="4" name="Chart 3"/>
+          <p:cNvGraphicFramePr>
+            <a:graphicFrameLocks noGrp="1"/>
+          </p:cNvGraphicFramePr>
+          <p:nvPr/>
+        </p:nvGraphicFramePr>
+        <p:xfrm>
+          <a:off x="8229600" y="1828800"/>
+          <a:ext cx="5486400" cy="4114800"/>
+        </p:xfrm>
+        <a:graphic>
+          <a:graphicData uri="http://schemas.openxmlformats.org/drawingml/2006/chart">
+            <c:chart xmlns:c="http://schemas.openxmlformats.org/drawingml/2006/chart" r:id="rId3"/>
           </a:graphicData>
         </a:graphic>
       </p:graphicFrame>
@@ -6157,12 +12673,74 @@
           <a:lstStyle/>
           <a:p>
             <a:r>
-              <a:t>Продажи к сравнению</a:t>
+              <a:t>Продажи к сравнению в рублях</a:t>
             </a:r>
           </a:p>
           <a:p>
             <a:r>
-              <a:t>Июль</a:t>
+              <a:t>Март</a:t>
+            </a:r>
+          </a:p>
+        </p:txBody>
+      </p:sp>
+      <p:graphicFrame>
+        <p:nvGraphicFramePr>
+          <p:cNvPr id="3" name="Chart 2"/>
+          <p:cNvGraphicFramePr>
+            <a:graphicFrameLocks noGrp="1"/>
+          </p:cNvGraphicFramePr>
+          <p:nvPr/>
+        </p:nvGraphicFramePr>
+        <p:xfrm>
+          <a:off x="9144" y="1828800"/>
+          <a:ext cx="13716000" cy="4114800"/>
+        </p:xfrm>
+        <a:graphic>
+          <a:graphicData uri="http://schemas.openxmlformats.org/drawingml/2006/chart">
+            <c:chart xmlns:c="http://schemas.openxmlformats.org/drawingml/2006/chart" r:id="rId2"/>
+          </a:graphicData>
+        </a:graphic>
+      </p:graphicFrame>
+    </p:spTree>
+  </p:cSld>
+  <p:clrMapOvr>
+    <a:masterClrMapping/>
+  </p:clrMapOvr>
+</p:sld>
+</file>
+
+<file path=ppt/slides/slide9.xml><?xml version="1.0" encoding="utf-8"?>
+<p:sld xmlns:a="http://schemas.openxmlformats.org/drawingml/2006/main" xmlns:p="http://schemas.openxmlformats.org/presentationml/2006/main" xmlns:r="http://schemas.openxmlformats.org/officeDocument/2006/relationships">
+  <p:cSld>
+    <p:spTree>
+      <p:nvGrpSpPr>
+        <p:cNvPr id="1" name=""/>
+        <p:cNvGrpSpPr/>
+        <p:nvPr/>
+      </p:nvGrpSpPr>
+      <p:grpSpPr/>
+      <p:sp>
+        <p:nvSpPr>
+          <p:cNvPr id="2" name="Title 1"/>
+          <p:cNvSpPr>
+            <a:spLocks noGrp="1"/>
+          </p:cNvSpPr>
+          <p:nvPr>
+            <p:ph type="title"/>
+          </p:nvPr>
+        </p:nvSpPr>
+        <p:spPr/>
+        <p:txBody>
+          <a:bodyPr/>
+          <a:lstStyle/>
+          <a:p>
+            <a:r>
+              <a:t>Продажи к сравнению вес</a:t>
+            </a:r>
+          </a:p>
+          <a:p>
+            <a:r>
+              <a:t>Март</a:t>
             </a:r>
           </a:p>
         </p:txBody>
